--- a/数据集结构.pptx
+++ b/数据集结构.pptx
@@ -5,7 +5,7 @@
     <p:sldMasterId id="2147483648" r:id="rId1"/>
   </p:sldMasterIdLst>
   <p:notesMasterIdLst>
-    <p:notesMasterId r:id="rId31"/>
+    <p:notesMasterId r:id="rId36"/>
   </p:notesMasterIdLst>
   <p:sldIdLst>
     <p:sldId id="256" r:id="rId2"/>
@@ -32,11 +32,16 @@
     <p:sldId id="282" r:id="rId23"/>
     <p:sldId id="279" r:id="rId24"/>
     <p:sldId id="280" r:id="rId25"/>
-    <p:sldId id="283" r:id="rId26"/>
-    <p:sldId id="287" r:id="rId27"/>
-    <p:sldId id="285" r:id="rId28"/>
-    <p:sldId id="286" r:id="rId29"/>
-    <p:sldId id="284" r:id="rId30"/>
+    <p:sldId id="287" r:id="rId26"/>
+    <p:sldId id="285" r:id="rId27"/>
+    <p:sldId id="286" r:id="rId28"/>
+    <p:sldId id="284" r:id="rId29"/>
+    <p:sldId id="288" r:id="rId30"/>
+    <p:sldId id="283" r:id="rId31"/>
+    <p:sldId id="291" r:id="rId32"/>
+    <p:sldId id="289" r:id="rId33"/>
+    <p:sldId id="292" r:id="rId34"/>
+    <p:sldId id="290" r:id="rId35"/>
   </p:sldIdLst>
   <p:sldSz cx="12192000" cy="6858000"/>
   <p:notesSz cx="6858000" cy="9144000"/>
@@ -164,11 +169,16 @@
             <p14:sldId id="282"/>
             <p14:sldId id="279"/>
             <p14:sldId id="280"/>
-            <p14:sldId id="283"/>
             <p14:sldId id="287"/>
             <p14:sldId id="285"/>
             <p14:sldId id="286"/>
             <p14:sldId id="284"/>
+            <p14:sldId id="288"/>
+            <p14:sldId id="283"/>
+            <p14:sldId id="291"/>
+            <p14:sldId id="289"/>
+            <p14:sldId id="292"/>
+            <p14:sldId id="290"/>
           </p14:sldIdLst>
         </p14:section>
         <p14:section name="无标题节" id="{CBB97379-85F3-4938-A589-5330BBD3452E}">
@@ -265,7 +275,7 @@
           <a:p>
             <a:fld id="{B4478420-8B01-441E-AF68-859A0CF7926F}" type="datetimeFigureOut">
               <a:rPr lang="zh-CN" altLang="en-US" smtClean="0"/>
-              <a:t>2024/9/10</a:t>
+              <a:t>2024/9/18</a:t>
             </a:fld>
             <a:endParaRPr lang="zh-CN" altLang="en-US"/>
           </a:p>
@@ -597,7 +607,7 @@
           <a:p>
             <a:fld id="{9A1CC82E-131B-4627-A351-F465EF62064C}" type="slidenum">
               <a:rPr lang="zh-CN" altLang="en-US" smtClean="0"/>
-              <a:t>28</a:t>
+              <a:t>27</a:t>
             </a:fld>
             <a:endParaRPr lang="zh-CN" altLang="en-US"/>
           </a:p>
@@ -763,7 +773,7 @@
           <a:p>
             <a:fld id="{A19125B7-D864-4DDA-A0E8-DA0BABFE6090}" type="datetimeFigureOut">
               <a:rPr lang="zh-CN" altLang="en-US" smtClean="0"/>
-              <a:t>2024/9/4</a:t>
+              <a:t>2024/9/18</a:t>
             </a:fld>
             <a:endParaRPr lang="zh-CN" altLang="en-US"/>
           </a:p>
@@ -961,7 +971,7 @@
           <a:p>
             <a:fld id="{A19125B7-D864-4DDA-A0E8-DA0BABFE6090}" type="datetimeFigureOut">
               <a:rPr lang="zh-CN" altLang="en-US" smtClean="0"/>
-              <a:t>2024/9/4</a:t>
+              <a:t>2024/9/18</a:t>
             </a:fld>
             <a:endParaRPr lang="zh-CN" altLang="en-US"/>
           </a:p>
@@ -1169,7 +1179,7 @@
           <a:p>
             <a:fld id="{A19125B7-D864-4DDA-A0E8-DA0BABFE6090}" type="datetimeFigureOut">
               <a:rPr lang="zh-CN" altLang="en-US" smtClean="0"/>
-              <a:t>2024/9/4</a:t>
+              <a:t>2024/9/18</a:t>
             </a:fld>
             <a:endParaRPr lang="zh-CN" altLang="en-US"/>
           </a:p>
@@ -1367,7 +1377,7 @@
           <a:p>
             <a:fld id="{A19125B7-D864-4DDA-A0E8-DA0BABFE6090}" type="datetimeFigureOut">
               <a:rPr lang="zh-CN" altLang="en-US" smtClean="0"/>
-              <a:t>2024/9/4</a:t>
+              <a:t>2024/9/18</a:t>
             </a:fld>
             <a:endParaRPr lang="zh-CN" altLang="en-US"/>
           </a:p>
@@ -1642,7 +1652,7 @@
           <a:p>
             <a:fld id="{A19125B7-D864-4DDA-A0E8-DA0BABFE6090}" type="datetimeFigureOut">
               <a:rPr lang="zh-CN" altLang="en-US" smtClean="0"/>
-              <a:t>2024/9/4</a:t>
+              <a:t>2024/9/18</a:t>
             </a:fld>
             <a:endParaRPr lang="zh-CN" altLang="en-US"/>
           </a:p>
@@ -1907,7 +1917,7 @@
           <a:p>
             <a:fld id="{A19125B7-D864-4DDA-A0E8-DA0BABFE6090}" type="datetimeFigureOut">
               <a:rPr lang="zh-CN" altLang="en-US" smtClean="0"/>
-              <a:t>2024/9/4</a:t>
+              <a:t>2024/9/18</a:t>
             </a:fld>
             <a:endParaRPr lang="zh-CN" altLang="en-US"/>
           </a:p>
@@ -2319,7 +2329,7 @@
           <a:p>
             <a:fld id="{A19125B7-D864-4DDA-A0E8-DA0BABFE6090}" type="datetimeFigureOut">
               <a:rPr lang="zh-CN" altLang="en-US" smtClean="0"/>
-              <a:t>2024/9/4</a:t>
+              <a:t>2024/9/18</a:t>
             </a:fld>
             <a:endParaRPr lang="zh-CN" altLang="en-US"/>
           </a:p>
@@ -2460,7 +2470,7 @@
           <a:p>
             <a:fld id="{A19125B7-D864-4DDA-A0E8-DA0BABFE6090}" type="datetimeFigureOut">
               <a:rPr lang="zh-CN" altLang="en-US" smtClean="0"/>
-              <a:t>2024/9/4</a:t>
+              <a:t>2024/9/18</a:t>
             </a:fld>
             <a:endParaRPr lang="zh-CN" altLang="en-US"/>
           </a:p>
@@ -2573,7 +2583,7 @@
           <a:p>
             <a:fld id="{A19125B7-D864-4DDA-A0E8-DA0BABFE6090}" type="datetimeFigureOut">
               <a:rPr lang="zh-CN" altLang="en-US" smtClean="0"/>
-              <a:t>2024/9/4</a:t>
+              <a:t>2024/9/18</a:t>
             </a:fld>
             <a:endParaRPr lang="zh-CN" altLang="en-US"/>
           </a:p>
@@ -2884,7 +2894,7 @@
           <a:p>
             <a:fld id="{A19125B7-D864-4DDA-A0E8-DA0BABFE6090}" type="datetimeFigureOut">
               <a:rPr lang="zh-CN" altLang="en-US" smtClean="0"/>
-              <a:t>2024/9/4</a:t>
+              <a:t>2024/9/18</a:t>
             </a:fld>
             <a:endParaRPr lang="zh-CN" altLang="en-US"/>
           </a:p>
@@ -3172,7 +3182,7 @@
           <a:p>
             <a:fld id="{A19125B7-D864-4DDA-A0E8-DA0BABFE6090}" type="datetimeFigureOut">
               <a:rPr lang="zh-CN" altLang="en-US" smtClean="0"/>
-              <a:t>2024/9/4</a:t>
+              <a:t>2024/9/18</a:t>
             </a:fld>
             <a:endParaRPr lang="zh-CN" altLang="en-US"/>
           </a:p>
@@ -3413,7 +3423,7 @@
           <a:p>
             <a:fld id="{A19125B7-D864-4DDA-A0E8-DA0BABFE6090}" type="datetimeFigureOut">
               <a:rPr lang="zh-CN" altLang="en-US" smtClean="0"/>
-              <a:t>2024/9/4</a:t>
+              <a:t>2024/9/18</a:t>
             </a:fld>
             <a:endParaRPr lang="zh-CN" altLang="en-US"/>
           </a:p>
@@ -24310,10 +24320,10 @@
       </p:grpSpPr>
       <p:sp>
         <p:nvSpPr>
-          <p:cNvPr id="4" name="文本框 3">
-            <a:extLst>
-              <a:ext uri="{FF2B5EF4-FFF2-40B4-BE49-F238E27FC236}">
-                <a16:creationId xmlns:a16="http://schemas.microsoft.com/office/drawing/2014/main" id="{42604774-9289-2DDD-61F0-F10DC0E7C4F2}"/>
+          <p:cNvPr id="2" name="文本框 1">
+            <a:extLst>
+              <a:ext uri="{FF2B5EF4-FFF2-40B4-BE49-F238E27FC236}">
+                <a16:creationId xmlns:a16="http://schemas.microsoft.com/office/drawing/2014/main" id="{20B4AE9B-078D-8F9F-2DD5-E8B29729FB49}"/>
               </a:ext>
             </a:extLst>
           </p:cNvPr>
@@ -24322,8 +24332,8 @@
         </p:nvSpPr>
         <p:spPr>
           <a:xfrm>
-            <a:off x="4253349" y="0"/>
-            <a:ext cx="3009157" cy="461665"/>
+            <a:off x="4129239" y="0"/>
+            <a:ext cx="3111749" cy="461665"/>
           </a:xfrm>
           <a:prstGeom prst="rect">
             <a:avLst/>
@@ -24338,29 +24348,26 @@
           <a:p>
             <a:r>
               <a:rPr lang="en-US" altLang="zh-CN" sz="2400" dirty="0"/>
-              <a:t>Futr3D</a:t>
-            </a:r>
-            <a:r>
-              <a:rPr lang="zh-CN" altLang="en-US" sz="2400" dirty="0"/>
-              <a:t>激光</a:t>
+              <a:t>Deformable </a:t>
+            </a:r>
+            <a:r>
+              <a:rPr lang="en-US" altLang="zh-CN" sz="2400" dirty="0" err="1"/>
+              <a:t>detr</a:t>
             </a:r>
             <a:r>
               <a:rPr lang="en-US" altLang="zh-CN" sz="2400" dirty="0"/>
-              <a:t> </a:t>
-            </a:r>
-            <a:r>
-              <a:rPr lang="zh-CN" altLang="en-US" sz="2400" dirty="0"/>
-              <a:t>配置文件</a:t>
-            </a:r>
-          </a:p>
-        </p:txBody>
-      </p:sp>
-      <p:sp>
-        <p:nvSpPr>
-          <p:cNvPr id="5" name="矩形 4">
-            <a:extLst>
-              <a:ext uri="{FF2B5EF4-FFF2-40B4-BE49-F238E27FC236}">
-                <a16:creationId xmlns:a16="http://schemas.microsoft.com/office/drawing/2014/main" id="{BAFC8AB6-C917-0F44-DB84-DCC53DCBEDE5}"/>
+              <a:t> build</a:t>
+            </a:r>
+            <a:endParaRPr lang="zh-CN" altLang="en-US" sz="2400" dirty="0"/>
+          </a:p>
+        </p:txBody>
+      </p:sp>
+      <p:sp>
+        <p:nvSpPr>
+          <p:cNvPr id="3" name="矩形 2">
+            <a:extLst>
+              <a:ext uri="{FF2B5EF4-FFF2-40B4-BE49-F238E27FC236}">
+                <a16:creationId xmlns:a16="http://schemas.microsoft.com/office/drawing/2014/main" id="{8BDDBFA2-5F66-214F-2CAC-82F6809E57F2}"/>
               </a:ext>
             </a:extLst>
           </p:cNvPr>
@@ -24369,8 +24376,8 @@
         </p:nvSpPr>
         <p:spPr>
           <a:xfrm>
-            <a:off x="5529943" y="536610"/>
-            <a:ext cx="3886197" cy="461665"/>
+            <a:off x="4580353" y="1086237"/>
+            <a:ext cx="2263209" cy="461665"/>
           </a:xfrm>
           <a:prstGeom prst="rect">
             <a:avLst/>
@@ -24409,22 +24416,17 @@
                   <a:schemeClr val="tx1"/>
                 </a:solidFill>
               </a:rPr>
-              <a:t>Base3DDetector</a:t>
-            </a:r>
-            <a:endParaRPr lang="zh-CN" altLang="en-US" dirty="0">
-              <a:solidFill>
-                <a:schemeClr val="tx1"/>
-              </a:solidFill>
-            </a:endParaRPr>
-          </a:p>
-        </p:txBody>
-      </p:sp>
-      <p:sp>
-        <p:nvSpPr>
-          <p:cNvPr id="6" name="矩形 5">
-            <a:extLst>
-              <a:ext uri="{FF2B5EF4-FFF2-40B4-BE49-F238E27FC236}">
-                <a16:creationId xmlns:a16="http://schemas.microsoft.com/office/drawing/2014/main" id="{9B0E5440-7707-AF63-62BA-910AD2D0298D}"/>
+              <a:t>Build Model</a:t>
+            </a:r>
+          </a:p>
+        </p:txBody>
+      </p:sp>
+      <p:sp>
+        <p:nvSpPr>
+          <p:cNvPr id="8" name="矩形 7">
+            <a:extLst>
+              <a:ext uri="{FF2B5EF4-FFF2-40B4-BE49-F238E27FC236}">
+                <a16:creationId xmlns:a16="http://schemas.microsoft.com/office/drawing/2014/main" id="{0DA32F80-C08A-1536-D942-D764916FF248}"/>
               </a:ext>
             </a:extLst>
           </p:cNvPr>
@@ -24433,8 +24435,8 @@
         </p:nvSpPr>
         <p:spPr>
           <a:xfrm>
-            <a:off x="5529943" y="1202871"/>
-            <a:ext cx="3886200" cy="4452257"/>
+            <a:off x="3327465" y="1941641"/>
+            <a:ext cx="2263209" cy="461665"/>
           </a:xfrm>
           <a:prstGeom prst="rect">
             <a:avLst/>
@@ -24466,473 +24468,44 @@
           <a:bodyPr rtlCol="0" anchor="ctr"/>
           <a:lstStyle/>
           <a:p>
-            <a:pPr algn="just"/>
-            <a:r>
-              <a:rPr lang="en-US" altLang="zh-CN" sz="1800" kern="100" dirty="0" err="1">
+            <a:pPr algn="ctr"/>
+            <a:r>
+              <a:rPr lang="en-US" altLang="zh-CN" dirty="0" err="1">
                 <a:solidFill>
                   <a:schemeClr val="tx1"/>
                 </a:solidFill>
-                <a:effectLst/>
-                <a:latin typeface="等线" panose="02010600030101010101" pitchFamily="2" charset="-122"/>
-                <a:ea typeface="等线" panose="02010600030101010101" pitchFamily="2" charset="-122"/>
-                <a:cs typeface="Times New Roman" panose="02020603050405020304" pitchFamily="18" charset="0"/>
-              </a:rPr>
-              <a:t>MVXTwoStageDetector</a:t>
-            </a:r>
-            <a:endParaRPr lang="zh-CN" altLang="zh-CN" sz="1800" kern="100" dirty="0">
+              </a:rPr>
+              <a:t>build_backbone</a:t>
+            </a:r>
+            <a:endParaRPr lang="en-US" altLang="zh-CN" dirty="0">
               <a:solidFill>
                 <a:schemeClr val="tx1"/>
               </a:solidFill>
-              <a:effectLst/>
-              <a:latin typeface="等线" panose="02010600030101010101" pitchFamily="2" charset="-122"/>
-              <a:ea typeface="等线" panose="02010600030101010101" pitchFamily="2" charset="-122"/>
-              <a:cs typeface="Times New Roman" panose="02020603050405020304" pitchFamily="18" charset="0"/>
-            </a:endParaRPr>
-          </a:p>
-          <a:p>
-            <a:pPr algn="just"/>
-            <a:r>
-              <a:rPr lang="en-US" altLang="zh-CN" sz="1800" kern="100" dirty="0" err="1">
-                <a:solidFill>
-                  <a:srgbClr val="FF0000"/>
-                </a:solidFill>
-                <a:effectLst/>
-                <a:latin typeface="等线" panose="02010600030101010101" pitchFamily="2" charset="-122"/>
-                <a:ea typeface="等线" panose="02010600030101010101" pitchFamily="2" charset="-122"/>
-                <a:cs typeface="Times New Roman" panose="02020603050405020304" pitchFamily="18" charset="0"/>
-              </a:rPr>
-              <a:t>pts_voxel_layer</a:t>
-            </a:r>
-            <a:endParaRPr lang="zh-CN" altLang="zh-CN" sz="1800" kern="100" dirty="0">
-              <a:solidFill>
-                <a:srgbClr val="FF0000"/>
-              </a:solidFill>
-              <a:effectLst/>
-              <a:latin typeface="等线" panose="02010600030101010101" pitchFamily="2" charset="-122"/>
-              <a:ea typeface="等线" panose="02010600030101010101" pitchFamily="2" charset="-122"/>
-              <a:cs typeface="Times New Roman" panose="02020603050405020304" pitchFamily="18" charset="0"/>
-            </a:endParaRPr>
-          </a:p>
-          <a:p>
-            <a:pPr algn="just"/>
-            <a:r>
-              <a:rPr lang="en-US" altLang="zh-CN" sz="1800" kern="100" dirty="0" err="1">
-                <a:solidFill>
-                  <a:srgbClr val="FF0000"/>
-                </a:solidFill>
-                <a:effectLst/>
-                <a:latin typeface="等线" panose="02010600030101010101" pitchFamily="2" charset="-122"/>
-                <a:ea typeface="等线" panose="02010600030101010101" pitchFamily="2" charset="-122"/>
-                <a:cs typeface="Times New Roman" panose="02020603050405020304" pitchFamily="18" charset="0"/>
-              </a:rPr>
-              <a:t>pts_voxel_encoder</a:t>
-            </a:r>
-            <a:r>
-              <a:rPr lang="en-US" altLang="zh-CN" sz="1800" kern="100" dirty="0" err="1">
-                <a:solidFill>
-                  <a:schemeClr val="tx1"/>
-                </a:solidFill>
-                <a:effectLst/>
-                <a:latin typeface="等线" panose="02010600030101010101" pitchFamily="2" charset="-122"/>
-                <a:ea typeface="等线" panose="02010600030101010101" pitchFamily="2" charset="-122"/>
-                <a:cs typeface="Times New Roman" panose="02020603050405020304" pitchFamily="18" charset="0"/>
-              </a:rPr>
-              <a:t>:HardSimpleVFE</a:t>
-            </a:r>
-            <a:endParaRPr lang="zh-CN" altLang="zh-CN" sz="1800" kern="100" dirty="0">
-              <a:solidFill>
-                <a:schemeClr val="tx1"/>
-              </a:solidFill>
-              <a:effectLst/>
-              <a:latin typeface="等线" panose="02010600030101010101" pitchFamily="2" charset="-122"/>
-              <a:ea typeface="等线" panose="02010600030101010101" pitchFamily="2" charset="-122"/>
-              <a:cs typeface="Times New Roman" panose="02020603050405020304" pitchFamily="18" charset="0"/>
-            </a:endParaRPr>
-          </a:p>
-          <a:p>
-            <a:pPr algn="just"/>
-            <a:r>
-              <a:rPr lang="en-US" altLang="zh-CN" sz="1800" kern="100" dirty="0" err="1">
-                <a:solidFill>
-                  <a:srgbClr val="FF0000"/>
-                </a:solidFill>
-                <a:effectLst/>
-                <a:latin typeface="等线" panose="02010600030101010101" pitchFamily="2" charset="-122"/>
-                <a:ea typeface="等线" panose="02010600030101010101" pitchFamily="2" charset="-122"/>
-                <a:cs typeface="Times New Roman" panose="02020603050405020304" pitchFamily="18" charset="0"/>
-              </a:rPr>
-              <a:t>pts_middle_encoder</a:t>
-            </a:r>
-            <a:r>
-              <a:rPr lang="en-US" altLang="zh-CN" sz="1800" kern="100" dirty="0" err="1">
-                <a:solidFill>
-                  <a:schemeClr val="tx1"/>
-                </a:solidFill>
-                <a:effectLst/>
-                <a:latin typeface="等线" panose="02010600030101010101" pitchFamily="2" charset="-122"/>
-                <a:ea typeface="等线" panose="02010600030101010101" pitchFamily="2" charset="-122"/>
-                <a:cs typeface="Times New Roman" panose="02020603050405020304" pitchFamily="18" charset="0"/>
-              </a:rPr>
-              <a:t>:SparseEncoder</a:t>
-            </a:r>
-            <a:endParaRPr lang="zh-CN" altLang="zh-CN" sz="1800" kern="100" dirty="0">
-              <a:solidFill>
-                <a:schemeClr val="tx1"/>
-              </a:solidFill>
-              <a:effectLst/>
-              <a:latin typeface="等线" panose="02010600030101010101" pitchFamily="2" charset="-122"/>
-              <a:ea typeface="等线" panose="02010600030101010101" pitchFamily="2" charset="-122"/>
-              <a:cs typeface="Times New Roman" panose="02020603050405020304" pitchFamily="18" charset="0"/>
-            </a:endParaRPr>
-          </a:p>
-          <a:p>
-            <a:pPr algn="just"/>
-            <a:r>
-              <a:rPr lang="en-US" altLang="zh-CN" sz="1800" kern="100" dirty="0" err="1">
-                <a:solidFill>
-                  <a:schemeClr val="tx1"/>
-                </a:solidFill>
-                <a:effectLst/>
-                <a:latin typeface="等线" panose="02010600030101010101" pitchFamily="2" charset="-122"/>
-                <a:ea typeface="等线" panose="02010600030101010101" pitchFamily="2" charset="-122"/>
-                <a:cs typeface="Times New Roman" panose="02020603050405020304" pitchFamily="18" charset="0"/>
-              </a:rPr>
-              <a:t>pts_fusion_layer</a:t>
-            </a:r>
-            <a:endParaRPr lang="zh-CN" altLang="zh-CN" sz="1800" kern="100" dirty="0">
-              <a:solidFill>
-                <a:schemeClr val="tx1"/>
-              </a:solidFill>
-              <a:effectLst/>
-              <a:latin typeface="等线" panose="02010600030101010101" pitchFamily="2" charset="-122"/>
-              <a:ea typeface="等线" panose="02010600030101010101" pitchFamily="2" charset="-122"/>
-              <a:cs typeface="Times New Roman" panose="02020603050405020304" pitchFamily="18" charset="0"/>
-            </a:endParaRPr>
-          </a:p>
-          <a:p>
-            <a:pPr algn="just"/>
-            <a:r>
-              <a:rPr lang="en-US" altLang="zh-CN" sz="1800" kern="100" dirty="0" err="1">
-                <a:solidFill>
-                  <a:schemeClr val="tx1"/>
-                </a:solidFill>
-                <a:effectLst/>
-                <a:latin typeface="等线" panose="02010600030101010101" pitchFamily="2" charset="-122"/>
-                <a:ea typeface="等线" panose="02010600030101010101" pitchFamily="2" charset="-122"/>
-                <a:cs typeface="Times New Roman" panose="02020603050405020304" pitchFamily="18" charset="0"/>
-              </a:rPr>
-              <a:t>img_backbone</a:t>
-            </a:r>
-            <a:endParaRPr lang="zh-CN" altLang="zh-CN" sz="1800" kern="100" dirty="0">
-              <a:solidFill>
-                <a:schemeClr val="tx1"/>
-              </a:solidFill>
-              <a:effectLst/>
-              <a:latin typeface="等线" panose="02010600030101010101" pitchFamily="2" charset="-122"/>
-              <a:ea typeface="等线" panose="02010600030101010101" pitchFamily="2" charset="-122"/>
-              <a:cs typeface="Times New Roman" panose="02020603050405020304" pitchFamily="18" charset="0"/>
-            </a:endParaRPr>
-          </a:p>
-          <a:p>
-            <a:pPr algn="just"/>
-            <a:r>
-              <a:rPr lang="en-US" altLang="zh-CN" sz="1800" kern="100" dirty="0" err="1">
-                <a:solidFill>
-                  <a:srgbClr val="FF0000"/>
-                </a:solidFill>
-                <a:effectLst/>
-                <a:latin typeface="等线" panose="02010600030101010101" pitchFamily="2" charset="-122"/>
-                <a:ea typeface="等线" panose="02010600030101010101" pitchFamily="2" charset="-122"/>
-                <a:cs typeface="Times New Roman" panose="02020603050405020304" pitchFamily="18" charset="0"/>
-              </a:rPr>
-              <a:t>pts_backbone:</a:t>
-            </a:r>
-            <a:r>
-              <a:rPr lang="en-US" altLang="zh-CN" sz="1800" kern="100" dirty="0" err="1">
-                <a:solidFill>
-                  <a:schemeClr val="tx1"/>
-                </a:solidFill>
-                <a:effectLst/>
-                <a:latin typeface="等线" panose="02010600030101010101" pitchFamily="2" charset="-122"/>
-                <a:ea typeface="等线" panose="02010600030101010101" pitchFamily="2" charset="-122"/>
-                <a:cs typeface="Times New Roman" panose="02020603050405020304" pitchFamily="18" charset="0"/>
-              </a:rPr>
-              <a:t>SECOND</a:t>
-            </a:r>
-            <a:endParaRPr lang="zh-CN" altLang="zh-CN" sz="1800" kern="100" dirty="0">
-              <a:solidFill>
-                <a:schemeClr val="tx1"/>
-              </a:solidFill>
-              <a:effectLst/>
-              <a:latin typeface="等线" panose="02010600030101010101" pitchFamily="2" charset="-122"/>
-              <a:ea typeface="等线" panose="02010600030101010101" pitchFamily="2" charset="-122"/>
-              <a:cs typeface="Times New Roman" panose="02020603050405020304" pitchFamily="18" charset="0"/>
-            </a:endParaRPr>
-          </a:p>
-          <a:p>
-            <a:pPr algn="just"/>
-            <a:r>
-              <a:rPr lang="en-US" altLang="zh-CN" sz="1800" kern="100" dirty="0" err="1">
-                <a:solidFill>
-                  <a:schemeClr val="tx1"/>
-                </a:solidFill>
-                <a:effectLst/>
-                <a:latin typeface="等线" panose="02010600030101010101" pitchFamily="2" charset="-122"/>
-                <a:ea typeface="等线" panose="02010600030101010101" pitchFamily="2" charset="-122"/>
-                <a:cs typeface="Times New Roman" panose="02020603050405020304" pitchFamily="18" charset="0"/>
-              </a:rPr>
-              <a:t>img_neck</a:t>
-            </a:r>
-            <a:endParaRPr lang="zh-CN" altLang="zh-CN" sz="1800" kern="100" dirty="0">
-              <a:solidFill>
-                <a:schemeClr val="tx1"/>
-              </a:solidFill>
-              <a:effectLst/>
-              <a:latin typeface="等线" panose="02010600030101010101" pitchFamily="2" charset="-122"/>
-              <a:ea typeface="等线" panose="02010600030101010101" pitchFamily="2" charset="-122"/>
-              <a:cs typeface="Times New Roman" panose="02020603050405020304" pitchFamily="18" charset="0"/>
-            </a:endParaRPr>
-          </a:p>
-          <a:p>
-            <a:pPr algn="just"/>
-            <a:r>
-              <a:rPr lang="en-US" altLang="zh-CN" sz="1800" kern="100" dirty="0" err="1">
-                <a:solidFill>
-                  <a:srgbClr val="FF0000"/>
-                </a:solidFill>
-                <a:effectLst/>
-                <a:latin typeface="等线" panose="02010600030101010101" pitchFamily="2" charset="-122"/>
-                <a:ea typeface="等线" panose="02010600030101010101" pitchFamily="2" charset="-122"/>
-                <a:cs typeface="Times New Roman" panose="02020603050405020304" pitchFamily="18" charset="0"/>
-              </a:rPr>
-              <a:t>pts_neck</a:t>
-            </a:r>
-            <a:r>
-              <a:rPr lang="en-US" altLang="zh-CN" sz="1800" kern="100" dirty="0" err="1">
-                <a:solidFill>
-                  <a:schemeClr val="tx1"/>
-                </a:solidFill>
-                <a:effectLst/>
-                <a:latin typeface="等线" panose="02010600030101010101" pitchFamily="2" charset="-122"/>
-                <a:ea typeface="等线" panose="02010600030101010101" pitchFamily="2" charset="-122"/>
-                <a:cs typeface="Times New Roman" panose="02020603050405020304" pitchFamily="18" charset="0"/>
-              </a:rPr>
-              <a:t>:FPN</a:t>
-            </a:r>
-            <a:endParaRPr lang="zh-CN" altLang="zh-CN" sz="1800" kern="100" dirty="0">
-              <a:solidFill>
-                <a:schemeClr val="tx1"/>
-              </a:solidFill>
-              <a:effectLst/>
-              <a:latin typeface="等线" panose="02010600030101010101" pitchFamily="2" charset="-122"/>
-              <a:ea typeface="等线" panose="02010600030101010101" pitchFamily="2" charset="-122"/>
-              <a:cs typeface="Times New Roman" panose="02020603050405020304" pitchFamily="18" charset="0"/>
-            </a:endParaRPr>
-          </a:p>
-          <a:p>
-            <a:pPr algn="just"/>
-            <a:r>
-              <a:rPr lang="en-US" altLang="zh-CN" sz="1800" kern="100" dirty="0">
-                <a:solidFill>
-                  <a:srgbClr val="FF0000"/>
-                </a:solidFill>
-                <a:effectLst/>
-                <a:latin typeface="等线" panose="02010600030101010101" pitchFamily="2" charset="-122"/>
-                <a:ea typeface="等线" panose="02010600030101010101" pitchFamily="2" charset="-122"/>
-                <a:cs typeface="Times New Roman" panose="02020603050405020304" pitchFamily="18" charset="0"/>
-              </a:rPr>
-              <a:t>pts_bbox_head</a:t>
-            </a:r>
-            <a:r>
-              <a:rPr lang="en-US" altLang="zh-CN" sz="1800" kern="100" dirty="0">
-                <a:solidFill>
-                  <a:schemeClr val="tx1"/>
-                </a:solidFill>
-                <a:effectLst/>
-                <a:latin typeface="等线" panose="02010600030101010101" pitchFamily="2" charset="-122"/>
-                <a:ea typeface="等线" panose="02010600030101010101" pitchFamily="2" charset="-122"/>
-                <a:cs typeface="Times New Roman" panose="02020603050405020304" pitchFamily="18" charset="0"/>
-              </a:rPr>
-              <a:t>:FUTR3DHead</a:t>
-            </a:r>
-            <a:endParaRPr lang="zh-CN" altLang="zh-CN" sz="1800" kern="100" dirty="0">
-              <a:solidFill>
-                <a:schemeClr val="tx1"/>
-              </a:solidFill>
-              <a:effectLst/>
-              <a:latin typeface="等线" panose="02010600030101010101" pitchFamily="2" charset="-122"/>
-              <a:ea typeface="等线" panose="02010600030101010101" pitchFamily="2" charset="-122"/>
-              <a:cs typeface="Times New Roman" panose="02020603050405020304" pitchFamily="18" charset="0"/>
-            </a:endParaRPr>
-          </a:p>
-          <a:p>
-            <a:pPr algn="just"/>
-            <a:r>
-              <a:rPr lang="en-US" altLang="zh-CN" sz="1800" kern="100" dirty="0" err="1">
-                <a:solidFill>
-                  <a:schemeClr val="tx1"/>
-                </a:solidFill>
-                <a:effectLst/>
-                <a:latin typeface="等线" panose="02010600030101010101" pitchFamily="2" charset="-122"/>
-                <a:ea typeface="等线" panose="02010600030101010101" pitchFamily="2" charset="-122"/>
-                <a:cs typeface="Times New Roman" panose="02020603050405020304" pitchFamily="18" charset="0"/>
-              </a:rPr>
-              <a:t>img_roi_head</a:t>
-            </a:r>
-            <a:endParaRPr lang="zh-CN" altLang="zh-CN" sz="1800" kern="100" dirty="0">
-              <a:solidFill>
-                <a:schemeClr val="tx1"/>
-              </a:solidFill>
-              <a:effectLst/>
-              <a:latin typeface="等线" panose="02010600030101010101" pitchFamily="2" charset="-122"/>
-              <a:ea typeface="等线" panose="02010600030101010101" pitchFamily="2" charset="-122"/>
-              <a:cs typeface="Times New Roman" panose="02020603050405020304" pitchFamily="18" charset="0"/>
-            </a:endParaRPr>
-          </a:p>
-          <a:p>
-            <a:pPr algn="just"/>
-            <a:r>
-              <a:rPr lang="en-US" altLang="zh-CN" sz="1800" kern="100" dirty="0" err="1">
-                <a:solidFill>
-                  <a:schemeClr val="tx1"/>
-                </a:solidFill>
-                <a:effectLst/>
-                <a:latin typeface="等线" panose="02010600030101010101" pitchFamily="2" charset="-122"/>
-                <a:ea typeface="等线" panose="02010600030101010101" pitchFamily="2" charset="-122"/>
-                <a:cs typeface="Times New Roman" panose="02020603050405020304" pitchFamily="18" charset="0"/>
-              </a:rPr>
-              <a:t>img_rpn_head</a:t>
-            </a:r>
-            <a:endParaRPr lang="zh-CN" altLang="zh-CN" sz="1800" kern="100" dirty="0">
-              <a:solidFill>
-                <a:schemeClr val="tx1"/>
-              </a:solidFill>
-              <a:effectLst/>
-              <a:latin typeface="等线" panose="02010600030101010101" pitchFamily="2" charset="-122"/>
-              <a:ea typeface="等线" panose="02010600030101010101" pitchFamily="2" charset="-122"/>
-              <a:cs typeface="Times New Roman" panose="02020603050405020304" pitchFamily="18" charset="0"/>
-            </a:endParaRPr>
-          </a:p>
-          <a:p>
-            <a:pPr algn="just"/>
-            <a:r>
-              <a:rPr lang="en-US" altLang="zh-CN" sz="1800" kern="100" dirty="0" err="1">
-                <a:solidFill>
-                  <a:srgbClr val="FF0000"/>
-                </a:solidFill>
-                <a:effectLst/>
-                <a:latin typeface="等线" panose="02010600030101010101" pitchFamily="2" charset="-122"/>
-                <a:ea typeface="等线" panose="02010600030101010101" pitchFamily="2" charset="-122"/>
-                <a:cs typeface="Times New Roman" panose="02020603050405020304" pitchFamily="18" charset="0"/>
-              </a:rPr>
-              <a:t>train_cfg</a:t>
-            </a:r>
-            <a:endParaRPr lang="zh-CN" altLang="zh-CN" sz="1800" kern="100" dirty="0">
-              <a:solidFill>
-                <a:srgbClr val="FF0000"/>
-              </a:solidFill>
-              <a:effectLst/>
-              <a:latin typeface="等线" panose="02010600030101010101" pitchFamily="2" charset="-122"/>
-              <a:ea typeface="等线" panose="02010600030101010101" pitchFamily="2" charset="-122"/>
-              <a:cs typeface="Times New Roman" panose="02020603050405020304" pitchFamily="18" charset="0"/>
-            </a:endParaRPr>
-          </a:p>
-          <a:p>
-            <a:pPr algn="just"/>
-            <a:r>
-              <a:rPr lang="en-US" altLang="zh-CN" sz="1800" kern="100" dirty="0" err="1">
-                <a:solidFill>
-                  <a:srgbClr val="FF0000"/>
-                </a:solidFill>
-                <a:effectLst/>
-                <a:latin typeface="等线" panose="02010600030101010101" pitchFamily="2" charset="-122"/>
-                <a:ea typeface="等线" panose="02010600030101010101" pitchFamily="2" charset="-122"/>
-                <a:cs typeface="Times New Roman" panose="02020603050405020304" pitchFamily="18" charset="0"/>
-              </a:rPr>
-              <a:t>test_cfg</a:t>
-            </a:r>
-            <a:endParaRPr lang="zh-CN" altLang="zh-CN" sz="1800" kern="100" dirty="0">
-              <a:solidFill>
-                <a:srgbClr val="FF0000"/>
-              </a:solidFill>
-              <a:effectLst/>
-              <a:latin typeface="等线" panose="02010600030101010101" pitchFamily="2" charset="-122"/>
-              <a:ea typeface="等线" panose="02010600030101010101" pitchFamily="2" charset="-122"/>
-              <a:cs typeface="Times New Roman" panose="02020603050405020304" pitchFamily="18" charset="0"/>
-            </a:endParaRPr>
-          </a:p>
-          <a:p>
-            <a:pPr algn="just"/>
-            <a:r>
-              <a:rPr lang="en-US" altLang="zh-CN" sz="1800" kern="100" dirty="0">
-                <a:solidFill>
-                  <a:schemeClr val="tx1"/>
-                </a:solidFill>
-                <a:effectLst/>
-                <a:latin typeface="等线" panose="02010600030101010101" pitchFamily="2" charset="-122"/>
-                <a:ea typeface="等线" panose="02010600030101010101" pitchFamily="2" charset="-122"/>
-                <a:cs typeface="Times New Roman" panose="02020603050405020304" pitchFamily="18" charset="0"/>
-              </a:rPr>
-              <a:t>pretrained</a:t>
-            </a:r>
-            <a:endParaRPr lang="zh-CN" altLang="zh-CN" sz="1800" kern="100" dirty="0">
-              <a:solidFill>
-                <a:schemeClr val="tx1"/>
-              </a:solidFill>
-              <a:effectLst/>
-              <a:latin typeface="等线" panose="02010600030101010101" pitchFamily="2" charset="-122"/>
-              <a:ea typeface="等线" panose="02010600030101010101" pitchFamily="2" charset="-122"/>
-              <a:cs typeface="Times New Roman" panose="02020603050405020304" pitchFamily="18" charset="0"/>
-            </a:endParaRPr>
-          </a:p>
-          <a:p>
-            <a:pPr algn="just"/>
-            <a:r>
-              <a:rPr lang="en-US" altLang="zh-CN" sz="1800" kern="100" dirty="0" err="1">
-                <a:solidFill>
-                  <a:schemeClr val="tx1"/>
-                </a:solidFill>
-                <a:effectLst/>
-                <a:latin typeface="等线" panose="02010600030101010101" pitchFamily="2" charset="-122"/>
-                <a:ea typeface="等线" panose="02010600030101010101" pitchFamily="2" charset="-122"/>
-                <a:cs typeface="Times New Roman" panose="02020603050405020304" pitchFamily="18" charset="0"/>
-              </a:rPr>
-              <a:t>init_cfg</a:t>
-            </a:r>
-            <a:endParaRPr lang="zh-CN" altLang="zh-CN" sz="1800" kern="100" dirty="0">
-              <a:solidFill>
-                <a:schemeClr val="tx1"/>
-              </a:solidFill>
-              <a:effectLst/>
-              <a:latin typeface="等线" panose="02010600030101010101" pitchFamily="2" charset="-122"/>
-              <a:ea typeface="等线" panose="02010600030101010101" pitchFamily="2" charset="-122"/>
-              <a:cs typeface="Times New Roman" panose="02020603050405020304" pitchFamily="18" charset="0"/>
             </a:endParaRPr>
           </a:p>
         </p:txBody>
       </p:sp>
       <p:cxnSp>
         <p:nvCxnSpPr>
-          <p:cNvPr id="7" name="直接箭头连接符 6">
-            <a:extLst>
-              <a:ext uri="{FF2B5EF4-FFF2-40B4-BE49-F238E27FC236}">
-                <a16:creationId xmlns:a16="http://schemas.microsoft.com/office/drawing/2014/main" id="{96C78CEF-212C-DCD2-3EA6-14205C6675E5}"/>
+          <p:cNvPr id="11" name="连接符: 肘形 10">
+            <a:extLst>
+              <a:ext uri="{FF2B5EF4-FFF2-40B4-BE49-F238E27FC236}">
+                <a16:creationId xmlns:a16="http://schemas.microsoft.com/office/drawing/2014/main" id="{251841A2-E0E2-29E3-DCB5-86E33D7D76A4}"/>
               </a:ext>
             </a:extLst>
           </p:cNvPr>
           <p:cNvCxnSpPr>
-            <a:cxnSpLocks/>
-            <a:stCxn id="6" idx="0"/>
-            <a:endCxn id="5" idx="2"/>
+            <a:stCxn id="3" idx="2"/>
+            <a:endCxn id="8" idx="0"/>
           </p:cNvCxnSpPr>
           <p:nvPr/>
         </p:nvCxnSpPr>
         <p:spPr>
-          <a:xfrm flipH="1" flipV="1">
-            <a:off x="7473042" y="998275"/>
-            <a:ext cx="1" cy="204596"/>
-          </a:xfrm>
-          <a:prstGeom prst="straightConnector1">
+          <a:xfrm rot="5400000">
+            <a:off x="4888645" y="1118327"/>
+            <a:ext cx="393739" cy="1252888"/>
+          </a:xfrm>
+          <a:prstGeom prst="bentConnector3">
             <a:avLst/>
           </a:prstGeom>
           <a:ln>
@@ -24956,10 +24529,10 @@
       </p:cxnSp>
       <p:sp>
         <p:nvSpPr>
-          <p:cNvPr id="8" name="矩形 7">
-            <a:extLst>
-              <a:ext uri="{FF2B5EF4-FFF2-40B4-BE49-F238E27FC236}">
-                <a16:creationId xmlns:a16="http://schemas.microsoft.com/office/drawing/2014/main" id="{A933919C-2D19-4807-7B21-CD01FAB129FA}"/>
+          <p:cNvPr id="12" name="矩形 11">
+            <a:extLst>
+              <a:ext uri="{FF2B5EF4-FFF2-40B4-BE49-F238E27FC236}">
+                <a16:creationId xmlns:a16="http://schemas.microsoft.com/office/drawing/2014/main" id="{12DEAD3C-A8D1-A4BA-BE17-E5FC1E35838E}"/>
               </a:ext>
             </a:extLst>
           </p:cNvPr>
@@ -24968,8 +24541,8 @@
         </p:nvSpPr>
         <p:spPr>
           <a:xfrm>
-            <a:off x="5529943" y="6090557"/>
-            <a:ext cx="3886198" cy="461665"/>
+            <a:off x="7660741" y="1941641"/>
+            <a:ext cx="3244682" cy="461665"/>
           </a:xfrm>
           <a:prstGeom prst="rect">
             <a:avLst/>
@@ -25003,14 +24576,14 @@
           <a:p>
             <a:pPr algn="ctr"/>
             <a:r>
-              <a:rPr lang="en-US" altLang="zh-CN" dirty="0">
+              <a:rPr lang="en-US" altLang="zh-CN" dirty="0" err="1">
                 <a:solidFill>
                   <a:schemeClr val="tx1"/>
                 </a:solidFill>
               </a:rPr>
-              <a:t>FUTR3D</a:t>
-            </a:r>
-            <a:endParaRPr lang="zh-CN" altLang="en-US" dirty="0">
+              <a:t>build_deforamble_transformer</a:t>
+            </a:r>
+            <a:endParaRPr lang="en-US" altLang="zh-CN" dirty="0">
               <a:solidFill>
                 <a:schemeClr val="tx1"/>
               </a:solidFill>
@@ -25018,26 +24591,651 @@
           </a:p>
         </p:txBody>
       </p:sp>
+      <p:sp>
+        <p:nvSpPr>
+          <p:cNvPr id="13" name="矩形 12">
+            <a:extLst>
+              <a:ext uri="{FF2B5EF4-FFF2-40B4-BE49-F238E27FC236}">
+                <a16:creationId xmlns:a16="http://schemas.microsoft.com/office/drawing/2014/main" id="{98E522CC-4E18-AB7F-27B1-1CC9D94502E4}"/>
+              </a:ext>
+            </a:extLst>
+          </p:cNvPr>
+          <p:cNvSpPr/>
+          <p:nvPr/>
+        </p:nvSpPr>
+        <p:spPr>
+          <a:xfrm>
+            <a:off x="2003355" y="2797045"/>
+            <a:ext cx="2263209" cy="461665"/>
+          </a:xfrm>
+          <a:prstGeom prst="rect">
+            <a:avLst/>
+          </a:prstGeom>
+          <a:noFill/>
+          <a:ln>
+            <a:solidFill>
+              <a:schemeClr val="tx1"/>
+            </a:solidFill>
+          </a:ln>
+        </p:spPr>
+        <p:style>
+          <a:lnRef idx="2">
+            <a:schemeClr val="accent1">
+              <a:shade val="15000"/>
+            </a:schemeClr>
+          </a:lnRef>
+          <a:fillRef idx="1">
+            <a:schemeClr val="accent1"/>
+          </a:fillRef>
+          <a:effectRef idx="0">
+            <a:schemeClr val="accent1"/>
+          </a:effectRef>
+          <a:fontRef idx="minor">
+            <a:schemeClr val="lt1"/>
+          </a:fontRef>
+        </p:style>
+        <p:txBody>
+          <a:bodyPr rtlCol="0" anchor="ctr"/>
+          <a:lstStyle/>
+          <a:p>
+            <a:pPr algn="ctr"/>
+            <a:r>
+              <a:rPr lang="en-US" altLang="zh-CN" dirty="0">
+                <a:solidFill>
+                  <a:schemeClr val="tx1"/>
+                </a:solidFill>
+              </a:rPr>
+              <a:t>Backbone(ResNet50)</a:t>
+            </a:r>
+          </a:p>
+        </p:txBody>
+      </p:sp>
+      <p:sp>
+        <p:nvSpPr>
+          <p:cNvPr id="14" name="矩形 13">
+            <a:extLst>
+              <a:ext uri="{FF2B5EF4-FFF2-40B4-BE49-F238E27FC236}">
+                <a16:creationId xmlns:a16="http://schemas.microsoft.com/office/drawing/2014/main" id="{6BA73DAB-46FB-342A-3EF2-2C1A2B702116}"/>
+              </a:ext>
+            </a:extLst>
+          </p:cNvPr>
+          <p:cNvSpPr/>
+          <p:nvPr/>
+        </p:nvSpPr>
+        <p:spPr>
+          <a:xfrm>
+            <a:off x="4580353" y="2797043"/>
+            <a:ext cx="2637626" cy="461665"/>
+          </a:xfrm>
+          <a:prstGeom prst="rect">
+            <a:avLst/>
+          </a:prstGeom>
+          <a:noFill/>
+          <a:ln>
+            <a:solidFill>
+              <a:schemeClr val="tx1"/>
+            </a:solidFill>
+          </a:ln>
+        </p:spPr>
+        <p:style>
+          <a:lnRef idx="2">
+            <a:schemeClr val="accent1">
+              <a:shade val="15000"/>
+            </a:schemeClr>
+          </a:lnRef>
+          <a:fillRef idx="1">
+            <a:schemeClr val="accent1"/>
+          </a:fillRef>
+          <a:effectRef idx="0">
+            <a:schemeClr val="accent1"/>
+          </a:effectRef>
+          <a:fontRef idx="minor">
+            <a:schemeClr val="lt1"/>
+          </a:fontRef>
+        </p:style>
+        <p:txBody>
+          <a:bodyPr rtlCol="0" anchor="ctr"/>
+          <a:lstStyle/>
+          <a:p>
+            <a:pPr algn="ctr"/>
+            <a:r>
+              <a:rPr lang="en-US" altLang="zh-CN" dirty="0" err="1">
+                <a:solidFill>
+                  <a:schemeClr val="tx1"/>
+                </a:solidFill>
+              </a:rPr>
+              <a:t>PositionEmbeddingSine</a:t>
+            </a:r>
+            <a:endParaRPr lang="en-US" altLang="zh-CN" dirty="0">
+              <a:solidFill>
+                <a:schemeClr val="tx1"/>
+              </a:solidFill>
+            </a:endParaRPr>
+          </a:p>
+        </p:txBody>
+      </p:sp>
       <p:cxnSp>
         <p:nvCxnSpPr>
-          <p:cNvPr id="11" name="直接箭头连接符 10">
-            <a:extLst>
-              <a:ext uri="{FF2B5EF4-FFF2-40B4-BE49-F238E27FC236}">
-                <a16:creationId xmlns:a16="http://schemas.microsoft.com/office/drawing/2014/main" id="{5E7A542D-8B0E-E055-C132-0ED681C49AF2}"/>
+          <p:cNvPr id="15" name="连接符: 肘形 14">
+            <a:extLst>
+              <a:ext uri="{FF2B5EF4-FFF2-40B4-BE49-F238E27FC236}">
+                <a16:creationId xmlns:a16="http://schemas.microsoft.com/office/drawing/2014/main" id="{457A4CAA-4A23-B508-7860-23FA40035164}"/>
               </a:ext>
             </a:extLst>
           </p:cNvPr>
           <p:cNvCxnSpPr>
             <a:cxnSpLocks/>
-            <a:stCxn id="8" idx="0"/>
-            <a:endCxn id="6" idx="2"/>
+            <a:stCxn id="8" idx="2"/>
+            <a:endCxn id="13" idx="0"/>
           </p:cNvCxnSpPr>
           <p:nvPr/>
         </p:nvCxnSpPr>
         <p:spPr>
-          <a:xfrm flipV="1">
-            <a:off x="7473042" y="5655128"/>
-            <a:ext cx="1" cy="435429"/>
+          <a:xfrm rot="5400000">
+            <a:off x="3600146" y="1938120"/>
+            <a:ext cx="393739" cy="1324110"/>
+          </a:xfrm>
+          <a:prstGeom prst="bentConnector3">
+            <a:avLst>
+              <a:gd name="adj1" fmla="val 50000"/>
+            </a:avLst>
+          </a:prstGeom>
+          <a:ln>
+            <a:tailEnd type="triangle"/>
+          </a:ln>
+        </p:spPr>
+        <p:style>
+          <a:lnRef idx="1">
+            <a:schemeClr val="dk1"/>
+          </a:lnRef>
+          <a:fillRef idx="0">
+            <a:schemeClr val="dk1"/>
+          </a:fillRef>
+          <a:effectRef idx="0">
+            <a:schemeClr val="dk1"/>
+          </a:effectRef>
+          <a:fontRef idx="minor">
+            <a:schemeClr val="tx1"/>
+          </a:fontRef>
+        </p:style>
+      </p:cxnSp>
+      <p:cxnSp>
+        <p:nvCxnSpPr>
+          <p:cNvPr id="18" name="连接符: 肘形 17">
+            <a:extLst>
+              <a:ext uri="{FF2B5EF4-FFF2-40B4-BE49-F238E27FC236}">
+                <a16:creationId xmlns:a16="http://schemas.microsoft.com/office/drawing/2014/main" id="{34774D0B-CC5D-4171-EF24-7ED743441DA9}"/>
+              </a:ext>
+            </a:extLst>
+          </p:cNvPr>
+          <p:cNvCxnSpPr>
+            <a:cxnSpLocks/>
+            <a:stCxn id="8" idx="2"/>
+            <a:endCxn id="14" idx="0"/>
+          </p:cNvCxnSpPr>
+          <p:nvPr/>
+        </p:nvCxnSpPr>
+        <p:spPr>
+          <a:xfrm rot="16200000" flipH="1">
+            <a:off x="4982250" y="1880126"/>
+            <a:ext cx="393737" cy="1440096"/>
+          </a:xfrm>
+          <a:prstGeom prst="bentConnector3">
+            <a:avLst>
+              <a:gd name="adj1" fmla="val 50000"/>
+            </a:avLst>
+          </a:prstGeom>
+          <a:ln>
+            <a:tailEnd type="triangle"/>
+          </a:ln>
+        </p:spPr>
+        <p:style>
+          <a:lnRef idx="1">
+            <a:schemeClr val="dk1"/>
+          </a:lnRef>
+          <a:fillRef idx="0">
+            <a:schemeClr val="dk1"/>
+          </a:fillRef>
+          <a:effectRef idx="0">
+            <a:schemeClr val="dk1"/>
+          </a:effectRef>
+          <a:fontRef idx="minor">
+            <a:schemeClr val="tx1"/>
+          </a:fontRef>
+        </p:style>
+      </p:cxnSp>
+      <p:cxnSp>
+        <p:nvCxnSpPr>
+          <p:cNvPr id="21" name="连接符: 肘形 20">
+            <a:extLst>
+              <a:ext uri="{FF2B5EF4-FFF2-40B4-BE49-F238E27FC236}">
+                <a16:creationId xmlns:a16="http://schemas.microsoft.com/office/drawing/2014/main" id="{012681E7-6144-2E9E-A576-D9D64F0A3FE4}"/>
+              </a:ext>
+            </a:extLst>
+          </p:cNvPr>
+          <p:cNvCxnSpPr>
+            <a:cxnSpLocks/>
+            <a:stCxn id="3" idx="2"/>
+            <a:endCxn id="12" idx="0"/>
+          </p:cNvCxnSpPr>
+          <p:nvPr/>
+        </p:nvCxnSpPr>
+        <p:spPr>
+          <a:xfrm rot="16200000" flipH="1">
+            <a:off x="7300651" y="-40791"/>
+            <a:ext cx="393739" cy="3571124"/>
+          </a:xfrm>
+          <a:prstGeom prst="bentConnector3">
+            <a:avLst>
+              <a:gd name="adj1" fmla="val 50000"/>
+            </a:avLst>
+          </a:prstGeom>
+          <a:ln>
+            <a:tailEnd type="triangle"/>
+          </a:ln>
+        </p:spPr>
+        <p:style>
+          <a:lnRef idx="1">
+            <a:schemeClr val="dk1"/>
+          </a:lnRef>
+          <a:fillRef idx="0">
+            <a:schemeClr val="dk1"/>
+          </a:fillRef>
+          <a:effectRef idx="0">
+            <a:schemeClr val="dk1"/>
+          </a:effectRef>
+          <a:fontRef idx="minor">
+            <a:schemeClr val="tx1"/>
+          </a:fontRef>
+        </p:style>
+      </p:cxnSp>
+      <p:sp>
+        <p:nvSpPr>
+          <p:cNvPr id="25" name="矩形 24">
+            <a:extLst>
+              <a:ext uri="{FF2B5EF4-FFF2-40B4-BE49-F238E27FC236}">
+                <a16:creationId xmlns:a16="http://schemas.microsoft.com/office/drawing/2014/main" id="{66B74E79-2750-262E-81C8-193A0AFEC81C}"/>
+              </a:ext>
+            </a:extLst>
+          </p:cNvPr>
+          <p:cNvSpPr/>
+          <p:nvPr/>
+        </p:nvSpPr>
+        <p:spPr>
+          <a:xfrm>
+            <a:off x="3327464" y="3830123"/>
+            <a:ext cx="2263209" cy="461665"/>
+          </a:xfrm>
+          <a:prstGeom prst="rect">
+            <a:avLst/>
+          </a:prstGeom>
+          <a:noFill/>
+          <a:ln>
+            <a:solidFill>
+              <a:schemeClr val="tx1"/>
+            </a:solidFill>
+          </a:ln>
+        </p:spPr>
+        <p:style>
+          <a:lnRef idx="2">
+            <a:schemeClr val="accent1">
+              <a:shade val="15000"/>
+            </a:schemeClr>
+          </a:lnRef>
+          <a:fillRef idx="1">
+            <a:schemeClr val="accent1"/>
+          </a:fillRef>
+          <a:effectRef idx="0">
+            <a:schemeClr val="accent1"/>
+          </a:effectRef>
+          <a:fontRef idx="minor">
+            <a:schemeClr val="lt1"/>
+          </a:fontRef>
+        </p:style>
+        <p:txBody>
+          <a:bodyPr rtlCol="0" anchor="ctr"/>
+          <a:lstStyle/>
+          <a:p>
+            <a:pPr algn="ctr"/>
+            <a:r>
+              <a:rPr lang="en-US" altLang="zh-CN" dirty="0" err="1">
+                <a:solidFill>
+                  <a:schemeClr val="tx1"/>
+                </a:solidFill>
+              </a:rPr>
+              <a:t>Backbone+PE</a:t>
+            </a:r>
+            <a:endParaRPr lang="en-US" altLang="zh-CN" dirty="0">
+              <a:solidFill>
+                <a:schemeClr val="tx1"/>
+              </a:solidFill>
+            </a:endParaRPr>
+          </a:p>
+        </p:txBody>
+      </p:sp>
+      <p:cxnSp>
+        <p:nvCxnSpPr>
+          <p:cNvPr id="26" name="连接符: 肘形 25">
+            <a:extLst>
+              <a:ext uri="{FF2B5EF4-FFF2-40B4-BE49-F238E27FC236}">
+                <a16:creationId xmlns:a16="http://schemas.microsoft.com/office/drawing/2014/main" id="{1BC060A2-47F7-26FC-632A-6860F4664054}"/>
+              </a:ext>
+            </a:extLst>
+          </p:cNvPr>
+          <p:cNvCxnSpPr>
+            <a:cxnSpLocks/>
+            <a:stCxn id="13" idx="2"/>
+            <a:endCxn id="25" idx="0"/>
+          </p:cNvCxnSpPr>
+          <p:nvPr/>
+        </p:nvCxnSpPr>
+        <p:spPr>
+          <a:xfrm rot="16200000" flipH="1">
+            <a:off x="3511308" y="2882361"/>
+            <a:ext cx="571413" cy="1324109"/>
+          </a:xfrm>
+          <a:prstGeom prst="bentConnector3">
+            <a:avLst>
+              <a:gd name="adj1" fmla="val 50000"/>
+            </a:avLst>
+          </a:prstGeom>
+          <a:ln>
+            <a:tailEnd type="triangle"/>
+          </a:ln>
+        </p:spPr>
+        <p:style>
+          <a:lnRef idx="1">
+            <a:schemeClr val="dk1"/>
+          </a:lnRef>
+          <a:fillRef idx="0">
+            <a:schemeClr val="dk1"/>
+          </a:fillRef>
+          <a:effectRef idx="0">
+            <a:schemeClr val="dk1"/>
+          </a:effectRef>
+          <a:fontRef idx="minor">
+            <a:schemeClr val="tx1"/>
+          </a:fontRef>
+        </p:style>
+      </p:cxnSp>
+      <p:cxnSp>
+        <p:nvCxnSpPr>
+          <p:cNvPr id="29" name="连接符: 肘形 28">
+            <a:extLst>
+              <a:ext uri="{FF2B5EF4-FFF2-40B4-BE49-F238E27FC236}">
+                <a16:creationId xmlns:a16="http://schemas.microsoft.com/office/drawing/2014/main" id="{B4F009DE-F903-90ED-0B45-2C710A1C59A9}"/>
+              </a:ext>
+            </a:extLst>
+          </p:cNvPr>
+          <p:cNvCxnSpPr>
+            <a:cxnSpLocks/>
+            <a:stCxn id="14" idx="2"/>
+            <a:endCxn id="25" idx="0"/>
+          </p:cNvCxnSpPr>
+          <p:nvPr/>
+        </p:nvCxnSpPr>
+        <p:spPr>
+          <a:xfrm rot="5400000">
+            <a:off x="4893411" y="2824367"/>
+            <a:ext cx="571415" cy="1440097"/>
+          </a:xfrm>
+          <a:prstGeom prst="bentConnector3">
+            <a:avLst>
+              <a:gd name="adj1" fmla="val 50000"/>
+            </a:avLst>
+          </a:prstGeom>
+          <a:ln>
+            <a:tailEnd type="triangle"/>
+          </a:ln>
+        </p:spPr>
+        <p:style>
+          <a:lnRef idx="1">
+            <a:schemeClr val="dk1"/>
+          </a:lnRef>
+          <a:fillRef idx="0">
+            <a:schemeClr val="dk1"/>
+          </a:fillRef>
+          <a:effectRef idx="0">
+            <a:schemeClr val="dk1"/>
+          </a:effectRef>
+          <a:fontRef idx="minor">
+            <a:schemeClr val="tx1"/>
+          </a:fontRef>
+        </p:style>
+      </p:cxnSp>
+      <p:sp>
+        <p:nvSpPr>
+          <p:cNvPr id="33" name="矩形 32">
+            <a:extLst>
+              <a:ext uri="{FF2B5EF4-FFF2-40B4-BE49-F238E27FC236}">
+                <a16:creationId xmlns:a16="http://schemas.microsoft.com/office/drawing/2014/main" id="{23CF01D5-4140-8A80-C071-73F591D18239}"/>
+              </a:ext>
+            </a:extLst>
+          </p:cNvPr>
+          <p:cNvSpPr/>
+          <p:nvPr/>
+        </p:nvSpPr>
+        <p:spPr>
+          <a:xfrm>
+            <a:off x="5809178" y="4916360"/>
+            <a:ext cx="2263209" cy="461665"/>
+          </a:xfrm>
+          <a:prstGeom prst="rect">
+            <a:avLst/>
+          </a:prstGeom>
+          <a:noFill/>
+          <a:ln>
+            <a:solidFill>
+              <a:schemeClr val="tx1"/>
+            </a:solidFill>
+          </a:ln>
+        </p:spPr>
+        <p:style>
+          <a:lnRef idx="2">
+            <a:schemeClr val="accent1">
+              <a:shade val="15000"/>
+            </a:schemeClr>
+          </a:lnRef>
+          <a:fillRef idx="1">
+            <a:schemeClr val="accent1"/>
+          </a:fillRef>
+          <a:effectRef idx="0">
+            <a:schemeClr val="accent1"/>
+          </a:effectRef>
+          <a:fontRef idx="minor">
+            <a:schemeClr val="lt1"/>
+          </a:fontRef>
+        </p:style>
+        <p:txBody>
+          <a:bodyPr rtlCol="0" anchor="ctr"/>
+          <a:lstStyle/>
+          <a:p>
+            <a:pPr algn="ctr"/>
+            <a:r>
+              <a:rPr lang="en-US" altLang="zh-CN" dirty="0" err="1">
+                <a:solidFill>
+                  <a:schemeClr val="tx1"/>
+                </a:solidFill>
+              </a:rPr>
+              <a:t>DeformableDETR</a:t>
+            </a:r>
+            <a:endParaRPr lang="en-US" altLang="zh-CN" dirty="0">
+              <a:solidFill>
+                <a:schemeClr val="tx1"/>
+              </a:solidFill>
+            </a:endParaRPr>
+          </a:p>
+        </p:txBody>
+      </p:sp>
+      <p:cxnSp>
+        <p:nvCxnSpPr>
+          <p:cNvPr id="34" name="连接符: 肘形 33">
+            <a:extLst>
+              <a:ext uri="{FF2B5EF4-FFF2-40B4-BE49-F238E27FC236}">
+                <a16:creationId xmlns:a16="http://schemas.microsoft.com/office/drawing/2014/main" id="{284B061B-6EB2-DE65-8389-1F6B74389A66}"/>
+              </a:ext>
+            </a:extLst>
+          </p:cNvPr>
+          <p:cNvCxnSpPr>
+            <a:cxnSpLocks/>
+            <a:stCxn id="25" idx="2"/>
+            <a:endCxn id="33" idx="0"/>
+          </p:cNvCxnSpPr>
+          <p:nvPr/>
+        </p:nvCxnSpPr>
+        <p:spPr>
+          <a:xfrm rot="16200000" flipH="1">
+            <a:off x="5387640" y="3363217"/>
+            <a:ext cx="624572" cy="2481714"/>
+          </a:xfrm>
+          <a:prstGeom prst="bentConnector3">
+            <a:avLst>
+              <a:gd name="adj1" fmla="val 50000"/>
+            </a:avLst>
+          </a:prstGeom>
+          <a:ln>
+            <a:tailEnd type="triangle"/>
+          </a:ln>
+        </p:spPr>
+        <p:style>
+          <a:lnRef idx="1">
+            <a:schemeClr val="dk1"/>
+          </a:lnRef>
+          <a:fillRef idx="0">
+            <a:schemeClr val="dk1"/>
+          </a:fillRef>
+          <a:effectRef idx="0">
+            <a:schemeClr val="dk1"/>
+          </a:effectRef>
+          <a:fontRef idx="minor">
+            <a:schemeClr val="tx1"/>
+          </a:fontRef>
+        </p:style>
+      </p:cxnSp>
+      <p:cxnSp>
+        <p:nvCxnSpPr>
+          <p:cNvPr id="37" name="连接符: 肘形 36">
+            <a:extLst>
+              <a:ext uri="{FF2B5EF4-FFF2-40B4-BE49-F238E27FC236}">
+                <a16:creationId xmlns:a16="http://schemas.microsoft.com/office/drawing/2014/main" id="{D5B75E0B-331C-9436-0951-5B8AB12F2A82}"/>
+              </a:ext>
+            </a:extLst>
+          </p:cNvPr>
+          <p:cNvCxnSpPr>
+            <a:cxnSpLocks/>
+            <a:stCxn id="41" idx="2"/>
+            <a:endCxn id="33" idx="0"/>
+          </p:cNvCxnSpPr>
+          <p:nvPr/>
+        </p:nvCxnSpPr>
+        <p:spPr>
+          <a:xfrm rot="5400000">
+            <a:off x="7317071" y="2950349"/>
+            <a:ext cx="1589724" cy="2342299"/>
+          </a:xfrm>
+          <a:prstGeom prst="bentConnector3">
+            <a:avLst>
+              <a:gd name="adj1" fmla="val 80273"/>
+            </a:avLst>
+          </a:prstGeom>
+          <a:ln>
+            <a:tailEnd type="triangle"/>
+          </a:ln>
+        </p:spPr>
+        <p:style>
+          <a:lnRef idx="1">
+            <a:schemeClr val="dk1"/>
+          </a:lnRef>
+          <a:fillRef idx="0">
+            <a:schemeClr val="dk1"/>
+          </a:fillRef>
+          <a:effectRef idx="0">
+            <a:schemeClr val="dk1"/>
+          </a:effectRef>
+          <a:fontRef idx="minor">
+            <a:schemeClr val="tx1"/>
+          </a:fontRef>
+        </p:style>
+      </p:cxnSp>
+      <p:sp>
+        <p:nvSpPr>
+          <p:cNvPr id="41" name="矩形 40">
+            <a:extLst>
+              <a:ext uri="{FF2B5EF4-FFF2-40B4-BE49-F238E27FC236}">
+                <a16:creationId xmlns:a16="http://schemas.microsoft.com/office/drawing/2014/main" id="{6A0BD5B6-1A27-C732-21FC-80603A134BB2}"/>
+              </a:ext>
+            </a:extLst>
+          </p:cNvPr>
+          <p:cNvSpPr/>
+          <p:nvPr/>
+        </p:nvSpPr>
+        <p:spPr>
+          <a:xfrm>
+            <a:off x="7660741" y="2864971"/>
+            <a:ext cx="3244682" cy="461665"/>
+          </a:xfrm>
+          <a:prstGeom prst="rect">
+            <a:avLst/>
+          </a:prstGeom>
+          <a:noFill/>
+          <a:ln>
+            <a:solidFill>
+              <a:schemeClr val="tx1"/>
+            </a:solidFill>
+          </a:ln>
+        </p:spPr>
+        <p:style>
+          <a:lnRef idx="2">
+            <a:schemeClr val="accent1">
+              <a:shade val="15000"/>
+            </a:schemeClr>
+          </a:lnRef>
+          <a:fillRef idx="1">
+            <a:schemeClr val="accent1"/>
+          </a:fillRef>
+          <a:effectRef idx="0">
+            <a:schemeClr val="accent1"/>
+          </a:effectRef>
+          <a:fontRef idx="minor">
+            <a:schemeClr val="lt1"/>
+          </a:fontRef>
+        </p:style>
+        <p:txBody>
+          <a:bodyPr rtlCol="0" anchor="ctr"/>
+          <a:lstStyle/>
+          <a:p>
+            <a:pPr algn="ctr"/>
+            <a:r>
+              <a:rPr lang="en-US" altLang="zh-CN" dirty="0">
+                <a:solidFill>
+                  <a:schemeClr val="tx1"/>
+                </a:solidFill>
+              </a:rPr>
+              <a:t>transformer</a:t>
+            </a:r>
+          </a:p>
+        </p:txBody>
+      </p:sp>
+      <p:cxnSp>
+        <p:nvCxnSpPr>
+          <p:cNvPr id="44" name="直接箭头连接符 43">
+            <a:extLst>
+              <a:ext uri="{FF2B5EF4-FFF2-40B4-BE49-F238E27FC236}">
+                <a16:creationId xmlns:a16="http://schemas.microsoft.com/office/drawing/2014/main" id="{E0868661-A78D-0D1D-9CC1-8461AFD7EE32}"/>
+              </a:ext>
+            </a:extLst>
+          </p:cNvPr>
+          <p:cNvCxnSpPr>
+            <a:cxnSpLocks/>
+            <a:stCxn id="12" idx="2"/>
+            <a:endCxn id="41" idx="0"/>
+          </p:cNvCxnSpPr>
+          <p:nvPr/>
+        </p:nvCxnSpPr>
+        <p:spPr>
+          <a:xfrm>
+            <a:off x="9283082" y="2403306"/>
+            <a:ext cx="0" cy="461665"/>
           </a:xfrm>
           <a:prstGeom prst="straightConnector1">
             <a:avLst/>
@@ -25064,7 +25262,7 @@
     </p:spTree>
     <p:extLst>
       <p:ext uri="{BB962C8B-B14F-4D97-AF65-F5344CB8AC3E}">
-        <p14:creationId xmlns:p14="http://schemas.microsoft.com/office/powerpoint/2010/main" val="2351719821"/>
+        <p14:creationId xmlns:p14="http://schemas.microsoft.com/office/powerpoint/2010/main" val="1728302549"/>
       </p:ext>
     </p:extLst>
   </p:cSld>
@@ -25093,977 +25291,6 @@
       </p:grpSpPr>
       <p:sp>
         <p:nvSpPr>
-          <p:cNvPr id="2" name="文本框 1">
-            <a:extLst>
-              <a:ext uri="{FF2B5EF4-FFF2-40B4-BE49-F238E27FC236}">
-                <a16:creationId xmlns:a16="http://schemas.microsoft.com/office/drawing/2014/main" id="{20B4AE9B-078D-8F9F-2DD5-E8B29729FB49}"/>
-              </a:ext>
-            </a:extLst>
-          </p:cNvPr>
-          <p:cNvSpPr txBox="1"/>
-          <p:nvPr/>
-        </p:nvSpPr>
-        <p:spPr>
-          <a:xfrm>
-            <a:off x="4129239" y="0"/>
-            <a:ext cx="3111749" cy="461665"/>
-          </a:xfrm>
-          <a:prstGeom prst="rect">
-            <a:avLst/>
-          </a:prstGeom>
-          <a:noFill/>
-        </p:spPr>
-        <p:txBody>
-          <a:bodyPr wrap="none" rtlCol="0">
-            <a:spAutoFit/>
-          </a:bodyPr>
-          <a:lstStyle/>
-          <a:p>
-            <a:r>
-              <a:rPr lang="en-US" altLang="zh-CN" sz="2400" dirty="0"/>
-              <a:t>Deformable </a:t>
-            </a:r>
-            <a:r>
-              <a:rPr lang="en-US" altLang="zh-CN" sz="2400" dirty="0" err="1"/>
-              <a:t>detr</a:t>
-            </a:r>
-            <a:r>
-              <a:rPr lang="en-US" altLang="zh-CN" sz="2400" dirty="0"/>
-              <a:t> build</a:t>
-            </a:r>
-            <a:endParaRPr lang="zh-CN" altLang="en-US" sz="2400" dirty="0"/>
-          </a:p>
-        </p:txBody>
-      </p:sp>
-      <p:sp>
-        <p:nvSpPr>
-          <p:cNvPr id="3" name="矩形 2">
-            <a:extLst>
-              <a:ext uri="{FF2B5EF4-FFF2-40B4-BE49-F238E27FC236}">
-                <a16:creationId xmlns:a16="http://schemas.microsoft.com/office/drawing/2014/main" id="{8BDDBFA2-5F66-214F-2CAC-82F6809E57F2}"/>
-              </a:ext>
-            </a:extLst>
-          </p:cNvPr>
-          <p:cNvSpPr/>
-          <p:nvPr/>
-        </p:nvSpPr>
-        <p:spPr>
-          <a:xfrm>
-            <a:off x="4580353" y="1086237"/>
-            <a:ext cx="2263209" cy="461665"/>
-          </a:xfrm>
-          <a:prstGeom prst="rect">
-            <a:avLst/>
-          </a:prstGeom>
-          <a:noFill/>
-          <a:ln>
-            <a:solidFill>
-              <a:schemeClr val="tx1"/>
-            </a:solidFill>
-          </a:ln>
-        </p:spPr>
-        <p:style>
-          <a:lnRef idx="2">
-            <a:schemeClr val="accent1">
-              <a:shade val="15000"/>
-            </a:schemeClr>
-          </a:lnRef>
-          <a:fillRef idx="1">
-            <a:schemeClr val="accent1"/>
-          </a:fillRef>
-          <a:effectRef idx="0">
-            <a:schemeClr val="accent1"/>
-          </a:effectRef>
-          <a:fontRef idx="minor">
-            <a:schemeClr val="lt1"/>
-          </a:fontRef>
-        </p:style>
-        <p:txBody>
-          <a:bodyPr rtlCol="0" anchor="ctr"/>
-          <a:lstStyle/>
-          <a:p>
-            <a:pPr algn="ctr"/>
-            <a:r>
-              <a:rPr lang="en-US" altLang="zh-CN" dirty="0">
-                <a:solidFill>
-                  <a:schemeClr val="tx1"/>
-                </a:solidFill>
-              </a:rPr>
-              <a:t>Build Model</a:t>
-            </a:r>
-          </a:p>
-        </p:txBody>
-      </p:sp>
-      <p:sp>
-        <p:nvSpPr>
-          <p:cNvPr id="8" name="矩形 7">
-            <a:extLst>
-              <a:ext uri="{FF2B5EF4-FFF2-40B4-BE49-F238E27FC236}">
-                <a16:creationId xmlns:a16="http://schemas.microsoft.com/office/drawing/2014/main" id="{0DA32F80-C08A-1536-D942-D764916FF248}"/>
-              </a:ext>
-            </a:extLst>
-          </p:cNvPr>
-          <p:cNvSpPr/>
-          <p:nvPr/>
-        </p:nvSpPr>
-        <p:spPr>
-          <a:xfrm>
-            <a:off x="3327465" y="1941641"/>
-            <a:ext cx="2263209" cy="461665"/>
-          </a:xfrm>
-          <a:prstGeom prst="rect">
-            <a:avLst/>
-          </a:prstGeom>
-          <a:noFill/>
-          <a:ln>
-            <a:solidFill>
-              <a:schemeClr val="tx1"/>
-            </a:solidFill>
-          </a:ln>
-        </p:spPr>
-        <p:style>
-          <a:lnRef idx="2">
-            <a:schemeClr val="accent1">
-              <a:shade val="15000"/>
-            </a:schemeClr>
-          </a:lnRef>
-          <a:fillRef idx="1">
-            <a:schemeClr val="accent1"/>
-          </a:fillRef>
-          <a:effectRef idx="0">
-            <a:schemeClr val="accent1"/>
-          </a:effectRef>
-          <a:fontRef idx="minor">
-            <a:schemeClr val="lt1"/>
-          </a:fontRef>
-        </p:style>
-        <p:txBody>
-          <a:bodyPr rtlCol="0" anchor="ctr"/>
-          <a:lstStyle/>
-          <a:p>
-            <a:pPr algn="ctr"/>
-            <a:r>
-              <a:rPr lang="en-US" altLang="zh-CN" dirty="0" err="1">
-                <a:solidFill>
-                  <a:schemeClr val="tx1"/>
-                </a:solidFill>
-              </a:rPr>
-              <a:t>build_backbone</a:t>
-            </a:r>
-            <a:endParaRPr lang="en-US" altLang="zh-CN" dirty="0">
-              <a:solidFill>
-                <a:schemeClr val="tx1"/>
-              </a:solidFill>
-            </a:endParaRPr>
-          </a:p>
-        </p:txBody>
-      </p:sp>
-      <p:cxnSp>
-        <p:nvCxnSpPr>
-          <p:cNvPr id="11" name="连接符: 肘形 10">
-            <a:extLst>
-              <a:ext uri="{FF2B5EF4-FFF2-40B4-BE49-F238E27FC236}">
-                <a16:creationId xmlns:a16="http://schemas.microsoft.com/office/drawing/2014/main" id="{251841A2-E0E2-29E3-DCB5-86E33D7D76A4}"/>
-              </a:ext>
-            </a:extLst>
-          </p:cNvPr>
-          <p:cNvCxnSpPr>
-            <a:stCxn id="3" idx="2"/>
-            <a:endCxn id="8" idx="0"/>
-          </p:cNvCxnSpPr>
-          <p:nvPr/>
-        </p:nvCxnSpPr>
-        <p:spPr>
-          <a:xfrm rot="5400000">
-            <a:off x="4888645" y="1118327"/>
-            <a:ext cx="393739" cy="1252888"/>
-          </a:xfrm>
-          <a:prstGeom prst="bentConnector3">
-            <a:avLst/>
-          </a:prstGeom>
-          <a:ln>
-            <a:tailEnd type="triangle"/>
-          </a:ln>
-        </p:spPr>
-        <p:style>
-          <a:lnRef idx="1">
-            <a:schemeClr val="dk1"/>
-          </a:lnRef>
-          <a:fillRef idx="0">
-            <a:schemeClr val="dk1"/>
-          </a:fillRef>
-          <a:effectRef idx="0">
-            <a:schemeClr val="dk1"/>
-          </a:effectRef>
-          <a:fontRef idx="minor">
-            <a:schemeClr val="tx1"/>
-          </a:fontRef>
-        </p:style>
-      </p:cxnSp>
-      <p:sp>
-        <p:nvSpPr>
-          <p:cNvPr id="12" name="矩形 11">
-            <a:extLst>
-              <a:ext uri="{FF2B5EF4-FFF2-40B4-BE49-F238E27FC236}">
-                <a16:creationId xmlns:a16="http://schemas.microsoft.com/office/drawing/2014/main" id="{12DEAD3C-A8D1-A4BA-BE17-E5FC1E35838E}"/>
-              </a:ext>
-            </a:extLst>
-          </p:cNvPr>
-          <p:cNvSpPr/>
-          <p:nvPr/>
-        </p:nvSpPr>
-        <p:spPr>
-          <a:xfrm>
-            <a:off x="7660741" y="1941641"/>
-            <a:ext cx="3244682" cy="461665"/>
-          </a:xfrm>
-          <a:prstGeom prst="rect">
-            <a:avLst/>
-          </a:prstGeom>
-          <a:noFill/>
-          <a:ln>
-            <a:solidFill>
-              <a:schemeClr val="tx1"/>
-            </a:solidFill>
-          </a:ln>
-        </p:spPr>
-        <p:style>
-          <a:lnRef idx="2">
-            <a:schemeClr val="accent1">
-              <a:shade val="15000"/>
-            </a:schemeClr>
-          </a:lnRef>
-          <a:fillRef idx="1">
-            <a:schemeClr val="accent1"/>
-          </a:fillRef>
-          <a:effectRef idx="0">
-            <a:schemeClr val="accent1"/>
-          </a:effectRef>
-          <a:fontRef idx="minor">
-            <a:schemeClr val="lt1"/>
-          </a:fontRef>
-        </p:style>
-        <p:txBody>
-          <a:bodyPr rtlCol="0" anchor="ctr"/>
-          <a:lstStyle/>
-          <a:p>
-            <a:pPr algn="ctr"/>
-            <a:r>
-              <a:rPr lang="en-US" altLang="zh-CN" dirty="0" err="1">
-                <a:solidFill>
-                  <a:schemeClr val="tx1"/>
-                </a:solidFill>
-              </a:rPr>
-              <a:t>build_deforamble_transformer</a:t>
-            </a:r>
-            <a:endParaRPr lang="en-US" altLang="zh-CN" dirty="0">
-              <a:solidFill>
-                <a:schemeClr val="tx1"/>
-              </a:solidFill>
-            </a:endParaRPr>
-          </a:p>
-        </p:txBody>
-      </p:sp>
-      <p:sp>
-        <p:nvSpPr>
-          <p:cNvPr id="13" name="矩形 12">
-            <a:extLst>
-              <a:ext uri="{FF2B5EF4-FFF2-40B4-BE49-F238E27FC236}">
-                <a16:creationId xmlns:a16="http://schemas.microsoft.com/office/drawing/2014/main" id="{98E522CC-4E18-AB7F-27B1-1CC9D94502E4}"/>
-              </a:ext>
-            </a:extLst>
-          </p:cNvPr>
-          <p:cNvSpPr/>
-          <p:nvPr/>
-        </p:nvSpPr>
-        <p:spPr>
-          <a:xfrm>
-            <a:off x="2003355" y="2797045"/>
-            <a:ext cx="2263209" cy="461665"/>
-          </a:xfrm>
-          <a:prstGeom prst="rect">
-            <a:avLst/>
-          </a:prstGeom>
-          <a:noFill/>
-          <a:ln>
-            <a:solidFill>
-              <a:schemeClr val="tx1"/>
-            </a:solidFill>
-          </a:ln>
-        </p:spPr>
-        <p:style>
-          <a:lnRef idx="2">
-            <a:schemeClr val="accent1">
-              <a:shade val="15000"/>
-            </a:schemeClr>
-          </a:lnRef>
-          <a:fillRef idx="1">
-            <a:schemeClr val="accent1"/>
-          </a:fillRef>
-          <a:effectRef idx="0">
-            <a:schemeClr val="accent1"/>
-          </a:effectRef>
-          <a:fontRef idx="minor">
-            <a:schemeClr val="lt1"/>
-          </a:fontRef>
-        </p:style>
-        <p:txBody>
-          <a:bodyPr rtlCol="0" anchor="ctr"/>
-          <a:lstStyle/>
-          <a:p>
-            <a:pPr algn="ctr"/>
-            <a:r>
-              <a:rPr lang="en-US" altLang="zh-CN" dirty="0">
-                <a:solidFill>
-                  <a:schemeClr val="tx1"/>
-                </a:solidFill>
-              </a:rPr>
-              <a:t>Backbone(ResNet50)</a:t>
-            </a:r>
-          </a:p>
-        </p:txBody>
-      </p:sp>
-      <p:sp>
-        <p:nvSpPr>
-          <p:cNvPr id="14" name="矩形 13">
-            <a:extLst>
-              <a:ext uri="{FF2B5EF4-FFF2-40B4-BE49-F238E27FC236}">
-                <a16:creationId xmlns:a16="http://schemas.microsoft.com/office/drawing/2014/main" id="{6BA73DAB-46FB-342A-3EF2-2C1A2B702116}"/>
-              </a:ext>
-            </a:extLst>
-          </p:cNvPr>
-          <p:cNvSpPr/>
-          <p:nvPr/>
-        </p:nvSpPr>
-        <p:spPr>
-          <a:xfrm>
-            <a:off x="4580353" y="2797043"/>
-            <a:ext cx="2637626" cy="461665"/>
-          </a:xfrm>
-          <a:prstGeom prst="rect">
-            <a:avLst/>
-          </a:prstGeom>
-          <a:noFill/>
-          <a:ln>
-            <a:solidFill>
-              <a:schemeClr val="tx1"/>
-            </a:solidFill>
-          </a:ln>
-        </p:spPr>
-        <p:style>
-          <a:lnRef idx="2">
-            <a:schemeClr val="accent1">
-              <a:shade val="15000"/>
-            </a:schemeClr>
-          </a:lnRef>
-          <a:fillRef idx="1">
-            <a:schemeClr val="accent1"/>
-          </a:fillRef>
-          <a:effectRef idx="0">
-            <a:schemeClr val="accent1"/>
-          </a:effectRef>
-          <a:fontRef idx="minor">
-            <a:schemeClr val="lt1"/>
-          </a:fontRef>
-        </p:style>
-        <p:txBody>
-          <a:bodyPr rtlCol="0" anchor="ctr"/>
-          <a:lstStyle/>
-          <a:p>
-            <a:pPr algn="ctr"/>
-            <a:r>
-              <a:rPr lang="en-US" altLang="zh-CN" dirty="0" err="1">
-                <a:solidFill>
-                  <a:schemeClr val="tx1"/>
-                </a:solidFill>
-              </a:rPr>
-              <a:t>PositionEmbeddingSine</a:t>
-            </a:r>
-            <a:endParaRPr lang="en-US" altLang="zh-CN" dirty="0">
-              <a:solidFill>
-                <a:schemeClr val="tx1"/>
-              </a:solidFill>
-            </a:endParaRPr>
-          </a:p>
-        </p:txBody>
-      </p:sp>
-      <p:cxnSp>
-        <p:nvCxnSpPr>
-          <p:cNvPr id="15" name="连接符: 肘形 14">
-            <a:extLst>
-              <a:ext uri="{FF2B5EF4-FFF2-40B4-BE49-F238E27FC236}">
-                <a16:creationId xmlns:a16="http://schemas.microsoft.com/office/drawing/2014/main" id="{457A4CAA-4A23-B508-7860-23FA40035164}"/>
-              </a:ext>
-            </a:extLst>
-          </p:cNvPr>
-          <p:cNvCxnSpPr>
-            <a:cxnSpLocks/>
-            <a:stCxn id="8" idx="2"/>
-            <a:endCxn id="13" idx="0"/>
-          </p:cNvCxnSpPr>
-          <p:nvPr/>
-        </p:nvCxnSpPr>
-        <p:spPr>
-          <a:xfrm rot="5400000">
-            <a:off x="3600146" y="1938120"/>
-            <a:ext cx="393739" cy="1324110"/>
-          </a:xfrm>
-          <a:prstGeom prst="bentConnector3">
-            <a:avLst>
-              <a:gd name="adj1" fmla="val 50000"/>
-            </a:avLst>
-          </a:prstGeom>
-          <a:ln>
-            <a:tailEnd type="triangle"/>
-          </a:ln>
-        </p:spPr>
-        <p:style>
-          <a:lnRef idx="1">
-            <a:schemeClr val="dk1"/>
-          </a:lnRef>
-          <a:fillRef idx="0">
-            <a:schemeClr val="dk1"/>
-          </a:fillRef>
-          <a:effectRef idx="0">
-            <a:schemeClr val="dk1"/>
-          </a:effectRef>
-          <a:fontRef idx="minor">
-            <a:schemeClr val="tx1"/>
-          </a:fontRef>
-        </p:style>
-      </p:cxnSp>
-      <p:cxnSp>
-        <p:nvCxnSpPr>
-          <p:cNvPr id="18" name="连接符: 肘形 17">
-            <a:extLst>
-              <a:ext uri="{FF2B5EF4-FFF2-40B4-BE49-F238E27FC236}">
-                <a16:creationId xmlns:a16="http://schemas.microsoft.com/office/drawing/2014/main" id="{34774D0B-CC5D-4171-EF24-7ED743441DA9}"/>
-              </a:ext>
-            </a:extLst>
-          </p:cNvPr>
-          <p:cNvCxnSpPr>
-            <a:cxnSpLocks/>
-            <a:stCxn id="8" idx="2"/>
-            <a:endCxn id="14" idx="0"/>
-          </p:cNvCxnSpPr>
-          <p:nvPr/>
-        </p:nvCxnSpPr>
-        <p:spPr>
-          <a:xfrm rot="16200000" flipH="1">
-            <a:off x="4982250" y="1880126"/>
-            <a:ext cx="393737" cy="1440096"/>
-          </a:xfrm>
-          <a:prstGeom prst="bentConnector3">
-            <a:avLst>
-              <a:gd name="adj1" fmla="val 50000"/>
-            </a:avLst>
-          </a:prstGeom>
-          <a:ln>
-            <a:tailEnd type="triangle"/>
-          </a:ln>
-        </p:spPr>
-        <p:style>
-          <a:lnRef idx="1">
-            <a:schemeClr val="dk1"/>
-          </a:lnRef>
-          <a:fillRef idx="0">
-            <a:schemeClr val="dk1"/>
-          </a:fillRef>
-          <a:effectRef idx="0">
-            <a:schemeClr val="dk1"/>
-          </a:effectRef>
-          <a:fontRef idx="minor">
-            <a:schemeClr val="tx1"/>
-          </a:fontRef>
-        </p:style>
-      </p:cxnSp>
-      <p:cxnSp>
-        <p:nvCxnSpPr>
-          <p:cNvPr id="21" name="连接符: 肘形 20">
-            <a:extLst>
-              <a:ext uri="{FF2B5EF4-FFF2-40B4-BE49-F238E27FC236}">
-                <a16:creationId xmlns:a16="http://schemas.microsoft.com/office/drawing/2014/main" id="{012681E7-6144-2E9E-A576-D9D64F0A3FE4}"/>
-              </a:ext>
-            </a:extLst>
-          </p:cNvPr>
-          <p:cNvCxnSpPr>
-            <a:cxnSpLocks/>
-            <a:stCxn id="3" idx="2"/>
-            <a:endCxn id="12" idx="0"/>
-          </p:cNvCxnSpPr>
-          <p:nvPr/>
-        </p:nvCxnSpPr>
-        <p:spPr>
-          <a:xfrm rot="16200000" flipH="1">
-            <a:off x="7300651" y="-40791"/>
-            <a:ext cx="393739" cy="3571124"/>
-          </a:xfrm>
-          <a:prstGeom prst="bentConnector3">
-            <a:avLst>
-              <a:gd name="adj1" fmla="val 50000"/>
-            </a:avLst>
-          </a:prstGeom>
-          <a:ln>
-            <a:tailEnd type="triangle"/>
-          </a:ln>
-        </p:spPr>
-        <p:style>
-          <a:lnRef idx="1">
-            <a:schemeClr val="dk1"/>
-          </a:lnRef>
-          <a:fillRef idx="0">
-            <a:schemeClr val="dk1"/>
-          </a:fillRef>
-          <a:effectRef idx="0">
-            <a:schemeClr val="dk1"/>
-          </a:effectRef>
-          <a:fontRef idx="minor">
-            <a:schemeClr val="tx1"/>
-          </a:fontRef>
-        </p:style>
-      </p:cxnSp>
-      <p:sp>
-        <p:nvSpPr>
-          <p:cNvPr id="25" name="矩形 24">
-            <a:extLst>
-              <a:ext uri="{FF2B5EF4-FFF2-40B4-BE49-F238E27FC236}">
-                <a16:creationId xmlns:a16="http://schemas.microsoft.com/office/drawing/2014/main" id="{66B74E79-2750-262E-81C8-193A0AFEC81C}"/>
-              </a:ext>
-            </a:extLst>
-          </p:cNvPr>
-          <p:cNvSpPr/>
-          <p:nvPr/>
-        </p:nvSpPr>
-        <p:spPr>
-          <a:xfrm>
-            <a:off x="3327464" y="3830123"/>
-            <a:ext cx="2263209" cy="461665"/>
-          </a:xfrm>
-          <a:prstGeom prst="rect">
-            <a:avLst/>
-          </a:prstGeom>
-          <a:noFill/>
-          <a:ln>
-            <a:solidFill>
-              <a:schemeClr val="tx1"/>
-            </a:solidFill>
-          </a:ln>
-        </p:spPr>
-        <p:style>
-          <a:lnRef idx="2">
-            <a:schemeClr val="accent1">
-              <a:shade val="15000"/>
-            </a:schemeClr>
-          </a:lnRef>
-          <a:fillRef idx="1">
-            <a:schemeClr val="accent1"/>
-          </a:fillRef>
-          <a:effectRef idx="0">
-            <a:schemeClr val="accent1"/>
-          </a:effectRef>
-          <a:fontRef idx="minor">
-            <a:schemeClr val="lt1"/>
-          </a:fontRef>
-        </p:style>
-        <p:txBody>
-          <a:bodyPr rtlCol="0" anchor="ctr"/>
-          <a:lstStyle/>
-          <a:p>
-            <a:pPr algn="ctr"/>
-            <a:r>
-              <a:rPr lang="en-US" altLang="zh-CN" dirty="0" err="1">
-                <a:solidFill>
-                  <a:schemeClr val="tx1"/>
-                </a:solidFill>
-              </a:rPr>
-              <a:t>Backbone+PE</a:t>
-            </a:r>
-            <a:endParaRPr lang="en-US" altLang="zh-CN" dirty="0">
-              <a:solidFill>
-                <a:schemeClr val="tx1"/>
-              </a:solidFill>
-            </a:endParaRPr>
-          </a:p>
-        </p:txBody>
-      </p:sp>
-      <p:cxnSp>
-        <p:nvCxnSpPr>
-          <p:cNvPr id="26" name="连接符: 肘形 25">
-            <a:extLst>
-              <a:ext uri="{FF2B5EF4-FFF2-40B4-BE49-F238E27FC236}">
-                <a16:creationId xmlns:a16="http://schemas.microsoft.com/office/drawing/2014/main" id="{1BC060A2-47F7-26FC-632A-6860F4664054}"/>
-              </a:ext>
-            </a:extLst>
-          </p:cNvPr>
-          <p:cNvCxnSpPr>
-            <a:cxnSpLocks/>
-            <a:stCxn id="13" idx="2"/>
-            <a:endCxn id="25" idx="0"/>
-          </p:cNvCxnSpPr>
-          <p:nvPr/>
-        </p:nvCxnSpPr>
-        <p:spPr>
-          <a:xfrm rot="16200000" flipH="1">
-            <a:off x="3511308" y="2882361"/>
-            <a:ext cx="571413" cy="1324109"/>
-          </a:xfrm>
-          <a:prstGeom prst="bentConnector3">
-            <a:avLst>
-              <a:gd name="adj1" fmla="val 50000"/>
-            </a:avLst>
-          </a:prstGeom>
-          <a:ln>
-            <a:tailEnd type="triangle"/>
-          </a:ln>
-        </p:spPr>
-        <p:style>
-          <a:lnRef idx="1">
-            <a:schemeClr val="dk1"/>
-          </a:lnRef>
-          <a:fillRef idx="0">
-            <a:schemeClr val="dk1"/>
-          </a:fillRef>
-          <a:effectRef idx="0">
-            <a:schemeClr val="dk1"/>
-          </a:effectRef>
-          <a:fontRef idx="minor">
-            <a:schemeClr val="tx1"/>
-          </a:fontRef>
-        </p:style>
-      </p:cxnSp>
-      <p:cxnSp>
-        <p:nvCxnSpPr>
-          <p:cNvPr id="29" name="连接符: 肘形 28">
-            <a:extLst>
-              <a:ext uri="{FF2B5EF4-FFF2-40B4-BE49-F238E27FC236}">
-                <a16:creationId xmlns:a16="http://schemas.microsoft.com/office/drawing/2014/main" id="{B4F009DE-F903-90ED-0B45-2C710A1C59A9}"/>
-              </a:ext>
-            </a:extLst>
-          </p:cNvPr>
-          <p:cNvCxnSpPr>
-            <a:cxnSpLocks/>
-            <a:stCxn id="14" idx="2"/>
-            <a:endCxn id="25" idx="0"/>
-          </p:cNvCxnSpPr>
-          <p:nvPr/>
-        </p:nvCxnSpPr>
-        <p:spPr>
-          <a:xfrm rot="5400000">
-            <a:off x="4893411" y="2824367"/>
-            <a:ext cx="571415" cy="1440097"/>
-          </a:xfrm>
-          <a:prstGeom prst="bentConnector3">
-            <a:avLst>
-              <a:gd name="adj1" fmla="val 50000"/>
-            </a:avLst>
-          </a:prstGeom>
-          <a:ln>
-            <a:tailEnd type="triangle"/>
-          </a:ln>
-        </p:spPr>
-        <p:style>
-          <a:lnRef idx="1">
-            <a:schemeClr val="dk1"/>
-          </a:lnRef>
-          <a:fillRef idx="0">
-            <a:schemeClr val="dk1"/>
-          </a:fillRef>
-          <a:effectRef idx="0">
-            <a:schemeClr val="dk1"/>
-          </a:effectRef>
-          <a:fontRef idx="minor">
-            <a:schemeClr val="tx1"/>
-          </a:fontRef>
-        </p:style>
-      </p:cxnSp>
-      <p:sp>
-        <p:nvSpPr>
-          <p:cNvPr id="33" name="矩形 32">
-            <a:extLst>
-              <a:ext uri="{FF2B5EF4-FFF2-40B4-BE49-F238E27FC236}">
-                <a16:creationId xmlns:a16="http://schemas.microsoft.com/office/drawing/2014/main" id="{23CF01D5-4140-8A80-C071-73F591D18239}"/>
-              </a:ext>
-            </a:extLst>
-          </p:cNvPr>
-          <p:cNvSpPr/>
-          <p:nvPr/>
-        </p:nvSpPr>
-        <p:spPr>
-          <a:xfrm>
-            <a:off x="5809178" y="4916360"/>
-            <a:ext cx="2263209" cy="461665"/>
-          </a:xfrm>
-          <a:prstGeom prst="rect">
-            <a:avLst/>
-          </a:prstGeom>
-          <a:noFill/>
-          <a:ln>
-            <a:solidFill>
-              <a:schemeClr val="tx1"/>
-            </a:solidFill>
-          </a:ln>
-        </p:spPr>
-        <p:style>
-          <a:lnRef idx="2">
-            <a:schemeClr val="accent1">
-              <a:shade val="15000"/>
-            </a:schemeClr>
-          </a:lnRef>
-          <a:fillRef idx="1">
-            <a:schemeClr val="accent1"/>
-          </a:fillRef>
-          <a:effectRef idx="0">
-            <a:schemeClr val="accent1"/>
-          </a:effectRef>
-          <a:fontRef idx="minor">
-            <a:schemeClr val="lt1"/>
-          </a:fontRef>
-        </p:style>
-        <p:txBody>
-          <a:bodyPr rtlCol="0" anchor="ctr"/>
-          <a:lstStyle/>
-          <a:p>
-            <a:pPr algn="ctr"/>
-            <a:r>
-              <a:rPr lang="en-US" altLang="zh-CN" dirty="0" err="1">
-                <a:solidFill>
-                  <a:schemeClr val="tx1"/>
-                </a:solidFill>
-              </a:rPr>
-              <a:t>DeformableDETR</a:t>
-            </a:r>
-            <a:endParaRPr lang="en-US" altLang="zh-CN" dirty="0">
-              <a:solidFill>
-                <a:schemeClr val="tx1"/>
-              </a:solidFill>
-            </a:endParaRPr>
-          </a:p>
-        </p:txBody>
-      </p:sp>
-      <p:cxnSp>
-        <p:nvCxnSpPr>
-          <p:cNvPr id="34" name="连接符: 肘形 33">
-            <a:extLst>
-              <a:ext uri="{FF2B5EF4-FFF2-40B4-BE49-F238E27FC236}">
-                <a16:creationId xmlns:a16="http://schemas.microsoft.com/office/drawing/2014/main" id="{284B061B-6EB2-DE65-8389-1F6B74389A66}"/>
-              </a:ext>
-            </a:extLst>
-          </p:cNvPr>
-          <p:cNvCxnSpPr>
-            <a:cxnSpLocks/>
-            <a:stCxn id="25" idx="2"/>
-            <a:endCxn id="33" idx="0"/>
-          </p:cNvCxnSpPr>
-          <p:nvPr/>
-        </p:nvCxnSpPr>
-        <p:spPr>
-          <a:xfrm rot="16200000" flipH="1">
-            <a:off x="5387640" y="3363217"/>
-            <a:ext cx="624572" cy="2481714"/>
-          </a:xfrm>
-          <a:prstGeom prst="bentConnector3">
-            <a:avLst>
-              <a:gd name="adj1" fmla="val 50000"/>
-            </a:avLst>
-          </a:prstGeom>
-          <a:ln>
-            <a:tailEnd type="triangle"/>
-          </a:ln>
-        </p:spPr>
-        <p:style>
-          <a:lnRef idx="1">
-            <a:schemeClr val="dk1"/>
-          </a:lnRef>
-          <a:fillRef idx="0">
-            <a:schemeClr val="dk1"/>
-          </a:fillRef>
-          <a:effectRef idx="0">
-            <a:schemeClr val="dk1"/>
-          </a:effectRef>
-          <a:fontRef idx="minor">
-            <a:schemeClr val="tx1"/>
-          </a:fontRef>
-        </p:style>
-      </p:cxnSp>
-      <p:cxnSp>
-        <p:nvCxnSpPr>
-          <p:cNvPr id="37" name="连接符: 肘形 36">
-            <a:extLst>
-              <a:ext uri="{FF2B5EF4-FFF2-40B4-BE49-F238E27FC236}">
-                <a16:creationId xmlns:a16="http://schemas.microsoft.com/office/drawing/2014/main" id="{D5B75E0B-331C-9436-0951-5B8AB12F2A82}"/>
-              </a:ext>
-            </a:extLst>
-          </p:cNvPr>
-          <p:cNvCxnSpPr>
-            <a:cxnSpLocks/>
-            <a:stCxn id="41" idx="2"/>
-            <a:endCxn id="33" idx="0"/>
-          </p:cNvCxnSpPr>
-          <p:nvPr/>
-        </p:nvCxnSpPr>
-        <p:spPr>
-          <a:xfrm rot="5400000">
-            <a:off x="7317071" y="2950349"/>
-            <a:ext cx="1589724" cy="2342299"/>
-          </a:xfrm>
-          <a:prstGeom prst="bentConnector3">
-            <a:avLst>
-              <a:gd name="adj1" fmla="val 80273"/>
-            </a:avLst>
-          </a:prstGeom>
-          <a:ln>
-            <a:tailEnd type="triangle"/>
-          </a:ln>
-        </p:spPr>
-        <p:style>
-          <a:lnRef idx="1">
-            <a:schemeClr val="dk1"/>
-          </a:lnRef>
-          <a:fillRef idx="0">
-            <a:schemeClr val="dk1"/>
-          </a:fillRef>
-          <a:effectRef idx="0">
-            <a:schemeClr val="dk1"/>
-          </a:effectRef>
-          <a:fontRef idx="minor">
-            <a:schemeClr val="tx1"/>
-          </a:fontRef>
-        </p:style>
-      </p:cxnSp>
-      <p:sp>
-        <p:nvSpPr>
-          <p:cNvPr id="41" name="矩形 40">
-            <a:extLst>
-              <a:ext uri="{FF2B5EF4-FFF2-40B4-BE49-F238E27FC236}">
-                <a16:creationId xmlns:a16="http://schemas.microsoft.com/office/drawing/2014/main" id="{6A0BD5B6-1A27-C732-21FC-80603A134BB2}"/>
-              </a:ext>
-            </a:extLst>
-          </p:cNvPr>
-          <p:cNvSpPr/>
-          <p:nvPr/>
-        </p:nvSpPr>
-        <p:spPr>
-          <a:xfrm>
-            <a:off x="7660741" y="2864971"/>
-            <a:ext cx="3244682" cy="461665"/>
-          </a:xfrm>
-          <a:prstGeom prst="rect">
-            <a:avLst/>
-          </a:prstGeom>
-          <a:noFill/>
-          <a:ln>
-            <a:solidFill>
-              <a:schemeClr val="tx1"/>
-            </a:solidFill>
-          </a:ln>
-        </p:spPr>
-        <p:style>
-          <a:lnRef idx="2">
-            <a:schemeClr val="accent1">
-              <a:shade val="15000"/>
-            </a:schemeClr>
-          </a:lnRef>
-          <a:fillRef idx="1">
-            <a:schemeClr val="accent1"/>
-          </a:fillRef>
-          <a:effectRef idx="0">
-            <a:schemeClr val="accent1"/>
-          </a:effectRef>
-          <a:fontRef idx="minor">
-            <a:schemeClr val="lt1"/>
-          </a:fontRef>
-        </p:style>
-        <p:txBody>
-          <a:bodyPr rtlCol="0" anchor="ctr"/>
-          <a:lstStyle/>
-          <a:p>
-            <a:pPr algn="ctr"/>
-            <a:r>
-              <a:rPr lang="en-US" altLang="zh-CN" dirty="0">
-                <a:solidFill>
-                  <a:schemeClr val="tx1"/>
-                </a:solidFill>
-              </a:rPr>
-              <a:t>transformer</a:t>
-            </a:r>
-          </a:p>
-        </p:txBody>
-      </p:sp>
-      <p:cxnSp>
-        <p:nvCxnSpPr>
-          <p:cNvPr id="44" name="直接箭头连接符 43">
-            <a:extLst>
-              <a:ext uri="{FF2B5EF4-FFF2-40B4-BE49-F238E27FC236}">
-                <a16:creationId xmlns:a16="http://schemas.microsoft.com/office/drawing/2014/main" id="{E0868661-A78D-0D1D-9CC1-8461AFD7EE32}"/>
-              </a:ext>
-            </a:extLst>
-          </p:cNvPr>
-          <p:cNvCxnSpPr>
-            <a:cxnSpLocks/>
-            <a:stCxn id="12" idx="2"/>
-            <a:endCxn id="41" idx="0"/>
-          </p:cNvCxnSpPr>
-          <p:nvPr/>
-        </p:nvCxnSpPr>
-        <p:spPr>
-          <a:xfrm>
-            <a:off x="9283082" y="2403306"/>
-            <a:ext cx="0" cy="461665"/>
-          </a:xfrm>
-          <a:prstGeom prst="straightConnector1">
-            <a:avLst/>
-          </a:prstGeom>
-          <a:ln>
-            <a:tailEnd type="triangle"/>
-          </a:ln>
-        </p:spPr>
-        <p:style>
-          <a:lnRef idx="1">
-            <a:schemeClr val="dk1"/>
-          </a:lnRef>
-          <a:fillRef idx="0">
-            <a:schemeClr val="dk1"/>
-          </a:fillRef>
-          <a:effectRef idx="0">
-            <a:schemeClr val="dk1"/>
-          </a:effectRef>
-          <a:fontRef idx="minor">
-            <a:schemeClr val="tx1"/>
-          </a:fontRef>
-        </p:style>
-      </p:cxnSp>
-    </p:spTree>
-    <p:extLst>
-      <p:ext uri="{BB962C8B-B14F-4D97-AF65-F5344CB8AC3E}">
-        <p14:creationId xmlns:p14="http://schemas.microsoft.com/office/powerpoint/2010/main" val="1728302549"/>
-      </p:ext>
-    </p:extLst>
-  </p:cSld>
-  <p:clrMapOvr>
-    <a:masterClrMapping/>
-  </p:clrMapOvr>
-</p:sld>
-</file>
-
-<file path=ppt/slides/slide27.xml><?xml version="1.0" encoding="utf-8"?>
-<p:sld xmlns:a="http://schemas.openxmlformats.org/drawingml/2006/main" xmlns:r="http://schemas.openxmlformats.org/officeDocument/2006/relationships" xmlns:p="http://schemas.openxmlformats.org/presentationml/2006/main">
-  <p:cSld>
-    <p:spTree>
-      <p:nvGrpSpPr>
-        <p:cNvPr id="1" name=""/>
-        <p:cNvGrpSpPr/>
-        <p:nvPr/>
-      </p:nvGrpSpPr>
-      <p:grpSpPr>
-        <a:xfrm>
-          <a:off x="0" y="0"/>
-          <a:ext cx="0" cy="0"/>
-          <a:chOff x="0" y="0"/>
-          <a:chExt cx="0" cy="0"/>
-        </a:xfrm>
-      </p:grpSpPr>
-      <p:sp>
-        <p:nvSpPr>
           <p:cNvPr id="4" name="矩形 3">
             <a:extLst>
               <a:ext uri="{FF2B5EF4-FFF2-40B4-BE49-F238E27FC236}">
@@ -26343,7 +25570,7 @@
 </p:sld>
 </file>
 
-<file path=ppt/slides/slide28.xml><?xml version="1.0" encoding="utf-8"?>
+<file path=ppt/slides/slide27.xml><?xml version="1.0" encoding="utf-8"?>
 <p:sld xmlns:a="http://schemas.openxmlformats.org/drawingml/2006/main" xmlns:r="http://schemas.openxmlformats.org/officeDocument/2006/relationships" xmlns:p="http://schemas.openxmlformats.org/presentationml/2006/main">
   <p:cSld>
     <p:spTree>
@@ -30172,6 +29399,678 @@
 </p:sld>
 </file>
 
+<file path=ppt/slides/slide28.xml><?xml version="1.0" encoding="utf-8"?>
+<p:sld xmlns:a="http://schemas.openxmlformats.org/drawingml/2006/main" xmlns:r="http://schemas.openxmlformats.org/officeDocument/2006/relationships" xmlns:p="http://schemas.openxmlformats.org/presentationml/2006/main">
+  <p:cSld>
+    <p:spTree>
+      <p:nvGrpSpPr>
+        <p:cNvPr id="1" name=""/>
+        <p:cNvGrpSpPr/>
+        <p:nvPr/>
+      </p:nvGrpSpPr>
+      <p:grpSpPr>
+        <a:xfrm>
+          <a:off x="0" y="0"/>
+          <a:ext cx="0" cy="0"/>
+          <a:chOff x="0" y="0"/>
+          <a:chExt cx="0" cy="0"/>
+        </a:xfrm>
+      </p:grpSpPr>
+      <p:sp>
+        <p:nvSpPr>
+          <p:cNvPr id="4" name="文本框 3">
+            <a:extLst>
+              <a:ext uri="{FF2B5EF4-FFF2-40B4-BE49-F238E27FC236}">
+                <a16:creationId xmlns:a16="http://schemas.microsoft.com/office/drawing/2014/main" id="{3F8E0787-9F63-109A-C5AF-A66197ED2BBB}"/>
+              </a:ext>
+            </a:extLst>
+          </p:cNvPr>
+          <p:cNvSpPr txBox="1"/>
+          <p:nvPr/>
+        </p:nvSpPr>
+        <p:spPr>
+          <a:xfrm>
+            <a:off x="4838565" y="-7060"/>
+            <a:ext cx="2183611" cy="461665"/>
+          </a:xfrm>
+          <a:prstGeom prst="rect">
+            <a:avLst/>
+          </a:prstGeom>
+          <a:noFill/>
+        </p:spPr>
+        <p:txBody>
+          <a:bodyPr wrap="none" rtlCol="0">
+            <a:spAutoFit/>
+          </a:bodyPr>
+          <a:lstStyle/>
+          <a:p>
+            <a:r>
+              <a:rPr lang="en-US" altLang="zh-CN" sz="2400" dirty="0"/>
+              <a:t>Futr3Head</a:t>
+            </a:r>
+            <a:r>
+              <a:rPr lang="zh-CN" altLang="en-US" sz="2400" dirty="0"/>
+              <a:t>分析</a:t>
+            </a:r>
+          </a:p>
+        </p:txBody>
+      </p:sp>
+      <p:sp>
+        <p:nvSpPr>
+          <p:cNvPr id="7" name="矩形 6">
+            <a:extLst>
+              <a:ext uri="{FF2B5EF4-FFF2-40B4-BE49-F238E27FC236}">
+                <a16:creationId xmlns:a16="http://schemas.microsoft.com/office/drawing/2014/main" id="{A9B3172A-7087-194C-798B-F30CAA399996}"/>
+              </a:ext>
+            </a:extLst>
+          </p:cNvPr>
+          <p:cNvSpPr/>
+          <p:nvPr/>
+        </p:nvSpPr>
+        <p:spPr>
+          <a:xfrm>
+            <a:off x="4340191" y="1965029"/>
+            <a:ext cx="3410438" cy="584200"/>
+          </a:xfrm>
+          <a:prstGeom prst="rect">
+            <a:avLst/>
+          </a:prstGeom>
+          <a:noFill/>
+          <a:ln>
+            <a:solidFill>
+              <a:schemeClr val="tx1"/>
+            </a:solidFill>
+          </a:ln>
+        </p:spPr>
+        <p:style>
+          <a:lnRef idx="2">
+            <a:schemeClr val="accent1">
+              <a:shade val="15000"/>
+            </a:schemeClr>
+          </a:lnRef>
+          <a:fillRef idx="1">
+            <a:schemeClr val="accent1"/>
+          </a:fillRef>
+          <a:effectRef idx="0">
+            <a:schemeClr val="accent1"/>
+          </a:effectRef>
+          <a:fontRef idx="minor">
+            <a:schemeClr val="lt1"/>
+          </a:fontRef>
+        </p:style>
+        <p:txBody>
+          <a:bodyPr rtlCol="0" anchor="ctr"/>
+          <a:lstStyle/>
+          <a:p>
+            <a:pPr algn="ctr"/>
+            <a:r>
+              <a:rPr lang="en-US" altLang="zh-CN" dirty="0">
+                <a:solidFill>
+                  <a:schemeClr val="tx1"/>
+                </a:solidFill>
+              </a:rPr>
+              <a:t>Futr3DHead</a:t>
+            </a:r>
+            <a:endParaRPr lang="zh-CN" altLang="en-US" dirty="0">
+              <a:solidFill>
+                <a:schemeClr val="tx1"/>
+              </a:solidFill>
+            </a:endParaRPr>
+          </a:p>
+        </p:txBody>
+      </p:sp>
+      <p:sp>
+        <p:nvSpPr>
+          <p:cNvPr id="9" name="矩形 8">
+            <a:extLst>
+              <a:ext uri="{FF2B5EF4-FFF2-40B4-BE49-F238E27FC236}">
+                <a16:creationId xmlns:a16="http://schemas.microsoft.com/office/drawing/2014/main" id="{068C3AD1-823F-DC81-A559-DF203BB6FA1A}"/>
+              </a:ext>
+            </a:extLst>
+          </p:cNvPr>
+          <p:cNvSpPr/>
+          <p:nvPr/>
+        </p:nvSpPr>
+        <p:spPr>
+          <a:xfrm>
+            <a:off x="4340191" y="2866291"/>
+            <a:ext cx="3410438" cy="584200"/>
+          </a:xfrm>
+          <a:prstGeom prst="rect">
+            <a:avLst/>
+          </a:prstGeom>
+          <a:noFill/>
+          <a:ln>
+            <a:solidFill>
+              <a:schemeClr val="tx1"/>
+            </a:solidFill>
+          </a:ln>
+        </p:spPr>
+        <p:style>
+          <a:lnRef idx="2">
+            <a:schemeClr val="accent1">
+              <a:shade val="15000"/>
+            </a:schemeClr>
+          </a:lnRef>
+          <a:fillRef idx="1">
+            <a:schemeClr val="accent1"/>
+          </a:fillRef>
+          <a:effectRef idx="0">
+            <a:schemeClr val="accent1"/>
+          </a:effectRef>
+          <a:fontRef idx="minor">
+            <a:schemeClr val="lt1"/>
+          </a:fontRef>
+        </p:style>
+        <p:txBody>
+          <a:bodyPr rtlCol="0" anchor="ctr"/>
+          <a:lstStyle/>
+          <a:p>
+            <a:pPr algn="ctr"/>
+            <a:r>
+              <a:rPr lang="en-US" altLang="zh-CN" dirty="0">
+                <a:solidFill>
+                  <a:schemeClr val="tx1"/>
+                </a:solidFill>
+              </a:rPr>
+              <a:t>Futr3DTransformer</a:t>
+            </a:r>
+            <a:endParaRPr lang="zh-CN" altLang="en-US" dirty="0">
+              <a:solidFill>
+                <a:schemeClr val="tx1"/>
+              </a:solidFill>
+            </a:endParaRPr>
+          </a:p>
+        </p:txBody>
+      </p:sp>
+      <p:cxnSp>
+        <p:nvCxnSpPr>
+          <p:cNvPr id="13" name="直接箭头连接符 12">
+            <a:extLst>
+              <a:ext uri="{FF2B5EF4-FFF2-40B4-BE49-F238E27FC236}">
+                <a16:creationId xmlns:a16="http://schemas.microsoft.com/office/drawing/2014/main" id="{E1933120-7A1E-B071-FE1A-285A6192C35C}"/>
+              </a:ext>
+            </a:extLst>
+          </p:cNvPr>
+          <p:cNvCxnSpPr>
+            <a:cxnSpLocks/>
+            <a:stCxn id="7" idx="2"/>
+            <a:endCxn id="9" idx="0"/>
+          </p:cNvCxnSpPr>
+          <p:nvPr/>
+        </p:nvCxnSpPr>
+        <p:spPr>
+          <a:xfrm>
+            <a:off x="6045410" y="2549229"/>
+            <a:ext cx="0" cy="317062"/>
+          </a:xfrm>
+          <a:prstGeom prst="straightConnector1">
+            <a:avLst/>
+          </a:prstGeom>
+          <a:ln>
+            <a:tailEnd type="triangle"/>
+          </a:ln>
+        </p:spPr>
+        <p:style>
+          <a:lnRef idx="1">
+            <a:schemeClr val="dk1"/>
+          </a:lnRef>
+          <a:fillRef idx="0">
+            <a:schemeClr val="dk1"/>
+          </a:fillRef>
+          <a:effectRef idx="0">
+            <a:schemeClr val="dk1"/>
+          </a:effectRef>
+          <a:fontRef idx="minor">
+            <a:schemeClr val="tx1"/>
+          </a:fontRef>
+        </p:style>
+      </p:cxnSp>
+      <p:sp>
+        <p:nvSpPr>
+          <p:cNvPr id="17" name="矩形 16">
+            <a:extLst>
+              <a:ext uri="{FF2B5EF4-FFF2-40B4-BE49-F238E27FC236}">
+                <a16:creationId xmlns:a16="http://schemas.microsoft.com/office/drawing/2014/main" id="{AE817971-30E3-53CE-A825-5544EB8C2321}"/>
+              </a:ext>
+            </a:extLst>
+          </p:cNvPr>
+          <p:cNvSpPr/>
+          <p:nvPr/>
+        </p:nvSpPr>
+        <p:spPr>
+          <a:xfrm>
+            <a:off x="4340191" y="3767553"/>
+            <a:ext cx="3410438" cy="584200"/>
+          </a:xfrm>
+          <a:prstGeom prst="rect">
+            <a:avLst/>
+          </a:prstGeom>
+          <a:noFill/>
+          <a:ln>
+            <a:solidFill>
+              <a:schemeClr val="tx1"/>
+            </a:solidFill>
+          </a:ln>
+        </p:spPr>
+        <p:style>
+          <a:lnRef idx="2">
+            <a:schemeClr val="accent1">
+              <a:shade val="15000"/>
+            </a:schemeClr>
+          </a:lnRef>
+          <a:fillRef idx="1">
+            <a:schemeClr val="accent1"/>
+          </a:fillRef>
+          <a:effectRef idx="0">
+            <a:schemeClr val="accent1"/>
+          </a:effectRef>
+          <a:fontRef idx="minor">
+            <a:schemeClr val="lt1"/>
+          </a:fontRef>
+        </p:style>
+        <p:txBody>
+          <a:bodyPr rtlCol="0" anchor="ctr"/>
+          <a:lstStyle/>
+          <a:p>
+            <a:pPr algn="ctr"/>
+            <a:r>
+              <a:rPr lang="en-US" altLang="zh-CN" dirty="0">
+                <a:solidFill>
+                  <a:schemeClr val="tx1"/>
+                </a:solidFill>
+              </a:rPr>
+              <a:t>Futr3DTransformerDecoder</a:t>
+            </a:r>
+            <a:endParaRPr lang="zh-CN" altLang="en-US" dirty="0">
+              <a:solidFill>
+                <a:schemeClr val="tx1"/>
+              </a:solidFill>
+            </a:endParaRPr>
+          </a:p>
+        </p:txBody>
+      </p:sp>
+      <p:sp>
+        <p:nvSpPr>
+          <p:cNvPr id="18" name="矩形 17">
+            <a:extLst>
+              <a:ext uri="{FF2B5EF4-FFF2-40B4-BE49-F238E27FC236}">
+                <a16:creationId xmlns:a16="http://schemas.microsoft.com/office/drawing/2014/main" id="{3D834D5C-9354-19C9-DF9A-A4A240389AD7}"/>
+              </a:ext>
+            </a:extLst>
+          </p:cNvPr>
+          <p:cNvSpPr/>
+          <p:nvPr/>
+        </p:nvSpPr>
+        <p:spPr>
+          <a:xfrm>
+            <a:off x="4340190" y="4668815"/>
+            <a:ext cx="3410437" cy="584200"/>
+          </a:xfrm>
+          <a:prstGeom prst="rect">
+            <a:avLst/>
+          </a:prstGeom>
+          <a:noFill/>
+          <a:ln>
+            <a:solidFill>
+              <a:schemeClr val="tx1"/>
+            </a:solidFill>
+          </a:ln>
+        </p:spPr>
+        <p:style>
+          <a:lnRef idx="2">
+            <a:schemeClr val="accent1">
+              <a:shade val="15000"/>
+            </a:schemeClr>
+          </a:lnRef>
+          <a:fillRef idx="1">
+            <a:schemeClr val="accent1"/>
+          </a:fillRef>
+          <a:effectRef idx="0">
+            <a:schemeClr val="accent1"/>
+          </a:effectRef>
+          <a:fontRef idx="minor">
+            <a:schemeClr val="lt1"/>
+          </a:fontRef>
+        </p:style>
+        <p:txBody>
+          <a:bodyPr rtlCol="0" anchor="ctr"/>
+          <a:lstStyle/>
+          <a:p>
+            <a:pPr algn="ctr"/>
+            <a:r>
+              <a:rPr lang="en-US" altLang="zh-CN" dirty="0" err="1">
+                <a:solidFill>
+                  <a:schemeClr val="tx1"/>
+                </a:solidFill>
+              </a:rPr>
+              <a:t>DetrTransformerDecoderLayer</a:t>
+            </a:r>
+            <a:endParaRPr lang="zh-CN" altLang="en-US" dirty="0">
+              <a:solidFill>
+                <a:schemeClr val="tx1"/>
+              </a:solidFill>
+            </a:endParaRPr>
+          </a:p>
+        </p:txBody>
+      </p:sp>
+      <p:cxnSp>
+        <p:nvCxnSpPr>
+          <p:cNvPr id="24" name="直接箭头连接符 23">
+            <a:extLst>
+              <a:ext uri="{FF2B5EF4-FFF2-40B4-BE49-F238E27FC236}">
+                <a16:creationId xmlns:a16="http://schemas.microsoft.com/office/drawing/2014/main" id="{698DA4D5-1D86-8F65-DE27-0F52793EAF79}"/>
+              </a:ext>
+            </a:extLst>
+          </p:cNvPr>
+          <p:cNvCxnSpPr>
+            <a:cxnSpLocks/>
+            <a:stCxn id="9" idx="2"/>
+            <a:endCxn id="17" idx="0"/>
+          </p:cNvCxnSpPr>
+          <p:nvPr/>
+        </p:nvCxnSpPr>
+        <p:spPr>
+          <a:xfrm>
+            <a:off x="6045410" y="3450491"/>
+            <a:ext cx="0" cy="317062"/>
+          </a:xfrm>
+          <a:prstGeom prst="straightConnector1">
+            <a:avLst/>
+          </a:prstGeom>
+          <a:ln>
+            <a:tailEnd type="triangle"/>
+          </a:ln>
+        </p:spPr>
+        <p:style>
+          <a:lnRef idx="1">
+            <a:schemeClr val="dk1"/>
+          </a:lnRef>
+          <a:fillRef idx="0">
+            <a:schemeClr val="dk1"/>
+          </a:fillRef>
+          <a:effectRef idx="0">
+            <a:schemeClr val="dk1"/>
+          </a:effectRef>
+          <a:fontRef idx="minor">
+            <a:schemeClr val="tx1"/>
+          </a:fontRef>
+        </p:style>
+      </p:cxnSp>
+      <p:cxnSp>
+        <p:nvCxnSpPr>
+          <p:cNvPr id="27" name="直接箭头连接符 26">
+            <a:extLst>
+              <a:ext uri="{FF2B5EF4-FFF2-40B4-BE49-F238E27FC236}">
+                <a16:creationId xmlns:a16="http://schemas.microsoft.com/office/drawing/2014/main" id="{817DF52F-638F-0580-A1BA-301ACAF79AFD}"/>
+              </a:ext>
+            </a:extLst>
+          </p:cNvPr>
+          <p:cNvCxnSpPr>
+            <a:cxnSpLocks/>
+            <a:stCxn id="17" idx="2"/>
+            <a:endCxn id="18" idx="0"/>
+          </p:cNvCxnSpPr>
+          <p:nvPr/>
+        </p:nvCxnSpPr>
+        <p:spPr>
+          <a:xfrm flipH="1">
+            <a:off x="6045409" y="4351753"/>
+            <a:ext cx="1" cy="317062"/>
+          </a:xfrm>
+          <a:prstGeom prst="straightConnector1">
+            <a:avLst/>
+          </a:prstGeom>
+          <a:ln>
+            <a:tailEnd type="triangle"/>
+          </a:ln>
+        </p:spPr>
+        <p:style>
+          <a:lnRef idx="1">
+            <a:schemeClr val="dk1"/>
+          </a:lnRef>
+          <a:fillRef idx="0">
+            <a:schemeClr val="dk1"/>
+          </a:fillRef>
+          <a:effectRef idx="0">
+            <a:schemeClr val="dk1"/>
+          </a:effectRef>
+          <a:fontRef idx="minor">
+            <a:schemeClr val="tx1"/>
+          </a:fontRef>
+        </p:style>
+      </p:cxnSp>
+      <p:sp>
+        <p:nvSpPr>
+          <p:cNvPr id="31" name="矩形 30">
+            <a:extLst>
+              <a:ext uri="{FF2B5EF4-FFF2-40B4-BE49-F238E27FC236}">
+                <a16:creationId xmlns:a16="http://schemas.microsoft.com/office/drawing/2014/main" id="{093A4789-3D8B-38BB-EA3B-4FBEED685C04}"/>
+              </a:ext>
+            </a:extLst>
+          </p:cNvPr>
+          <p:cNvSpPr/>
+          <p:nvPr/>
+        </p:nvSpPr>
+        <p:spPr>
+          <a:xfrm>
+            <a:off x="3295162" y="5595039"/>
+            <a:ext cx="2452496" cy="584200"/>
+          </a:xfrm>
+          <a:prstGeom prst="rect">
+            <a:avLst/>
+          </a:prstGeom>
+          <a:noFill/>
+          <a:ln>
+            <a:solidFill>
+              <a:schemeClr val="tx1"/>
+            </a:solidFill>
+          </a:ln>
+        </p:spPr>
+        <p:style>
+          <a:lnRef idx="2">
+            <a:schemeClr val="accent1">
+              <a:shade val="15000"/>
+            </a:schemeClr>
+          </a:lnRef>
+          <a:fillRef idx="1">
+            <a:schemeClr val="accent1"/>
+          </a:fillRef>
+          <a:effectRef idx="0">
+            <a:schemeClr val="accent1"/>
+          </a:effectRef>
+          <a:fontRef idx="minor">
+            <a:schemeClr val="lt1"/>
+          </a:fontRef>
+        </p:style>
+        <p:txBody>
+          <a:bodyPr rtlCol="0" anchor="ctr"/>
+          <a:lstStyle/>
+          <a:p>
+            <a:pPr algn="ctr"/>
+            <a:r>
+              <a:rPr lang="en-US" altLang="zh-CN" dirty="0" err="1">
+                <a:solidFill>
+                  <a:schemeClr val="tx1"/>
+                </a:solidFill>
+              </a:rPr>
+              <a:t>MultiheadAttention</a:t>
+            </a:r>
+            <a:endParaRPr lang="zh-CN" altLang="en-US" dirty="0">
+              <a:solidFill>
+                <a:schemeClr val="tx1"/>
+              </a:solidFill>
+            </a:endParaRPr>
+          </a:p>
+        </p:txBody>
+      </p:sp>
+      <p:sp>
+        <p:nvSpPr>
+          <p:cNvPr id="35" name="矩形 34">
+            <a:extLst>
+              <a:ext uri="{FF2B5EF4-FFF2-40B4-BE49-F238E27FC236}">
+                <a16:creationId xmlns:a16="http://schemas.microsoft.com/office/drawing/2014/main" id="{A76DE777-972F-7F50-9857-80D2FE34FCE3}"/>
+              </a:ext>
+            </a:extLst>
+          </p:cNvPr>
+          <p:cNvSpPr/>
+          <p:nvPr/>
+        </p:nvSpPr>
+        <p:spPr>
+          <a:xfrm>
+            <a:off x="6444344" y="5595039"/>
+            <a:ext cx="2452496" cy="584200"/>
+          </a:xfrm>
+          <a:prstGeom prst="rect">
+            <a:avLst/>
+          </a:prstGeom>
+          <a:noFill/>
+          <a:ln>
+            <a:solidFill>
+              <a:schemeClr val="tx1"/>
+            </a:solidFill>
+          </a:ln>
+        </p:spPr>
+        <p:style>
+          <a:lnRef idx="2">
+            <a:schemeClr val="accent1">
+              <a:shade val="15000"/>
+            </a:schemeClr>
+          </a:lnRef>
+          <a:fillRef idx="1">
+            <a:schemeClr val="accent1"/>
+          </a:fillRef>
+          <a:effectRef idx="0">
+            <a:schemeClr val="accent1"/>
+          </a:effectRef>
+          <a:fontRef idx="minor">
+            <a:schemeClr val="lt1"/>
+          </a:fontRef>
+        </p:style>
+        <p:txBody>
+          <a:bodyPr rtlCol="0" anchor="ctr"/>
+          <a:lstStyle/>
+          <a:p>
+            <a:pPr algn="ctr"/>
+            <a:r>
+              <a:rPr lang="en-US" altLang="zh-CN" dirty="0">
+                <a:solidFill>
+                  <a:schemeClr val="tx1"/>
+                </a:solidFill>
+              </a:rPr>
+              <a:t>FUTR3DAttention</a:t>
+            </a:r>
+            <a:endParaRPr lang="zh-CN" altLang="en-US" dirty="0">
+              <a:solidFill>
+                <a:schemeClr val="tx1"/>
+              </a:solidFill>
+            </a:endParaRPr>
+          </a:p>
+        </p:txBody>
+      </p:sp>
+      <p:cxnSp>
+        <p:nvCxnSpPr>
+          <p:cNvPr id="37" name="连接符: 肘形 36">
+            <a:extLst>
+              <a:ext uri="{FF2B5EF4-FFF2-40B4-BE49-F238E27FC236}">
+                <a16:creationId xmlns:a16="http://schemas.microsoft.com/office/drawing/2014/main" id="{EDC8521F-E68B-BB95-1EE3-3B0C101A8B6E}"/>
+              </a:ext>
+            </a:extLst>
+          </p:cNvPr>
+          <p:cNvCxnSpPr>
+            <a:cxnSpLocks/>
+            <a:stCxn id="18" idx="2"/>
+            <a:endCxn id="31" idx="0"/>
+          </p:cNvCxnSpPr>
+          <p:nvPr/>
+        </p:nvCxnSpPr>
+        <p:spPr>
+          <a:xfrm rot="5400000">
+            <a:off x="5112398" y="4662028"/>
+            <a:ext cx="342024" cy="1523999"/>
+          </a:xfrm>
+          <a:prstGeom prst="bentConnector3">
+            <a:avLst>
+              <a:gd name="adj1" fmla="val 50000"/>
+            </a:avLst>
+          </a:prstGeom>
+          <a:ln>
+            <a:tailEnd type="triangle"/>
+          </a:ln>
+        </p:spPr>
+        <p:style>
+          <a:lnRef idx="1">
+            <a:schemeClr val="dk1"/>
+          </a:lnRef>
+          <a:fillRef idx="0">
+            <a:schemeClr val="dk1"/>
+          </a:fillRef>
+          <a:effectRef idx="0">
+            <a:schemeClr val="dk1"/>
+          </a:effectRef>
+          <a:fontRef idx="minor">
+            <a:schemeClr val="tx1"/>
+          </a:fontRef>
+        </p:style>
+      </p:cxnSp>
+      <p:cxnSp>
+        <p:nvCxnSpPr>
+          <p:cNvPr id="41" name="连接符: 肘形 40">
+            <a:extLst>
+              <a:ext uri="{FF2B5EF4-FFF2-40B4-BE49-F238E27FC236}">
+                <a16:creationId xmlns:a16="http://schemas.microsoft.com/office/drawing/2014/main" id="{7709F8E7-5430-6D3D-B9F2-BB9CFF92F327}"/>
+              </a:ext>
+            </a:extLst>
+          </p:cNvPr>
+          <p:cNvCxnSpPr>
+            <a:cxnSpLocks/>
+            <a:stCxn id="18" idx="2"/>
+            <a:endCxn id="35" idx="0"/>
+          </p:cNvCxnSpPr>
+          <p:nvPr/>
+        </p:nvCxnSpPr>
+        <p:spPr>
+          <a:xfrm rot="16200000" flipH="1">
+            <a:off x="6686988" y="4611435"/>
+            <a:ext cx="342024" cy="1625183"/>
+          </a:xfrm>
+          <a:prstGeom prst="bentConnector3">
+            <a:avLst>
+              <a:gd name="adj1" fmla="val 50000"/>
+            </a:avLst>
+          </a:prstGeom>
+          <a:ln>
+            <a:tailEnd type="triangle"/>
+          </a:ln>
+        </p:spPr>
+        <p:style>
+          <a:lnRef idx="1">
+            <a:schemeClr val="dk1"/>
+          </a:lnRef>
+          <a:fillRef idx="0">
+            <a:schemeClr val="dk1"/>
+          </a:fillRef>
+          <a:effectRef idx="0">
+            <a:schemeClr val="dk1"/>
+          </a:effectRef>
+          <a:fontRef idx="minor">
+            <a:schemeClr val="tx1"/>
+          </a:fontRef>
+        </p:style>
+      </p:cxnSp>
+    </p:spTree>
+    <p:extLst>
+      <p:ext uri="{BB962C8B-B14F-4D97-AF65-F5344CB8AC3E}">
+        <p14:creationId xmlns:p14="http://schemas.microsoft.com/office/powerpoint/2010/main" val="1553384660"/>
+      </p:ext>
+    </p:extLst>
+  </p:cSld>
+  <p:clrMapOvr>
+    <a:masterClrMapping/>
+  </p:clrMapOvr>
+</p:sld>
+</file>
+
 <file path=ppt/slides/slide29.xml><?xml version="1.0" encoding="utf-8"?>
 <p:sld xmlns:a="http://schemas.openxmlformats.org/drawingml/2006/main" xmlns:r="http://schemas.openxmlformats.org/officeDocument/2006/relationships" xmlns:p="http://schemas.openxmlformats.org/presentationml/2006/main">
   <p:cSld>
@@ -30191,10 +30090,10 @@
       </p:grpSpPr>
       <p:sp>
         <p:nvSpPr>
-          <p:cNvPr id="4" name="文本框 3">
-            <a:extLst>
-              <a:ext uri="{FF2B5EF4-FFF2-40B4-BE49-F238E27FC236}">
-                <a16:creationId xmlns:a16="http://schemas.microsoft.com/office/drawing/2014/main" id="{3F8E0787-9F63-109A-C5AF-A66197ED2BBB}"/>
+          <p:cNvPr id="2" name="文本框 1">
+            <a:extLst>
+              <a:ext uri="{FF2B5EF4-FFF2-40B4-BE49-F238E27FC236}">
+                <a16:creationId xmlns:a16="http://schemas.microsoft.com/office/drawing/2014/main" id="{C03F0A20-A886-3FF0-4029-F6F93895583B}"/>
               </a:ext>
             </a:extLst>
           </p:cNvPr>
@@ -30204,7 +30103,7 @@
         <p:spPr>
           <a:xfrm>
             <a:off x="4838565" y="-7060"/>
-            <a:ext cx="2183611" cy="461665"/>
+            <a:ext cx="1723549" cy="461665"/>
           </a:xfrm>
           <a:prstGeom prst="rect">
             <a:avLst/>
@@ -30218,22 +30117,18 @@
           <a:lstStyle/>
           <a:p>
             <a:r>
-              <a:rPr lang="en-US" altLang="zh-CN" sz="2400" dirty="0"/>
-              <a:t>Futr3Head</a:t>
-            </a:r>
-            <a:r>
               <a:rPr lang="zh-CN" altLang="en-US" sz="2400" dirty="0"/>
-              <a:t>分析</a:t>
-            </a:r>
-          </a:p>
-        </p:txBody>
-      </p:sp>
-      <p:sp>
-        <p:nvSpPr>
-          <p:cNvPr id="7" name="矩形 6">
-            <a:extLst>
-              <a:ext uri="{FF2B5EF4-FFF2-40B4-BE49-F238E27FC236}">
-                <a16:creationId xmlns:a16="http://schemas.microsoft.com/office/drawing/2014/main" id="{A9B3172A-7087-194C-798B-F30CAA399996}"/>
+              <a:t>多进程训练</a:t>
+            </a:r>
+          </a:p>
+        </p:txBody>
+      </p:sp>
+      <p:sp>
+        <p:nvSpPr>
+          <p:cNvPr id="3" name="矩形 2">
+            <a:extLst>
+              <a:ext uri="{FF2B5EF4-FFF2-40B4-BE49-F238E27FC236}">
+                <a16:creationId xmlns:a16="http://schemas.microsoft.com/office/drawing/2014/main" id="{89AD6245-339C-E72C-BD27-72502972157C}"/>
               </a:ext>
             </a:extLst>
           </p:cNvPr>
@@ -30242,7 +30137,7 @@
         </p:nvSpPr>
         <p:spPr>
           <a:xfrm>
-            <a:off x="4340191" y="1965029"/>
+            <a:off x="3733029" y="705474"/>
             <a:ext cx="3410438" cy="584200"/>
           </a:xfrm>
           <a:prstGeom prst="rect">
@@ -30277,27 +30172,54 @@
           <a:p>
             <a:pPr algn="ctr"/>
             <a:r>
+              <a:rPr lang="en-US" altLang="zh-CN" dirty="0" err="1">
+                <a:solidFill>
+                  <a:schemeClr val="tx1"/>
+                </a:solidFill>
+              </a:rPr>
+              <a:t>torchrun</a:t>
+            </a:r>
+            <a:r>
               <a:rPr lang="en-US" altLang="zh-CN" dirty="0">
                 <a:solidFill>
                   <a:schemeClr val="tx1"/>
                 </a:solidFill>
               </a:rPr>
-              <a:t>Futr3DHead</a:t>
-            </a:r>
-            <a:endParaRPr lang="zh-CN" altLang="en-US" dirty="0">
-              <a:solidFill>
-                <a:schemeClr val="tx1"/>
-              </a:solidFill>
-            </a:endParaRPr>
-          </a:p>
-        </p:txBody>
-      </p:sp>
-      <p:sp>
-        <p:nvSpPr>
-          <p:cNvPr id="9" name="矩形 8">
-            <a:extLst>
-              <a:ext uri="{FF2B5EF4-FFF2-40B4-BE49-F238E27FC236}">
-                <a16:creationId xmlns:a16="http://schemas.microsoft.com/office/drawing/2014/main" id="{068C3AD1-823F-DC81-A559-DF203BB6FA1A}"/>
+              <a:t> --</a:t>
+            </a:r>
+            <a:r>
+              <a:rPr lang="en-US" altLang="zh-CN" dirty="0" err="1">
+                <a:solidFill>
+                  <a:schemeClr val="tx1"/>
+                </a:solidFill>
+              </a:rPr>
+              <a:t>nproc_per_node</a:t>
+            </a:r>
+            <a:r>
+              <a:rPr lang="en-US" altLang="zh-CN" dirty="0">
+                <a:solidFill>
+                  <a:schemeClr val="tx1"/>
+                </a:solidFill>
+              </a:rPr>
+              <a:t>=2 main.py</a:t>
+            </a:r>
+            <a:r>
+              <a:rPr lang="zh-CN" altLang="en-US" dirty="0">
+                <a:solidFill>
+                  <a:schemeClr val="tx1"/>
+                </a:solidFill>
+              </a:rPr>
+              <a:t>启动多进程</a:t>
+            </a:r>
+          </a:p>
+        </p:txBody>
+      </p:sp>
+      <p:sp>
+        <p:nvSpPr>
+          <p:cNvPr id="5" name="矩形 4">
+            <a:extLst>
+              <a:ext uri="{FF2B5EF4-FFF2-40B4-BE49-F238E27FC236}">
+                <a16:creationId xmlns:a16="http://schemas.microsoft.com/office/drawing/2014/main" id="{0D252FE5-AEE4-5555-537D-2E196E67EC13}"/>
               </a:ext>
             </a:extLst>
           </p:cNvPr>
@@ -30306,8 +30228,8 @@
         </p:nvSpPr>
         <p:spPr>
           <a:xfrm>
-            <a:off x="4340191" y="2866291"/>
-            <a:ext cx="3410438" cy="584200"/>
+            <a:off x="2071260" y="1656572"/>
+            <a:ext cx="2983542" cy="584200"/>
           </a:xfrm>
           <a:prstGeom prst="rect">
             <a:avLst/>
@@ -30341,214 +30263,54 @@
           <a:p>
             <a:pPr algn="ctr"/>
             <a:r>
-              <a:rPr lang="en-US" altLang="zh-CN" dirty="0">
+              <a:rPr lang="en-US" altLang="zh-CN" dirty="0" err="1">
                 <a:solidFill>
                   <a:schemeClr val="tx1"/>
                 </a:solidFill>
               </a:rPr>
-              <a:t>Futr3DTransformer</a:t>
-            </a:r>
-            <a:endParaRPr lang="zh-CN" altLang="en-US" dirty="0">
+              <a:t>dist.init_process_group</a:t>
+            </a:r>
+            <a:endParaRPr lang="en-US" altLang="zh-CN" dirty="0">
               <a:solidFill>
                 <a:schemeClr val="tx1"/>
               </a:solidFill>
             </a:endParaRPr>
           </a:p>
+          <a:p>
+            <a:pPr algn="ctr"/>
+            <a:r>
+              <a:rPr lang="zh-CN" altLang="en-US" dirty="0">
+                <a:solidFill>
+                  <a:schemeClr val="tx1"/>
+                </a:solidFill>
+              </a:rPr>
+              <a:t>进程初始化</a:t>
+            </a:r>
+          </a:p>
         </p:txBody>
       </p:sp>
       <p:cxnSp>
         <p:nvCxnSpPr>
-          <p:cNvPr id="13" name="直接箭头连接符 12">
-            <a:extLst>
-              <a:ext uri="{FF2B5EF4-FFF2-40B4-BE49-F238E27FC236}">
-                <a16:creationId xmlns:a16="http://schemas.microsoft.com/office/drawing/2014/main" id="{E1933120-7A1E-B071-FE1A-285A6192C35C}"/>
+          <p:cNvPr id="8" name="连接符: 肘形 7">
+            <a:extLst>
+              <a:ext uri="{FF2B5EF4-FFF2-40B4-BE49-F238E27FC236}">
+                <a16:creationId xmlns:a16="http://schemas.microsoft.com/office/drawing/2014/main" id="{0CF9EB0F-FF8B-10E0-5BA3-8522DF4933A0}"/>
               </a:ext>
             </a:extLst>
           </p:cNvPr>
           <p:cNvCxnSpPr>
             <a:cxnSpLocks/>
-            <a:stCxn id="7" idx="2"/>
-            <a:endCxn id="9" idx="0"/>
+            <a:stCxn id="3" idx="2"/>
+            <a:endCxn id="5" idx="0"/>
           </p:cNvCxnSpPr>
           <p:nvPr/>
         </p:nvCxnSpPr>
         <p:spPr>
-          <a:xfrm>
-            <a:off x="6045410" y="2549229"/>
-            <a:ext cx="0" cy="317062"/>
-          </a:xfrm>
-          <a:prstGeom prst="straightConnector1">
-            <a:avLst/>
-          </a:prstGeom>
-          <a:ln>
-            <a:tailEnd type="triangle"/>
-          </a:ln>
-        </p:spPr>
-        <p:style>
-          <a:lnRef idx="1">
-            <a:schemeClr val="dk1"/>
-          </a:lnRef>
-          <a:fillRef idx="0">
-            <a:schemeClr val="dk1"/>
-          </a:fillRef>
-          <a:effectRef idx="0">
-            <a:schemeClr val="dk1"/>
-          </a:effectRef>
-          <a:fontRef idx="minor">
-            <a:schemeClr val="tx1"/>
-          </a:fontRef>
-        </p:style>
-      </p:cxnSp>
-      <p:sp>
-        <p:nvSpPr>
-          <p:cNvPr id="17" name="矩形 16">
-            <a:extLst>
-              <a:ext uri="{FF2B5EF4-FFF2-40B4-BE49-F238E27FC236}">
-                <a16:creationId xmlns:a16="http://schemas.microsoft.com/office/drawing/2014/main" id="{AE817971-30E3-53CE-A825-5544EB8C2321}"/>
-              </a:ext>
-            </a:extLst>
-          </p:cNvPr>
-          <p:cNvSpPr/>
-          <p:nvPr/>
-        </p:nvSpPr>
-        <p:spPr>
-          <a:xfrm>
-            <a:off x="4340191" y="3767553"/>
-            <a:ext cx="3410438" cy="584200"/>
-          </a:xfrm>
-          <a:prstGeom prst="rect">
-            <a:avLst/>
-          </a:prstGeom>
-          <a:noFill/>
-          <a:ln>
-            <a:solidFill>
-              <a:schemeClr val="tx1"/>
-            </a:solidFill>
-          </a:ln>
-        </p:spPr>
-        <p:style>
-          <a:lnRef idx="2">
-            <a:schemeClr val="accent1">
-              <a:shade val="15000"/>
-            </a:schemeClr>
-          </a:lnRef>
-          <a:fillRef idx="1">
-            <a:schemeClr val="accent1"/>
-          </a:fillRef>
-          <a:effectRef idx="0">
-            <a:schemeClr val="accent1"/>
-          </a:effectRef>
-          <a:fontRef idx="minor">
-            <a:schemeClr val="lt1"/>
-          </a:fontRef>
-        </p:style>
-        <p:txBody>
-          <a:bodyPr rtlCol="0" anchor="ctr"/>
-          <a:lstStyle/>
-          <a:p>
-            <a:pPr algn="ctr"/>
-            <a:r>
-              <a:rPr lang="en-US" altLang="zh-CN" dirty="0">
-                <a:solidFill>
-                  <a:schemeClr val="tx1"/>
-                </a:solidFill>
-              </a:rPr>
-              <a:t>Futr3DTransformerDecoder</a:t>
-            </a:r>
-            <a:endParaRPr lang="zh-CN" altLang="en-US" dirty="0">
-              <a:solidFill>
-                <a:schemeClr val="tx1"/>
-              </a:solidFill>
-            </a:endParaRPr>
-          </a:p>
-        </p:txBody>
-      </p:sp>
-      <p:sp>
-        <p:nvSpPr>
-          <p:cNvPr id="18" name="矩形 17">
-            <a:extLst>
-              <a:ext uri="{FF2B5EF4-FFF2-40B4-BE49-F238E27FC236}">
-                <a16:creationId xmlns:a16="http://schemas.microsoft.com/office/drawing/2014/main" id="{3D834D5C-9354-19C9-DF9A-A4A240389AD7}"/>
-              </a:ext>
-            </a:extLst>
-          </p:cNvPr>
-          <p:cNvSpPr/>
-          <p:nvPr/>
-        </p:nvSpPr>
-        <p:spPr>
-          <a:xfrm>
-            <a:off x="4340190" y="4668815"/>
-            <a:ext cx="3410437" cy="584200"/>
-          </a:xfrm>
-          <a:prstGeom prst="rect">
-            <a:avLst/>
-          </a:prstGeom>
-          <a:noFill/>
-          <a:ln>
-            <a:solidFill>
-              <a:schemeClr val="tx1"/>
-            </a:solidFill>
-          </a:ln>
-        </p:spPr>
-        <p:style>
-          <a:lnRef idx="2">
-            <a:schemeClr val="accent1">
-              <a:shade val="15000"/>
-            </a:schemeClr>
-          </a:lnRef>
-          <a:fillRef idx="1">
-            <a:schemeClr val="accent1"/>
-          </a:fillRef>
-          <a:effectRef idx="0">
-            <a:schemeClr val="accent1"/>
-          </a:effectRef>
-          <a:fontRef idx="minor">
-            <a:schemeClr val="lt1"/>
-          </a:fontRef>
-        </p:style>
-        <p:txBody>
-          <a:bodyPr rtlCol="0" anchor="ctr"/>
-          <a:lstStyle/>
-          <a:p>
-            <a:pPr algn="ctr"/>
-            <a:r>
-              <a:rPr lang="en-US" altLang="zh-CN" dirty="0" err="1">
-                <a:solidFill>
-                  <a:schemeClr val="tx1"/>
-                </a:solidFill>
-              </a:rPr>
-              <a:t>DetrTransformerDecoderLayer</a:t>
-            </a:r>
-            <a:endParaRPr lang="zh-CN" altLang="en-US" dirty="0">
-              <a:solidFill>
-                <a:schemeClr val="tx1"/>
-              </a:solidFill>
-            </a:endParaRPr>
-          </a:p>
-        </p:txBody>
-      </p:sp>
-      <p:cxnSp>
-        <p:nvCxnSpPr>
-          <p:cNvPr id="24" name="直接箭头连接符 23">
-            <a:extLst>
-              <a:ext uri="{FF2B5EF4-FFF2-40B4-BE49-F238E27FC236}">
-                <a16:creationId xmlns:a16="http://schemas.microsoft.com/office/drawing/2014/main" id="{698DA4D5-1D86-8F65-DE27-0F52793EAF79}"/>
-              </a:ext>
-            </a:extLst>
-          </p:cNvPr>
-          <p:cNvCxnSpPr>
-            <a:cxnSpLocks/>
-            <a:stCxn id="9" idx="2"/>
-            <a:endCxn id="17" idx="0"/>
-          </p:cNvCxnSpPr>
-          <p:nvPr/>
-        </p:nvCxnSpPr>
-        <p:spPr>
-          <a:xfrm>
-            <a:off x="6045410" y="3450491"/>
-            <a:ext cx="0" cy="317062"/>
-          </a:xfrm>
-          <a:prstGeom prst="straightConnector1">
+          <a:xfrm rot="5400000">
+            <a:off x="4317191" y="535515"/>
+            <a:ext cx="366898" cy="1875217"/>
+          </a:xfrm>
+          <a:prstGeom prst="bentConnector3">
             <a:avLst/>
           </a:prstGeom>
           <a:ln>
@@ -30572,27 +30334,29 @@
       </p:cxnSp>
       <p:cxnSp>
         <p:nvCxnSpPr>
-          <p:cNvPr id="27" name="直接箭头连接符 26">
-            <a:extLst>
-              <a:ext uri="{FF2B5EF4-FFF2-40B4-BE49-F238E27FC236}">
-                <a16:creationId xmlns:a16="http://schemas.microsoft.com/office/drawing/2014/main" id="{817DF52F-638F-0580-A1BA-301ACAF79AFD}"/>
+          <p:cNvPr id="9" name="连接符: 肘形 8">
+            <a:extLst>
+              <a:ext uri="{FF2B5EF4-FFF2-40B4-BE49-F238E27FC236}">
+                <a16:creationId xmlns:a16="http://schemas.microsoft.com/office/drawing/2014/main" id="{D0E99190-8701-AA1A-1FF5-9FB8867BFD0C}"/>
               </a:ext>
             </a:extLst>
           </p:cNvPr>
           <p:cNvCxnSpPr>
             <a:cxnSpLocks/>
-            <a:stCxn id="17" idx="2"/>
-            <a:endCxn id="18" idx="0"/>
+            <a:stCxn id="3" idx="2"/>
+            <a:endCxn id="39" idx="0"/>
           </p:cNvCxnSpPr>
           <p:nvPr/>
         </p:nvCxnSpPr>
         <p:spPr>
-          <a:xfrm flipH="1">
-            <a:off x="6045409" y="4351753"/>
-            <a:ext cx="1" cy="317062"/>
-          </a:xfrm>
-          <a:prstGeom prst="straightConnector1">
-            <a:avLst/>
+          <a:xfrm rot="16200000" flipH="1">
+            <a:off x="6233163" y="494759"/>
+            <a:ext cx="366898" cy="1956728"/>
+          </a:xfrm>
+          <a:prstGeom prst="bentConnector3">
+            <a:avLst>
+              <a:gd name="adj1" fmla="val 50000"/>
+            </a:avLst>
           </a:prstGeom>
           <a:ln>
             <a:tailEnd type="triangle"/>
@@ -30615,10 +30379,10 @@
       </p:cxnSp>
       <p:sp>
         <p:nvSpPr>
-          <p:cNvPr id="31" name="矩形 30">
-            <a:extLst>
-              <a:ext uri="{FF2B5EF4-FFF2-40B4-BE49-F238E27FC236}">
-                <a16:creationId xmlns:a16="http://schemas.microsoft.com/office/drawing/2014/main" id="{093A4789-3D8B-38BB-EA3B-4FBEED685C04}"/>
+          <p:cNvPr id="13" name="矩形 12">
+            <a:extLst>
+              <a:ext uri="{FF2B5EF4-FFF2-40B4-BE49-F238E27FC236}">
+                <a16:creationId xmlns:a16="http://schemas.microsoft.com/office/drawing/2014/main" id="{AA2F8C7A-D023-B0CE-17DA-39A835B7A7CB}"/>
               </a:ext>
             </a:extLst>
           </p:cNvPr>
@@ -30627,8 +30391,8 @@
         </p:nvSpPr>
         <p:spPr>
           <a:xfrm>
-            <a:off x="3295162" y="5595039"/>
-            <a:ext cx="2452496" cy="584200"/>
+            <a:off x="2071261" y="2481298"/>
+            <a:ext cx="2983542" cy="584200"/>
           </a:xfrm>
           <a:prstGeom prst="rect">
             <a:avLst/>
@@ -30662,27 +30426,57 @@
           <a:p>
             <a:pPr algn="ctr"/>
             <a:r>
-              <a:rPr lang="en-US" altLang="zh-CN" dirty="0" err="1">
+              <a:rPr lang="fr-FR" altLang="zh-CN" dirty="0" err="1">
                 <a:solidFill>
                   <a:schemeClr val="tx1"/>
                 </a:solidFill>
               </a:rPr>
-              <a:t>MultiheadAttention</a:t>
-            </a:r>
-            <a:endParaRPr lang="zh-CN" altLang="en-US" dirty="0">
-              <a:solidFill>
-                <a:schemeClr val="tx1"/>
-              </a:solidFill>
-            </a:endParaRPr>
-          </a:p>
-        </p:txBody>
-      </p:sp>
-      <p:sp>
-        <p:nvSpPr>
-          <p:cNvPr id="35" name="矩形 34">
-            <a:extLst>
-              <a:ext uri="{FF2B5EF4-FFF2-40B4-BE49-F238E27FC236}">
-                <a16:creationId xmlns:a16="http://schemas.microsoft.com/office/drawing/2014/main" id="{A76DE777-972F-7F50-9857-80D2FE34FCE3}"/>
+              <a:t>torch.cuda.set_device</a:t>
+            </a:r>
+            <a:r>
+              <a:rPr lang="fr-FR" altLang="zh-CN" dirty="0">
+                <a:solidFill>
+                  <a:schemeClr val="tx1"/>
+                </a:solidFill>
+              </a:rPr>
+              <a:t>(</a:t>
+            </a:r>
+            <a:r>
+              <a:rPr lang="fr-FR" altLang="zh-CN" dirty="0" err="1">
+                <a:solidFill>
+                  <a:schemeClr val="tx1"/>
+                </a:solidFill>
+              </a:rPr>
+              <a:t>rank</a:t>
+            </a:r>
+            <a:r>
+              <a:rPr lang="fr-FR" altLang="zh-CN" dirty="0">
+                <a:solidFill>
+                  <a:schemeClr val="tx1"/>
+                </a:solidFill>
+              </a:rPr>
+              <a:t>)</a:t>
+            </a:r>
+          </a:p>
+          <a:p>
+            <a:pPr algn="ctr"/>
+            <a:r>
+              <a:rPr lang="zh-CN" altLang="en-US" dirty="0">
+                <a:solidFill>
+                  <a:schemeClr val="tx1"/>
+                </a:solidFill>
+              </a:rPr>
+              <a:t>设置跑在哪个显卡上</a:t>
+            </a:r>
+          </a:p>
+        </p:txBody>
+      </p:sp>
+      <p:sp>
+        <p:nvSpPr>
+          <p:cNvPr id="14" name="矩形 13">
+            <a:extLst>
+              <a:ext uri="{FF2B5EF4-FFF2-40B4-BE49-F238E27FC236}">
+                <a16:creationId xmlns:a16="http://schemas.microsoft.com/office/drawing/2014/main" id="{F20FA3DC-B93A-615E-0F64-521AD4F3106E}"/>
               </a:ext>
             </a:extLst>
           </p:cNvPr>
@@ -30691,8 +30485,8 @@
         </p:nvSpPr>
         <p:spPr>
           <a:xfrm>
-            <a:off x="6444344" y="5595039"/>
-            <a:ext cx="2452496" cy="584200"/>
+            <a:off x="2071259" y="6037512"/>
+            <a:ext cx="2983543" cy="584200"/>
           </a:xfrm>
           <a:prstGeom prst="rect">
             <a:avLst/>
@@ -30731,7 +30525,15 @@
                   <a:schemeClr val="tx1"/>
                 </a:solidFill>
               </a:rPr>
-              <a:t>FUTR3DAttention</a:t>
+              <a:t>dist. </a:t>
+            </a:r>
+            <a:r>
+              <a:rPr lang="en-US" altLang="zh-CN" dirty="0" err="1">
+                <a:solidFill>
+                  <a:schemeClr val="tx1"/>
+                </a:solidFill>
+              </a:rPr>
+              <a:t>destroy_process_group</a:t>
             </a:r>
             <a:endParaRPr lang="zh-CN" altLang="en-US" dirty="0">
               <a:solidFill>
@@ -30741,31 +30543,195 @@
           </a:p>
         </p:txBody>
       </p:sp>
+      <p:sp>
+        <p:nvSpPr>
+          <p:cNvPr id="15" name="矩形 14">
+            <a:extLst>
+              <a:ext uri="{FF2B5EF4-FFF2-40B4-BE49-F238E27FC236}">
+                <a16:creationId xmlns:a16="http://schemas.microsoft.com/office/drawing/2014/main" id="{2E126426-EC38-4CEB-A4FB-3AD397F26416}"/>
+              </a:ext>
+            </a:extLst>
+          </p:cNvPr>
+          <p:cNvSpPr/>
+          <p:nvPr/>
+        </p:nvSpPr>
+        <p:spPr>
+          <a:xfrm>
+            <a:off x="5903205" y="2484772"/>
+            <a:ext cx="2983542" cy="584200"/>
+          </a:xfrm>
+          <a:prstGeom prst="rect">
+            <a:avLst/>
+          </a:prstGeom>
+          <a:noFill/>
+          <a:ln>
+            <a:solidFill>
+              <a:schemeClr val="tx1"/>
+            </a:solidFill>
+          </a:ln>
+        </p:spPr>
+        <p:style>
+          <a:lnRef idx="2">
+            <a:schemeClr val="accent1">
+              <a:shade val="15000"/>
+            </a:schemeClr>
+          </a:lnRef>
+          <a:fillRef idx="1">
+            <a:schemeClr val="accent1"/>
+          </a:fillRef>
+          <a:effectRef idx="0">
+            <a:schemeClr val="accent1"/>
+          </a:effectRef>
+          <a:fontRef idx="minor">
+            <a:schemeClr val="lt1"/>
+          </a:fontRef>
+        </p:style>
+        <p:txBody>
+          <a:bodyPr rtlCol="0" anchor="ctr"/>
+          <a:lstStyle/>
+          <a:p>
+            <a:pPr algn="ctr"/>
+            <a:r>
+              <a:rPr lang="fr-FR" altLang="zh-CN" dirty="0" err="1">
+                <a:solidFill>
+                  <a:schemeClr val="tx1"/>
+                </a:solidFill>
+              </a:rPr>
+              <a:t>torch.cuda.set_device</a:t>
+            </a:r>
+            <a:r>
+              <a:rPr lang="fr-FR" altLang="zh-CN" dirty="0">
+                <a:solidFill>
+                  <a:schemeClr val="tx1"/>
+                </a:solidFill>
+              </a:rPr>
+              <a:t>(</a:t>
+            </a:r>
+            <a:r>
+              <a:rPr lang="fr-FR" altLang="zh-CN" dirty="0" err="1">
+                <a:solidFill>
+                  <a:schemeClr val="tx1"/>
+                </a:solidFill>
+              </a:rPr>
+              <a:t>rank</a:t>
+            </a:r>
+            <a:r>
+              <a:rPr lang="fr-FR" altLang="zh-CN" dirty="0">
+                <a:solidFill>
+                  <a:schemeClr val="tx1"/>
+                </a:solidFill>
+              </a:rPr>
+              <a:t>)</a:t>
+            </a:r>
+          </a:p>
+          <a:p>
+            <a:pPr algn="ctr"/>
+            <a:r>
+              <a:rPr lang="zh-CN" altLang="en-US" dirty="0">
+                <a:solidFill>
+                  <a:schemeClr val="tx1"/>
+                </a:solidFill>
+              </a:rPr>
+              <a:t>设置跑在哪个显卡上</a:t>
+            </a:r>
+          </a:p>
+        </p:txBody>
+      </p:sp>
+      <p:sp>
+        <p:nvSpPr>
+          <p:cNvPr id="16" name="矩形 15">
+            <a:extLst>
+              <a:ext uri="{FF2B5EF4-FFF2-40B4-BE49-F238E27FC236}">
+                <a16:creationId xmlns:a16="http://schemas.microsoft.com/office/drawing/2014/main" id="{C5B77419-2C1A-06F4-6E98-59D78F7D500E}"/>
+              </a:ext>
+            </a:extLst>
+          </p:cNvPr>
+          <p:cNvSpPr/>
+          <p:nvPr/>
+        </p:nvSpPr>
+        <p:spPr>
+          <a:xfrm>
+            <a:off x="5903205" y="6037512"/>
+            <a:ext cx="2983542" cy="584200"/>
+          </a:xfrm>
+          <a:prstGeom prst="rect">
+            <a:avLst/>
+          </a:prstGeom>
+          <a:noFill/>
+          <a:ln>
+            <a:solidFill>
+              <a:schemeClr val="tx1"/>
+            </a:solidFill>
+          </a:ln>
+        </p:spPr>
+        <p:style>
+          <a:lnRef idx="2">
+            <a:schemeClr val="accent1">
+              <a:shade val="15000"/>
+            </a:schemeClr>
+          </a:lnRef>
+          <a:fillRef idx="1">
+            <a:schemeClr val="accent1"/>
+          </a:fillRef>
+          <a:effectRef idx="0">
+            <a:schemeClr val="accent1"/>
+          </a:effectRef>
+          <a:fontRef idx="minor">
+            <a:schemeClr val="lt1"/>
+          </a:fontRef>
+        </p:style>
+        <p:txBody>
+          <a:bodyPr rtlCol="0" anchor="ctr"/>
+          <a:lstStyle/>
+          <a:p>
+            <a:pPr algn="ctr"/>
+            <a:r>
+              <a:rPr lang="en-US" altLang="zh-CN" dirty="0">
+                <a:solidFill>
+                  <a:schemeClr val="tx1"/>
+                </a:solidFill>
+              </a:rPr>
+              <a:t>dist. </a:t>
+            </a:r>
+            <a:r>
+              <a:rPr lang="en-US" altLang="zh-CN" dirty="0" err="1">
+                <a:solidFill>
+                  <a:schemeClr val="tx1"/>
+                </a:solidFill>
+              </a:rPr>
+              <a:t>destroy_process_group</a:t>
+            </a:r>
+            <a:endParaRPr lang="zh-CN" altLang="en-US" dirty="0">
+              <a:solidFill>
+                <a:schemeClr val="tx1"/>
+              </a:solidFill>
+            </a:endParaRPr>
+          </a:p>
+        </p:txBody>
+      </p:sp>
       <p:cxnSp>
         <p:nvCxnSpPr>
-          <p:cNvPr id="37" name="连接符: 肘形 36">
-            <a:extLst>
-              <a:ext uri="{FF2B5EF4-FFF2-40B4-BE49-F238E27FC236}">
-                <a16:creationId xmlns:a16="http://schemas.microsoft.com/office/drawing/2014/main" id="{EDC8521F-E68B-BB95-1EE3-3B0C101A8B6E}"/>
+          <p:cNvPr id="18" name="直接箭头连接符 17">
+            <a:extLst>
+              <a:ext uri="{FF2B5EF4-FFF2-40B4-BE49-F238E27FC236}">
+                <a16:creationId xmlns:a16="http://schemas.microsoft.com/office/drawing/2014/main" id="{3D27AD4B-04AE-FEF4-B805-08778F52AE5B}"/>
               </a:ext>
             </a:extLst>
           </p:cNvPr>
           <p:cNvCxnSpPr>
             <a:cxnSpLocks/>
-            <a:stCxn id="18" idx="2"/>
-            <a:endCxn id="31" idx="0"/>
+            <a:stCxn id="5" idx="2"/>
+            <a:endCxn id="13" idx="0"/>
           </p:cNvCxnSpPr>
           <p:nvPr/>
         </p:nvCxnSpPr>
         <p:spPr>
-          <a:xfrm rot="5400000">
-            <a:off x="5112398" y="4662028"/>
-            <a:ext cx="342024" cy="1523999"/>
-          </a:xfrm>
-          <a:prstGeom prst="bentConnector3">
-            <a:avLst>
-              <a:gd name="adj1" fmla="val 50000"/>
-            </a:avLst>
+          <a:xfrm>
+            <a:off x="3563031" y="2240772"/>
+            <a:ext cx="1" cy="240526"/>
+          </a:xfrm>
+          <a:prstGeom prst="straightConnector1">
+            <a:avLst/>
           </a:prstGeom>
           <a:ln>
             <a:tailEnd type="triangle"/>
@@ -30788,29 +30754,848 @@
       </p:cxnSp>
       <p:cxnSp>
         <p:nvCxnSpPr>
-          <p:cNvPr id="41" name="连接符: 肘形 40">
-            <a:extLst>
-              <a:ext uri="{FF2B5EF4-FFF2-40B4-BE49-F238E27FC236}">
-                <a16:creationId xmlns:a16="http://schemas.microsoft.com/office/drawing/2014/main" id="{7709F8E7-5430-6D3D-B9F2-BB9CFF92F327}"/>
+          <p:cNvPr id="19" name="直接箭头连接符 18">
+            <a:extLst>
+              <a:ext uri="{FF2B5EF4-FFF2-40B4-BE49-F238E27FC236}">
+                <a16:creationId xmlns:a16="http://schemas.microsoft.com/office/drawing/2014/main" id="{0E95C5CE-9A73-42D7-9AE4-F3D2A4B5DC0C}"/>
               </a:ext>
             </a:extLst>
           </p:cNvPr>
           <p:cNvCxnSpPr>
             <a:cxnSpLocks/>
-            <a:stCxn id="18" idx="2"/>
-            <a:endCxn id="35" idx="0"/>
+            <a:stCxn id="49" idx="2"/>
+            <a:endCxn id="109" idx="0"/>
           </p:cNvCxnSpPr>
           <p:nvPr/>
         </p:nvCxnSpPr>
         <p:spPr>
-          <a:xfrm rot="16200000" flipH="1">
-            <a:off x="6686988" y="4611435"/>
-            <a:ext cx="342024" cy="1625183"/>
-          </a:xfrm>
-          <a:prstGeom prst="bentConnector3">
-            <a:avLst>
-              <a:gd name="adj1" fmla="val 50000"/>
-            </a:avLst>
+          <a:xfrm flipH="1">
+            <a:off x="3563030" y="4821572"/>
+            <a:ext cx="1" cy="292442"/>
+          </a:xfrm>
+          <a:prstGeom prst="straightConnector1">
+            <a:avLst/>
+          </a:prstGeom>
+          <a:ln>
+            <a:tailEnd type="triangle"/>
+          </a:ln>
+        </p:spPr>
+        <p:style>
+          <a:lnRef idx="1">
+            <a:schemeClr val="dk1"/>
+          </a:lnRef>
+          <a:fillRef idx="0">
+            <a:schemeClr val="dk1"/>
+          </a:fillRef>
+          <a:effectRef idx="0">
+            <a:schemeClr val="dk1"/>
+          </a:effectRef>
+          <a:fontRef idx="minor">
+            <a:schemeClr val="tx1"/>
+          </a:fontRef>
+        </p:style>
+      </p:cxnSp>
+      <p:cxnSp>
+        <p:nvCxnSpPr>
+          <p:cNvPr id="22" name="直接箭头连接符 21">
+            <a:extLst>
+              <a:ext uri="{FF2B5EF4-FFF2-40B4-BE49-F238E27FC236}">
+                <a16:creationId xmlns:a16="http://schemas.microsoft.com/office/drawing/2014/main" id="{7E7FAC2D-3CB3-F6C8-0DF5-ED91BB273337}"/>
+              </a:ext>
+            </a:extLst>
+          </p:cNvPr>
+          <p:cNvCxnSpPr>
+            <a:cxnSpLocks/>
+            <a:stCxn id="53" idx="2"/>
+            <a:endCxn id="108" idx="0"/>
+          </p:cNvCxnSpPr>
+          <p:nvPr/>
+        </p:nvCxnSpPr>
+        <p:spPr>
+          <a:xfrm>
+            <a:off x="7394976" y="4821572"/>
+            <a:ext cx="0" cy="292100"/>
+          </a:xfrm>
+          <a:prstGeom prst="straightConnector1">
+            <a:avLst/>
+          </a:prstGeom>
+          <a:ln>
+            <a:tailEnd type="triangle"/>
+          </a:ln>
+        </p:spPr>
+        <p:style>
+          <a:lnRef idx="1">
+            <a:schemeClr val="dk1"/>
+          </a:lnRef>
+          <a:fillRef idx="0">
+            <a:schemeClr val="dk1"/>
+          </a:fillRef>
+          <a:effectRef idx="0">
+            <a:schemeClr val="dk1"/>
+          </a:effectRef>
+          <a:fontRef idx="minor">
+            <a:schemeClr val="tx1"/>
+          </a:fontRef>
+        </p:style>
+      </p:cxnSp>
+      <p:cxnSp>
+        <p:nvCxnSpPr>
+          <p:cNvPr id="25" name="直接箭头连接符 24">
+            <a:extLst>
+              <a:ext uri="{FF2B5EF4-FFF2-40B4-BE49-F238E27FC236}">
+                <a16:creationId xmlns:a16="http://schemas.microsoft.com/office/drawing/2014/main" id="{10B50600-1A61-B3D0-A597-93080A752AFF}"/>
+              </a:ext>
+            </a:extLst>
+          </p:cNvPr>
+          <p:cNvCxnSpPr>
+            <a:cxnSpLocks/>
+            <a:stCxn id="39" idx="2"/>
+            <a:endCxn id="15" idx="0"/>
+          </p:cNvCxnSpPr>
+          <p:nvPr/>
+        </p:nvCxnSpPr>
+        <p:spPr>
+          <a:xfrm>
+            <a:off x="7394976" y="2240772"/>
+            <a:ext cx="0" cy="244000"/>
+          </a:xfrm>
+          <a:prstGeom prst="straightConnector1">
+            <a:avLst/>
+          </a:prstGeom>
+          <a:ln>
+            <a:tailEnd type="triangle"/>
+          </a:ln>
+        </p:spPr>
+        <p:style>
+          <a:lnRef idx="1">
+            <a:schemeClr val="dk1"/>
+          </a:lnRef>
+          <a:fillRef idx="0">
+            <a:schemeClr val="dk1"/>
+          </a:fillRef>
+          <a:effectRef idx="0">
+            <a:schemeClr val="dk1"/>
+          </a:effectRef>
+          <a:fontRef idx="minor">
+            <a:schemeClr val="tx1"/>
+          </a:fontRef>
+        </p:style>
+      </p:cxnSp>
+      <p:sp>
+        <p:nvSpPr>
+          <p:cNvPr id="39" name="矩形 38">
+            <a:extLst>
+              <a:ext uri="{FF2B5EF4-FFF2-40B4-BE49-F238E27FC236}">
+                <a16:creationId xmlns:a16="http://schemas.microsoft.com/office/drawing/2014/main" id="{726DDE93-4177-5B78-948A-6901A41F4DE0}"/>
+              </a:ext>
+            </a:extLst>
+          </p:cNvPr>
+          <p:cNvSpPr/>
+          <p:nvPr/>
+        </p:nvSpPr>
+        <p:spPr>
+          <a:xfrm>
+            <a:off x="5903205" y="1656572"/>
+            <a:ext cx="2983542" cy="584200"/>
+          </a:xfrm>
+          <a:prstGeom prst="rect">
+            <a:avLst/>
+          </a:prstGeom>
+          <a:noFill/>
+          <a:ln>
+            <a:solidFill>
+              <a:schemeClr val="tx1"/>
+            </a:solidFill>
+          </a:ln>
+        </p:spPr>
+        <p:style>
+          <a:lnRef idx="2">
+            <a:schemeClr val="accent1">
+              <a:shade val="15000"/>
+            </a:schemeClr>
+          </a:lnRef>
+          <a:fillRef idx="1">
+            <a:schemeClr val="accent1"/>
+          </a:fillRef>
+          <a:effectRef idx="0">
+            <a:schemeClr val="accent1"/>
+          </a:effectRef>
+          <a:fontRef idx="minor">
+            <a:schemeClr val="lt1"/>
+          </a:fontRef>
+        </p:style>
+        <p:txBody>
+          <a:bodyPr rtlCol="0" anchor="ctr"/>
+          <a:lstStyle/>
+          <a:p>
+            <a:pPr algn="ctr"/>
+            <a:r>
+              <a:rPr lang="en-US" altLang="zh-CN" dirty="0" err="1">
+                <a:solidFill>
+                  <a:schemeClr val="tx1"/>
+                </a:solidFill>
+              </a:rPr>
+              <a:t>dist.init_process_group</a:t>
+            </a:r>
+            <a:endParaRPr lang="en-US" altLang="zh-CN" dirty="0">
+              <a:solidFill>
+                <a:schemeClr val="tx1"/>
+              </a:solidFill>
+            </a:endParaRPr>
+          </a:p>
+          <a:p>
+            <a:pPr algn="ctr"/>
+            <a:r>
+              <a:rPr lang="zh-CN" altLang="en-US" dirty="0">
+                <a:solidFill>
+                  <a:schemeClr val="tx1"/>
+                </a:solidFill>
+              </a:rPr>
+              <a:t>进程初始化</a:t>
+            </a:r>
+          </a:p>
+        </p:txBody>
+      </p:sp>
+      <p:sp>
+        <p:nvSpPr>
+          <p:cNvPr id="49" name="矩形 48">
+            <a:extLst>
+              <a:ext uri="{FF2B5EF4-FFF2-40B4-BE49-F238E27FC236}">
+                <a16:creationId xmlns:a16="http://schemas.microsoft.com/office/drawing/2014/main" id="{30DFBDD5-C4EA-842D-203B-2A42C29A6854}"/>
+              </a:ext>
+            </a:extLst>
+          </p:cNvPr>
+          <p:cNvSpPr/>
+          <p:nvPr/>
+        </p:nvSpPr>
+        <p:spPr>
+          <a:xfrm>
+            <a:off x="2071260" y="4237372"/>
+            <a:ext cx="2983542" cy="584200"/>
+          </a:xfrm>
+          <a:prstGeom prst="rect">
+            <a:avLst/>
+          </a:prstGeom>
+          <a:noFill/>
+          <a:ln>
+            <a:solidFill>
+              <a:schemeClr val="tx1"/>
+            </a:solidFill>
+          </a:ln>
+        </p:spPr>
+        <p:style>
+          <a:lnRef idx="2">
+            <a:schemeClr val="accent1">
+              <a:shade val="15000"/>
+            </a:schemeClr>
+          </a:lnRef>
+          <a:fillRef idx="1">
+            <a:schemeClr val="accent1"/>
+          </a:fillRef>
+          <a:effectRef idx="0">
+            <a:schemeClr val="accent1"/>
+          </a:effectRef>
+          <a:fontRef idx="minor">
+            <a:schemeClr val="lt1"/>
+          </a:fontRef>
+        </p:style>
+        <p:txBody>
+          <a:bodyPr rtlCol="0" anchor="ctr"/>
+          <a:lstStyle/>
+          <a:p>
+            <a:pPr algn="ctr"/>
+            <a:r>
+              <a:rPr lang="fr-FR" altLang="zh-CN" dirty="0" err="1">
+                <a:solidFill>
+                  <a:schemeClr val="tx1"/>
+                </a:solidFill>
+              </a:rPr>
+              <a:t>DistributedSampler</a:t>
+            </a:r>
+            <a:r>
+              <a:rPr lang="zh-CN" altLang="en-US" dirty="0">
+                <a:solidFill>
+                  <a:schemeClr val="tx1"/>
+                </a:solidFill>
+              </a:rPr>
+              <a:t>进行数据分配</a:t>
+            </a:r>
+          </a:p>
+        </p:txBody>
+      </p:sp>
+      <p:sp>
+        <p:nvSpPr>
+          <p:cNvPr id="53" name="矩形 52">
+            <a:extLst>
+              <a:ext uri="{FF2B5EF4-FFF2-40B4-BE49-F238E27FC236}">
+                <a16:creationId xmlns:a16="http://schemas.microsoft.com/office/drawing/2014/main" id="{FCC2D6BC-B536-F09D-C24A-1699BB3839C7}"/>
+              </a:ext>
+            </a:extLst>
+          </p:cNvPr>
+          <p:cNvSpPr/>
+          <p:nvPr/>
+        </p:nvSpPr>
+        <p:spPr>
+          <a:xfrm>
+            <a:off x="5903205" y="4237372"/>
+            <a:ext cx="2983542" cy="584200"/>
+          </a:xfrm>
+          <a:prstGeom prst="rect">
+            <a:avLst/>
+          </a:prstGeom>
+          <a:noFill/>
+          <a:ln>
+            <a:solidFill>
+              <a:schemeClr val="tx1"/>
+            </a:solidFill>
+          </a:ln>
+        </p:spPr>
+        <p:style>
+          <a:lnRef idx="2">
+            <a:schemeClr val="accent1">
+              <a:shade val="15000"/>
+            </a:schemeClr>
+          </a:lnRef>
+          <a:fillRef idx="1">
+            <a:schemeClr val="accent1"/>
+          </a:fillRef>
+          <a:effectRef idx="0">
+            <a:schemeClr val="accent1"/>
+          </a:effectRef>
+          <a:fontRef idx="minor">
+            <a:schemeClr val="lt1"/>
+          </a:fontRef>
+        </p:style>
+        <p:txBody>
+          <a:bodyPr rtlCol="0" anchor="ctr"/>
+          <a:lstStyle/>
+          <a:p>
+            <a:pPr algn="ctr"/>
+            <a:r>
+              <a:rPr lang="fr-FR" altLang="zh-CN" dirty="0" err="1">
+                <a:solidFill>
+                  <a:schemeClr val="tx1"/>
+                </a:solidFill>
+              </a:rPr>
+              <a:t>DistributedSampler</a:t>
+            </a:r>
+            <a:r>
+              <a:rPr lang="zh-CN" altLang="en-US" dirty="0">
+                <a:solidFill>
+                  <a:schemeClr val="tx1"/>
+                </a:solidFill>
+              </a:rPr>
+              <a:t>进行数据分配</a:t>
+            </a:r>
+          </a:p>
+        </p:txBody>
+      </p:sp>
+      <p:sp>
+        <p:nvSpPr>
+          <p:cNvPr id="55" name="矩形 54">
+            <a:extLst>
+              <a:ext uri="{FF2B5EF4-FFF2-40B4-BE49-F238E27FC236}">
+                <a16:creationId xmlns:a16="http://schemas.microsoft.com/office/drawing/2014/main" id="{05F9CB51-8859-A533-0047-029BAD71ADCB}"/>
+              </a:ext>
+            </a:extLst>
+          </p:cNvPr>
+          <p:cNvSpPr/>
+          <p:nvPr/>
+        </p:nvSpPr>
+        <p:spPr>
+          <a:xfrm>
+            <a:off x="2071259" y="3361072"/>
+            <a:ext cx="2983542" cy="584200"/>
+          </a:xfrm>
+          <a:prstGeom prst="rect">
+            <a:avLst/>
+          </a:prstGeom>
+          <a:noFill/>
+          <a:ln>
+            <a:solidFill>
+              <a:schemeClr val="tx1"/>
+            </a:solidFill>
+          </a:ln>
+        </p:spPr>
+        <p:style>
+          <a:lnRef idx="2">
+            <a:schemeClr val="accent1">
+              <a:shade val="15000"/>
+            </a:schemeClr>
+          </a:lnRef>
+          <a:fillRef idx="1">
+            <a:schemeClr val="accent1"/>
+          </a:fillRef>
+          <a:effectRef idx="0">
+            <a:schemeClr val="accent1"/>
+          </a:effectRef>
+          <a:fontRef idx="minor">
+            <a:schemeClr val="lt1"/>
+          </a:fontRef>
+        </p:style>
+        <p:txBody>
+          <a:bodyPr rtlCol="0" anchor="ctr"/>
+          <a:lstStyle/>
+          <a:p>
+            <a:pPr algn="ctr"/>
+            <a:r>
+              <a:rPr lang="zh-CN" altLang="en-US" dirty="0">
+                <a:solidFill>
+                  <a:schemeClr val="tx1"/>
+                </a:solidFill>
+              </a:rPr>
+              <a:t>复制模型到</a:t>
+            </a:r>
+            <a:r>
+              <a:rPr lang="en-US" altLang="zh-CN" dirty="0">
+                <a:solidFill>
+                  <a:schemeClr val="tx1"/>
+                </a:solidFill>
+              </a:rPr>
+              <a:t>GPU</a:t>
+            </a:r>
+            <a:r>
+              <a:rPr lang="zh-CN" altLang="en-US" dirty="0">
+                <a:solidFill>
+                  <a:schemeClr val="tx1"/>
+                </a:solidFill>
+              </a:rPr>
+              <a:t>上</a:t>
+            </a:r>
+          </a:p>
+        </p:txBody>
+      </p:sp>
+      <p:sp>
+        <p:nvSpPr>
+          <p:cNvPr id="56" name="矩形 55">
+            <a:extLst>
+              <a:ext uri="{FF2B5EF4-FFF2-40B4-BE49-F238E27FC236}">
+                <a16:creationId xmlns:a16="http://schemas.microsoft.com/office/drawing/2014/main" id="{81F0D9F8-FB16-24B8-5F3B-50837B2290E5}"/>
+              </a:ext>
+            </a:extLst>
+          </p:cNvPr>
+          <p:cNvSpPr/>
+          <p:nvPr/>
+        </p:nvSpPr>
+        <p:spPr>
+          <a:xfrm>
+            <a:off x="5903205" y="3361072"/>
+            <a:ext cx="2983542" cy="584200"/>
+          </a:xfrm>
+          <a:prstGeom prst="rect">
+            <a:avLst/>
+          </a:prstGeom>
+          <a:noFill/>
+          <a:ln>
+            <a:solidFill>
+              <a:schemeClr val="tx1"/>
+            </a:solidFill>
+          </a:ln>
+        </p:spPr>
+        <p:style>
+          <a:lnRef idx="2">
+            <a:schemeClr val="accent1">
+              <a:shade val="15000"/>
+            </a:schemeClr>
+          </a:lnRef>
+          <a:fillRef idx="1">
+            <a:schemeClr val="accent1"/>
+          </a:fillRef>
+          <a:effectRef idx="0">
+            <a:schemeClr val="accent1"/>
+          </a:effectRef>
+          <a:fontRef idx="minor">
+            <a:schemeClr val="lt1"/>
+          </a:fontRef>
+        </p:style>
+        <p:txBody>
+          <a:bodyPr rtlCol="0" anchor="ctr"/>
+          <a:lstStyle/>
+          <a:p>
+            <a:pPr algn="ctr"/>
+            <a:r>
+              <a:rPr lang="zh-CN" altLang="en-US" dirty="0">
+                <a:solidFill>
+                  <a:schemeClr val="tx1"/>
+                </a:solidFill>
+              </a:rPr>
+              <a:t>复制模型到</a:t>
+            </a:r>
+            <a:r>
+              <a:rPr lang="en-US" altLang="zh-CN" dirty="0">
+                <a:solidFill>
+                  <a:schemeClr val="tx1"/>
+                </a:solidFill>
+              </a:rPr>
+              <a:t>GPU</a:t>
+            </a:r>
+            <a:r>
+              <a:rPr lang="zh-CN" altLang="en-US" dirty="0">
+                <a:solidFill>
+                  <a:schemeClr val="tx1"/>
+                </a:solidFill>
+              </a:rPr>
+              <a:t>上</a:t>
+            </a:r>
+          </a:p>
+        </p:txBody>
+      </p:sp>
+      <p:cxnSp>
+        <p:nvCxnSpPr>
+          <p:cNvPr id="57" name="直接箭头连接符 56">
+            <a:extLst>
+              <a:ext uri="{FF2B5EF4-FFF2-40B4-BE49-F238E27FC236}">
+                <a16:creationId xmlns:a16="http://schemas.microsoft.com/office/drawing/2014/main" id="{CFF7C4A0-25FB-B649-0694-9AF82D3F4697}"/>
+              </a:ext>
+            </a:extLst>
+          </p:cNvPr>
+          <p:cNvCxnSpPr>
+            <a:cxnSpLocks/>
+            <a:stCxn id="13" idx="2"/>
+            <a:endCxn id="55" idx="0"/>
+          </p:cNvCxnSpPr>
+          <p:nvPr/>
+        </p:nvCxnSpPr>
+        <p:spPr>
+          <a:xfrm flipH="1">
+            <a:off x="3563030" y="3065498"/>
+            <a:ext cx="2" cy="295574"/>
+          </a:xfrm>
+          <a:prstGeom prst="straightConnector1">
+            <a:avLst/>
+          </a:prstGeom>
+          <a:ln>
+            <a:tailEnd type="triangle"/>
+          </a:ln>
+        </p:spPr>
+        <p:style>
+          <a:lnRef idx="1">
+            <a:schemeClr val="dk1"/>
+          </a:lnRef>
+          <a:fillRef idx="0">
+            <a:schemeClr val="dk1"/>
+          </a:fillRef>
+          <a:effectRef idx="0">
+            <a:schemeClr val="dk1"/>
+          </a:effectRef>
+          <a:fontRef idx="minor">
+            <a:schemeClr val="tx1"/>
+          </a:fontRef>
+        </p:style>
+      </p:cxnSp>
+      <p:cxnSp>
+        <p:nvCxnSpPr>
+          <p:cNvPr id="61" name="直接箭头连接符 60">
+            <a:extLst>
+              <a:ext uri="{FF2B5EF4-FFF2-40B4-BE49-F238E27FC236}">
+                <a16:creationId xmlns:a16="http://schemas.microsoft.com/office/drawing/2014/main" id="{D0C2C459-E767-F521-3FC1-C3583F58CA26}"/>
+              </a:ext>
+            </a:extLst>
+          </p:cNvPr>
+          <p:cNvCxnSpPr>
+            <a:cxnSpLocks/>
+            <a:stCxn id="15" idx="2"/>
+            <a:endCxn id="56" idx="0"/>
+          </p:cNvCxnSpPr>
+          <p:nvPr/>
+        </p:nvCxnSpPr>
+        <p:spPr>
+          <a:xfrm>
+            <a:off x="7394976" y="3068972"/>
+            <a:ext cx="0" cy="292100"/>
+          </a:xfrm>
+          <a:prstGeom prst="straightConnector1">
+            <a:avLst/>
+          </a:prstGeom>
+          <a:ln>
+            <a:tailEnd type="triangle"/>
+          </a:ln>
+        </p:spPr>
+        <p:style>
+          <a:lnRef idx="1">
+            <a:schemeClr val="dk1"/>
+          </a:lnRef>
+          <a:fillRef idx="0">
+            <a:schemeClr val="dk1"/>
+          </a:fillRef>
+          <a:effectRef idx="0">
+            <a:schemeClr val="dk1"/>
+          </a:effectRef>
+          <a:fontRef idx="minor">
+            <a:schemeClr val="tx1"/>
+          </a:fontRef>
+        </p:style>
+      </p:cxnSp>
+      <p:cxnSp>
+        <p:nvCxnSpPr>
+          <p:cNvPr id="64" name="直接箭头连接符 63">
+            <a:extLst>
+              <a:ext uri="{FF2B5EF4-FFF2-40B4-BE49-F238E27FC236}">
+                <a16:creationId xmlns:a16="http://schemas.microsoft.com/office/drawing/2014/main" id="{1A8C117D-8B1F-8E7D-7B3F-BA49AD1C5557}"/>
+              </a:ext>
+            </a:extLst>
+          </p:cNvPr>
+          <p:cNvCxnSpPr>
+            <a:cxnSpLocks/>
+            <a:stCxn id="56" idx="2"/>
+            <a:endCxn id="53" idx="0"/>
+          </p:cNvCxnSpPr>
+          <p:nvPr/>
+        </p:nvCxnSpPr>
+        <p:spPr>
+          <a:xfrm>
+            <a:off x="7394976" y="3945272"/>
+            <a:ext cx="0" cy="292100"/>
+          </a:xfrm>
+          <a:prstGeom prst="straightConnector1">
+            <a:avLst/>
+          </a:prstGeom>
+          <a:ln>
+            <a:tailEnd type="triangle"/>
+          </a:ln>
+        </p:spPr>
+        <p:style>
+          <a:lnRef idx="1">
+            <a:schemeClr val="dk1"/>
+          </a:lnRef>
+          <a:fillRef idx="0">
+            <a:schemeClr val="dk1"/>
+          </a:fillRef>
+          <a:effectRef idx="0">
+            <a:schemeClr val="dk1"/>
+          </a:effectRef>
+          <a:fontRef idx="minor">
+            <a:schemeClr val="tx1"/>
+          </a:fontRef>
+        </p:style>
+      </p:cxnSp>
+      <p:cxnSp>
+        <p:nvCxnSpPr>
+          <p:cNvPr id="67" name="直接箭头连接符 66">
+            <a:extLst>
+              <a:ext uri="{FF2B5EF4-FFF2-40B4-BE49-F238E27FC236}">
+                <a16:creationId xmlns:a16="http://schemas.microsoft.com/office/drawing/2014/main" id="{A67F396F-F6C2-EE49-668D-F0EAA20E9B5A}"/>
+              </a:ext>
+            </a:extLst>
+          </p:cNvPr>
+          <p:cNvCxnSpPr>
+            <a:cxnSpLocks/>
+            <a:stCxn id="55" idx="2"/>
+            <a:endCxn id="49" idx="0"/>
+          </p:cNvCxnSpPr>
+          <p:nvPr/>
+        </p:nvCxnSpPr>
+        <p:spPr>
+          <a:xfrm>
+            <a:off x="3563030" y="3945272"/>
+            <a:ext cx="1" cy="292100"/>
+          </a:xfrm>
+          <a:prstGeom prst="straightConnector1">
+            <a:avLst/>
+          </a:prstGeom>
+          <a:ln>
+            <a:tailEnd type="triangle"/>
+          </a:ln>
+        </p:spPr>
+        <p:style>
+          <a:lnRef idx="1">
+            <a:schemeClr val="dk1"/>
+          </a:lnRef>
+          <a:fillRef idx="0">
+            <a:schemeClr val="dk1"/>
+          </a:fillRef>
+          <a:effectRef idx="0">
+            <a:schemeClr val="dk1"/>
+          </a:effectRef>
+          <a:fontRef idx="minor">
+            <a:schemeClr val="tx1"/>
+          </a:fontRef>
+        </p:style>
+      </p:cxnSp>
+      <p:sp>
+        <p:nvSpPr>
+          <p:cNvPr id="108" name="矩形 107">
+            <a:extLst>
+              <a:ext uri="{FF2B5EF4-FFF2-40B4-BE49-F238E27FC236}">
+                <a16:creationId xmlns:a16="http://schemas.microsoft.com/office/drawing/2014/main" id="{31AECE60-13B9-50D4-61DD-D054796D201A}"/>
+              </a:ext>
+            </a:extLst>
+          </p:cNvPr>
+          <p:cNvSpPr/>
+          <p:nvPr/>
+        </p:nvSpPr>
+        <p:spPr>
+          <a:xfrm>
+            <a:off x="5903205" y="5113672"/>
+            <a:ext cx="2983542" cy="584200"/>
+          </a:xfrm>
+          <a:prstGeom prst="rect">
+            <a:avLst/>
+          </a:prstGeom>
+          <a:noFill/>
+          <a:ln>
+            <a:solidFill>
+              <a:schemeClr val="tx1"/>
+            </a:solidFill>
+          </a:ln>
+        </p:spPr>
+        <p:style>
+          <a:lnRef idx="2">
+            <a:schemeClr val="accent1">
+              <a:shade val="15000"/>
+            </a:schemeClr>
+          </a:lnRef>
+          <a:fillRef idx="1">
+            <a:schemeClr val="accent1"/>
+          </a:fillRef>
+          <a:effectRef idx="0">
+            <a:schemeClr val="accent1"/>
+          </a:effectRef>
+          <a:fontRef idx="minor">
+            <a:schemeClr val="lt1"/>
+          </a:fontRef>
+        </p:style>
+        <p:txBody>
+          <a:bodyPr rtlCol="0" anchor="ctr"/>
+          <a:lstStyle/>
+          <a:p>
+            <a:pPr algn="ctr"/>
+            <a:r>
+              <a:rPr lang="zh-CN" altLang="en-US" dirty="0">
+                <a:solidFill>
+                  <a:schemeClr val="tx1"/>
+                </a:solidFill>
+              </a:rPr>
+              <a:t>前向传播、反向传播、梯度汇总、参数更行</a:t>
+            </a:r>
+          </a:p>
+        </p:txBody>
+      </p:sp>
+      <p:sp>
+        <p:nvSpPr>
+          <p:cNvPr id="109" name="矩形 108">
+            <a:extLst>
+              <a:ext uri="{FF2B5EF4-FFF2-40B4-BE49-F238E27FC236}">
+                <a16:creationId xmlns:a16="http://schemas.microsoft.com/office/drawing/2014/main" id="{03B1B626-739A-9868-AC7E-574EBA7676EA}"/>
+              </a:ext>
+            </a:extLst>
+          </p:cNvPr>
+          <p:cNvSpPr/>
+          <p:nvPr/>
+        </p:nvSpPr>
+        <p:spPr>
+          <a:xfrm>
+            <a:off x="2071259" y="5114014"/>
+            <a:ext cx="2983542" cy="584200"/>
+          </a:xfrm>
+          <a:prstGeom prst="rect">
+            <a:avLst/>
+          </a:prstGeom>
+          <a:noFill/>
+          <a:ln>
+            <a:solidFill>
+              <a:schemeClr val="tx1"/>
+            </a:solidFill>
+          </a:ln>
+        </p:spPr>
+        <p:style>
+          <a:lnRef idx="2">
+            <a:schemeClr val="accent1">
+              <a:shade val="15000"/>
+            </a:schemeClr>
+          </a:lnRef>
+          <a:fillRef idx="1">
+            <a:schemeClr val="accent1"/>
+          </a:fillRef>
+          <a:effectRef idx="0">
+            <a:schemeClr val="accent1"/>
+          </a:effectRef>
+          <a:fontRef idx="minor">
+            <a:schemeClr val="lt1"/>
+          </a:fontRef>
+        </p:style>
+        <p:txBody>
+          <a:bodyPr rtlCol="0" anchor="ctr"/>
+          <a:lstStyle/>
+          <a:p>
+            <a:pPr algn="ctr"/>
+            <a:r>
+              <a:rPr lang="zh-CN" altLang="en-US" dirty="0">
+                <a:solidFill>
+                  <a:schemeClr val="tx1"/>
+                </a:solidFill>
+              </a:rPr>
+              <a:t>前向传播、反向传播、梯度汇总、参数更行</a:t>
+            </a:r>
+          </a:p>
+        </p:txBody>
+      </p:sp>
+      <p:cxnSp>
+        <p:nvCxnSpPr>
+          <p:cNvPr id="111" name="直接箭头连接符 110">
+            <a:extLst>
+              <a:ext uri="{FF2B5EF4-FFF2-40B4-BE49-F238E27FC236}">
+                <a16:creationId xmlns:a16="http://schemas.microsoft.com/office/drawing/2014/main" id="{3B81C0D1-5CB6-DC6F-A7D3-1CBF574BAEEE}"/>
+              </a:ext>
+            </a:extLst>
+          </p:cNvPr>
+          <p:cNvCxnSpPr>
+            <a:cxnSpLocks/>
+            <a:stCxn id="109" idx="2"/>
+            <a:endCxn id="14" idx="0"/>
+          </p:cNvCxnSpPr>
+          <p:nvPr/>
+        </p:nvCxnSpPr>
+        <p:spPr>
+          <a:xfrm>
+            <a:off x="3563030" y="5698214"/>
+            <a:ext cx="1" cy="339298"/>
+          </a:xfrm>
+          <a:prstGeom prst="straightConnector1">
+            <a:avLst/>
+          </a:prstGeom>
+          <a:ln>
+            <a:tailEnd type="triangle"/>
+          </a:ln>
+        </p:spPr>
+        <p:style>
+          <a:lnRef idx="1">
+            <a:schemeClr val="dk1"/>
+          </a:lnRef>
+          <a:fillRef idx="0">
+            <a:schemeClr val="dk1"/>
+          </a:fillRef>
+          <a:effectRef idx="0">
+            <a:schemeClr val="dk1"/>
+          </a:effectRef>
+          <a:fontRef idx="minor">
+            <a:schemeClr val="tx1"/>
+          </a:fontRef>
+        </p:style>
+      </p:cxnSp>
+      <p:cxnSp>
+        <p:nvCxnSpPr>
+          <p:cNvPr id="115" name="直接箭头连接符 114">
+            <a:extLst>
+              <a:ext uri="{FF2B5EF4-FFF2-40B4-BE49-F238E27FC236}">
+                <a16:creationId xmlns:a16="http://schemas.microsoft.com/office/drawing/2014/main" id="{68C009FE-7AD8-11DC-1975-E7F384109DDE}"/>
+              </a:ext>
+            </a:extLst>
+          </p:cNvPr>
+          <p:cNvCxnSpPr>
+            <a:cxnSpLocks/>
+            <a:stCxn id="108" idx="2"/>
+            <a:endCxn id="16" idx="0"/>
+          </p:cNvCxnSpPr>
+          <p:nvPr/>
+        </p:nvCxnSpPr>
+        <p:spPr>
+          <a:xfrm>
+            <a:off x="7394976" y="5697872"/>
+            <a:ext cx="0" cy="339640"/>
+          </a:xfrm>
+          <a:prstGeom prst="straightConnector1">
+            <a:avLst/>
           </a:prstGeom>
           <a:ln>
             <a:tailEnd type="triangle"/>
@@ -30834,7 +31619,7 @@
     </p:spTree>
     <p:extLst>
       <p:ext uri="{BB962C8B-B14F-4D97-AF65-F5344CB8AC3E}">
-        <p14:creationId xmlns:p14="http://schemas.microsoft.com/office/powerpoint/2010/main" val="1553384660"/>
+        <p14:creationId xmlns:p14="http://schemas.microsoft.com/office/powerpoint/2010/main" val="2725651513"/>
       </p:ext>
     </p:extLst>
   </p:cSld>
@@ -31302,6 +32087,2954 @@
     <p:extLst>
       <p:ext uri="{BB962C8B-B14F-4D97-AF65-F5344CB8AC3E}">
         <p14:creationId xmlns:p14="http://schemas.microsoft.com/office/powerpoint/2010/main" val="305545049"/>
+      </p:ext>
+    </p:extLst>
+  </p:cSld>
+  <p:clrMapOvr>
+    <a:masterClrMapping/>
+  </p:clrMapOvr>
+</p:sld>
+</file>
+
+<file path=ppt/slides/slide30.xml><?xml version="1.0" encoding="utf-8"?>
+<p:sld xmlns:a="http://schemas.openxmlformats.org/drawingml/2006/main" xmlns:r="http://schemas.openxmlformats.org/officeDocument/2006/relationships" xmlns:p="http://schemas.openxmlformats.org/presentationml/2006/main">
+  <p:cSld>
+    <p:spTree>
+      <p:nvGrpSpPr>
+        <p:cNvPr id="1" name=""/>
+        <p:cNvGrpSpPr/>
+        <p:nvPr/>
+      </p:nvGrpSpPr>
+      <p:grpSpPr>
+        <a:xfrm>
+          <a:off x="0" y="0"/>
+          <a:ext cx="0" cy="0"/>
+          <a:chOff x="0" y="0"/>
+          <a:chExt cx="0" cy="0"/>
+        </a:xfrm>
+      </p:grpSpPr>
+      <p:sp>
+        <p:nvSpPr>
+          <p:cNvPr id="4" name="文本框 3">
+            <a:extLst>
+              <a:ext uri="{FF2B5EF4-FFF2-40B4-BE49-F238E27FC236}">
+                <a16:creationId xmlns:a16="http://schemas.microsoft.com/office/drawing/2014/main" id="{42604774-9289-2DDD-61F0-F10DC0E7C4F2}"/>
+              </a:ext>
+            </a:extLst>
+          </p:cNvPr>
+          <p:cNvSpPr txBox="1"/>
+          <p:nvPr/>
+        </p:nvSpPr>
+        <p:spPr>
+          <a:xfrm>
+            <a:off x="4253349" y="0"/>
+            <a:ext cx="3009157" cy="461665"/>
+          </a:xfrm>
+          <a:prstGeom prst="rect">
+            <a:avLst/>
+          </a:prstGeom>
+          <a:noFill/>
+        </p:spPr>
+        <p:txBody>
+          <a:bodyPr wrap="none" rtlCol="0">
+            <a:spAutoFit/>
+          </a:bodyPr>
+          <a:lstStyle/>
+          <a:p>
+            <a:r>
+              <a:rPr lang="en-US" altLang="zh-CN" sz="2400" dirty="0"/>
+              <a:t>Futr3D</a:t>
+            </a:r>
+            <a:r>
+              <a:rPr lang="zh-CN" altLang="en-US" sz="2400" dirty="0"/>
+              <a:t>激光</a:t>
+            </a:r>
+            <a:r>
+              <a:rPr lang="en-US" altLang="zh-CN" sz="2400" dirty="0"/>
+              <a:t> </a:t>
+            </a:r>
+            <a:r>
+              <a:rPr lang="zh-CN" altLang="en-US" sz="2400" dirty="0"/>
+              <a:t>配置文件</a:t>
+            </a:r>
+          </a:p>
+        </p:txBody>
+      </p:sp>
+      <p:sp>
+        <p:nvSpPr>
+          <p:cNvPr id="5" name="矩形 4">
+            <a:extLst>
+              <a:ext uri="{FF2B5EF4-FFF2-40B4-BE49-F238E27FC236}">
+                <a16:creationId xmlns:a16="http://schemas.microsoft.com/office/drawing/2014/main" id="{BAFC8AB6-C917-0F44-DB84-DCC53DCBEDE5}"/>
+              </a:ext>
+            </a:extLst>
+          </p:cNvPr>
+          <p:cNvSpPr/>
+          <p:nvPr/>
+        </p:nvSpPr>
+        <p:spPr>
+          <a:xfrm>
+            <a:off x="5529943" y="536610"/>
+            <a:ext cx="3886197" cy="461665"/>
+          </a:xfrm>
+          <a:prstGeom prst="rect">
+            <a:avLst/>
+          </a:prstGeom>
+          <a:noFill/>
+          <a:ln>
+            <a:solidFill>
+              <a:schemeClr val="tx1"/>
+            </a:solidFill>
+          </a:ln>
+        </p:spPr>
+        <p:style>
+          <a:lnRef idx="2">
+            <a:schemeClr val="accent1">
+              <a:shade val="15000"/>
+            </a:schemeClr>
+          </a:lnRef>
+          <a:fillRef idx="1">
+            <a:schemeClr val="accent1"/>
+          </a:fillRef>
+          <a:effectRef idx="0">
+            <a:schemeClr val="accent1"/>
+          </a:effectRef>
+          <a:fontRef idx="minor">
+            <a:schemeClr val="lt1"/>
+          </a:fontRef>
+        </p:style>
+        <p:txBody>
+          <a:bodyPr rtlCol="0" anchor="ctr"/>
+          <a:lstStyle/>
+          <a:p>
+            <a:pPr algn="ctr"/>
+            <a:r>
+              <a:rPr lang="en-US" altLang="zh-CN" dirty="0">
+                <a:solidFill>
+                  <a:schemeClr val="tx1"/>
+                </a:solidFill>
+              </a:rPr>
+              <a:t>Base3DDetector</a:t>
+            </a:r>
+            <a:endParaRPr lang="zh-CN" altLang="en-US" dirty="0">
+              <a:solidFill>
+                <a:schemeClr val="tx1"/>
+              </a:solidFill>
+            </a:endParaRPr>
+          </a:p>
+        </p:txBody>
+      </p:sp>
+      <p:sp>
+        <p:nvSpPr>
+          <p:cNvPr id="6" name="矩形 5">
+            <a:extLst>
+              <a:ext uri="{FF2B5EF4-FFF2-40B4-BE49-F238E27FC236}">
+                <a16:creationId xmlns:a16="http://schemas.microsoft.com/office/drawing/2014/main" id="{9B0E5440-7707-AF63-62BA-910AD2D0298D}"/>
+              </a:ext>
+            </a:extLst>
+          </p:cNvPr>
+          <p:cNvSpPr/>
+          <p:nvPr/>
+        </p:nvSpPr>
+        <p:spPr>
+          <a:xfrm>
+            <a:off x="5529943" y="1202871"/>
+            <a:ext cx="3886200" cy="4452257"/>
+          </a:xfrm>
+          <a:prstGeom prst="rect">
+            <a:avLst/>
+          </a:prstGeom>
+          <a:noFill/>
+          <a:ln>
+            <a:solidFill>
+              <a:schemeClr val="tx1"/>
+            </a:solidFill>
+          </a:ln>
+        </p:spPr>
+        <p:style>
+          <a:lnRef idx="2">
+            <a:schemeClr val="accent1">
+              <a:shade val="15000"/>
+            </a:schemeClr>
+          </a:lnRef>
+          <a:fillRef idx="1">
+            <a:schemeClr val="accent1"/>
+          </a:fillRef>
+          <a:effectRef idx="0">
+            <a:schemeClr val="accent1"/>
+          </a:effectRef>
+          <a:fontRef idx="minor">
+            <a:schemeClr val="lt1"/>
+          </a:fontRef>
+        </p:style>
+        <p:txBody>
+          <a:bodyPr rtlCol="0" anchor="ctr"/>
+          <a:lstStyle/>
+          <a:p>
+            <a:pPr algn="just"/>
+            <a:r>
+              <a:rPr lang="en-US" altLang="zh-CN" sz="1800" kern="100" dirty="0" err="1">
+                <a:solidFill>
+                  <a:schemeClr val="tx1"/>
+                </a:solidFill>
+                <a:effectLst/>
+                <a:latin typeface="等线" panose="02010600030101010101" pitchFamily="2" charset="-122"/>
+                <a:ea typeface="等线" panose="02010600030101010101" pitchFamily="2" charset="-122"/>
+                <a:cs typeface="Times New Roman" panose="02020603050405020304" pitchFamily="18" charset="0"/>
+              </a:rPr>
+              <a:t>MVXTwoStageDetector</a:t>
+            </a:r>
+            <a:endParaRPr lang="zh-CN" altLang="zh-CN" sz="1800" kern="100" dirty="0">
+              <a:solidFill>
+                <a:schemeClr val="tx1"/>
+              </a:solidFill>
+              <a:effectLst/>
+              <a:latin typeface="等线" panose="02010600030101010101" pitchFamily="2" charset="-122"/>
+              <a:ea typeface="等线" panose="02010600030101010101" pitchFamily="2" charset="-122"/>
+              <a:cs typeface="Times New Roman" panose="02020603050405020304" pitchFamily="18" charset="0"/>
+            </a:endParaRPr>
+          </a:p>
+          <a:p>
+            <a:pPr algn="just"/>
+            <a:r>
+              <a:rPr lang="en-US" altLang="zh-CN" sz="1800" kern="100" dirty="0" err="1">
+                <a:solidFill>
+                  <a:srgbClr val="FF0000"/>
+                </a:solidFill>
+                <a:effectLst/>
+                <a:latin typeface="等线" panose="02010600030101010101" pitchFamily="2" charset="-122"/>
+                <a:ea typeface="等线" panose="02010600030101010101" pitchFamily="2" charset="-122"/>
+                <a:cs typeface="Times New Roman" panose="02020603050405020304" pitchFamily="18" charset="0"/>
+              </a:rPr>
+              <a:t>pts_voxel_layer</a:t>
+            </a:r>
+            <a:endParaRPr lang="zh-CN" altLang="zh-CN" sz="1800" kern="100" dirty="0">
+              <a:solidFill>
+                <a:srgbClr val="FF0000"/>
+              </a:solidFill>
+              <a:effectLst/>
+              <a:latin typeface="等线" panose="02010600030101010101" pitchFamily="2" charset="-122"/>
+              <a:ea typeface="等线" panose="02010600030101010101" pitchFamily="2" charset="-122"/>
+              <a:cs typeface="Times New Roman" panose="02020603050405020304" pitchFamily="18" charset="0"/>
+            </a:endParaRPr>
+          </a:p>
+          <a:p>
+            <a:pPr algn="just"/>
+            <a:r>
+              <a:rPr lang="en-US" altLang="zh-CN" sz="1800" kern="100" dirty="0" err="1">
+                <a:solidFill>
+                  <a:srgbClr val="FF0000"/>
+                </a:solidFill>
+                <a:effectLst/>
+                <a:latin typeface="等线" panose="02010600030101010101" pitchFamily="2" charset="-122"/>
+                <a:ea typeface="等线" panose="02010600030101010101" pitchFamily="2" charset="-122"/>
+                <a:cs typeface="Times New Roman" panose="02020603050405020304" pitchFamily="18" charset="0"/>
+              </a:rPr>
+              <a:t>pts_voxel_encoder</a:t>
+            </a:r>
+            <a:r>
+              <a:rPr lang="en-US" altLang="zh-CN" sz="1800" kern="100" dirty="0" err="1">
+                <a:solidFill>
+                  <a:schemeClr val="tx1"/>
+                </a:solidFill>
+                <a:effectLst/>
+                <a:latin typeface="等线" panose="02010600030101010101" pitchFamily="2" charset="-122"/>
+                <a:ea typeface="等线" panose="02010600030101010101" pitchFamily="2" charset="-122"/>
+                <a:cs typeface="Times New Roman" panose="02020603050405020304" pitchFamily="18" charset="0"/>
+              </a:rPr>
+              <a:t>:HardSimpleVFE</a:t>
+            </a:r>
+            <a:endParaRPr lang="zh-CN" altLang="zh-CN" sz="1800" kern="100" dirty="0">
+              <a:solidFill>
+                <a:schemeClr val="tx1"/>
+              </a:solidFill>
+              <a:effectLst/>
+              <a:latin typeface="等线" panose="02010600030101010101" pitchFamily="2" charset="-122"/>
+              <a:ea typeface="等线" panose="02010600030101010101" pitchFamily="2" charset="-122"/>
+              <a:cs typeface="Times New Roman" panose="02020603050405020304" pitchFamily="18" charset="0"/>
+            </a:endParaRPr>
+          </a:p>
+          <a:p>
+            <a:pPr algn="just"/>
+            <a:r>
+              <a:rPr lang="en-US" altLang="zh-CN" sz="1800" kern="100" dirty="0" err="1">
+                <a:solidFill>
+                  <a:srgbClr val="FF0000"/>
+                </a:solidFill>
+                <a:effectLst/>
+                <a:latin typeface="等线" panose="02010600030101010101" pitchFamily="2" charset="-122"/>
+                <a:ea typeface="等线" panose="02010600030101010101" pitchFamily="2" charset="-122"/>
+                <a:cs typeface="Times New Roman" panose="02020603050405020304" pitchFamily="18" charset="0"/>
+              </a:rPr>
+              <a:t>pts_middle_encoder</a:t>
+            </a:r>
+            <a:r>
+              <a:rPr lang="en-US" altLang="zh-CN" sz="1800" kern="100" dirty="0" err="1">
+                <a:solidFill>
+                  <a:schemeClr val="tx1"/>
+                </a:solidFill>
+                <a:effectLst/>
+                <a:latin typeface="等线" panose="02010600030101010101" pitchFamily="2" charset="-122"/>
+                <a:ea typeface="等线" panose="02010600030101010101" pitchFamily="2" charset="-122"/>
+                <a:cs typeface="Times New Roman" panose="02020603050405020304" pitchFamily="18" charset="0"/>
+              </a:rPr>
+              <a:t>:SparseEncoder</a:t>
+            </a:r>
+            <a:endParaRPr lang="zh-CN" altLang="zh-CN" sz="1800" kern="100" dirty="0">
+              <a:solidFill>
+                <a:schemeClr val="tx1"/>
+              </a:solidFill>
+              <a:effectLst/>
+              <a:latin typeface="等线" panose="02010600030101010101" pitchFamily="2" charset="-122"/>
+              <a:ea typeface="等线" panose="02010600030101010101" pitchFamily="2" charset="-122"/>
+              <a:cs typeface="Times New Roman" panose="02020603050405020304" pitchFamily="18" charset="0"/>
+            </a:endParaRPr>
+          </a:p>
+          <a:p>
+            <a:pPr algn="just"/>
+            <a:r>
+              <a:rPr lang="en-US" altLang="zh-CN" sz="1800" kern="100" dirty="0" err="1">
+                <a:solidFill>
+                  <a:schemeClr val="tx1"/>
+                </a:solidFill>
+                <a:effectLst/>
+                <a:latin typeface="等线" panose="02010600030101010101" pitchFamily="2" charset="-122"/>
+                <a:ea typeface="等线" panose="02010600030101010101" pitchFamily="2" charset="-122"/>
+                <a:cs typeface="Times New Roman" panose="02020603050405020304" pitchFamily="18" charset="0"/>
+              </a:rPr>
+              <a:t>pts_fusion_layer</a:t>
+            </a:r>
+            <a:endParaRPr lang="zh-CN" altLang="zh-CN" sz="1800" kern="100" dirty="0">
+              <a:solidFill>
+                <a:schemeClr val="tx1"/>
+              </a:solidFill>
+              <a:effectLst/>
+              <a:latin typeface="等线" panose="02010600030101010101" pitchFamily="2" charset="-122"/>
+              <a:ea typeface="等线" panose="02010600030101010101" pitchFamily="2" charset="-122"/>
+              <a:cs typeface="Times New Roman" panose="02020603050405020304" pitchFamily="18" charset="0"/>
+            </a:endParaRPr>
+          </a:p>
+          <a:p>
+            <a:pPr algn="just"/>
+            <a:r>
+              <a:rPr lang="en-US" altLang="zh-CN" sz="1800" kern="100" dirty="0" err="1">
+                <a:solidFill>
+                  <a:schemeClr val="tx1"/>
+                </a:solidFill>
+                <a:effectLst/>
+                <a:latin typeface="等线" panose="02010600030101010101" pitchFamily="2" charset="-122"/>
+                <a:ea typeface="等线" panose="02010600030101010101" pitchFamily="2" charset="-122"/>
+                <a:cs typeface="Times New Roman" panose="02020603050405020304" pitchFamily="18" charset="0"/>
+              </a:rPr>
+              <a:t>img_backbone</a:t>
+            </a:r>
+            <a:endParaRPr lang="zh-CN" altLang="zh-CN" sz="1800" kern="100" dirty="0">
+              <a:solidFill>
+                <a:schemeClr val="tx1"/>
+              </a:solidFill>
+              <a:effectLst/>
+              <a:latin typeface="等线" panose="02010600030101010101" pitchFamily="2" charset="-122"/>
+              <a:ea typeface="等线" panose="02010600030101010101" pitchFamily="2" charset="-122"/>
+              <a:cs typeface="Times New Roman" panose="02020603050405020304" pitchFamily="18" charset="0"/>
+            </a:endParaRPr>
+          </a:p>
+          <a:p>
+            <a:pPr algn="just"/>
+            <a:r>
+              <a:rPr lang="en-US" altLang="zh-CN" sz="1800" kern="100" dirty="0" err="1">
+                <a:solidFill>
+                  <a:srgbClr val="FF0000"/>
+                </a:solidFill>
+                <a:effectLst/>
+                <a:latin typeface="等线" panose="02010600030101010101" pitchFamily="2" charset="-122"/>
+                <a:ea typeface="等线" panose="02010600030101010101" pitchFamily="2" charset="-122"/>
+                <a:cs typeface="Times New Roman" panose="02020603050405020304" pitchFamily="18" charset="0"/>
+              </a:rPr>
+              <a:t>pts_backbone:</a:t>
+            </a:r>
+            <a:r>
+              <a:rPr lang="en-US" altLang="zh-CN" sz="1800" kern="100" dirty="0" err="1">
+                <a:solidFill>
+                  <a:schemeClr val="tx1"/>
+                </a:solidFill>
+                <a:effectLst/>
+                <a:latin typeface="等线" panose="02010600030101010101" pitchFamily="2" charset="-122"/>
+                <a:ea typeface="等线" panose="02010600030101010101" pitchFamily="2" charset="-122"/>
+                <a:cs typeface="Times New Roman" panose="02020603050405020304" pitchFamily="18" charset="0"/>
+              </a:rPr>
+              <a:t>SECOND</a:t>
+            </a:r>
+            <a:endParaRPr lang="zh-CN" altLang="zh-CN" sz="1800" kern="100" dirty="0">
+              <a:solidFill>
+                <a:schemeClr val="tx1"/>
+              </a:solidFill>
+              <a:effectLst/>
+              <a:latin typeface="等线" panose="02010600030101010101" pitchFamily="2" charset="-122"/>
+              <a:ea typeface="等线" panose="02010600030101010101" pitchFamily="2" charset="-122"/>
+              <a:cs typeface="Times New Roman" panose="02020603050405020304" pitchFamily="18" charset="0"/>
+            </a:endParaRPr>
+          </a:p>
+          <a:p>
+            <a:pPr algn="just"/>
+            <a:r>
+              <a:rPr lang="en-US" altLang="zh-CN" sz="1800" kern="100" dirty="0" err="1">
+                <a:solidFill>
+                  <a:schemeClr val="tx1"/>
+                </a:solidFill>
+                <a:effectLst/>
+                <a:latin typeface="等线" panose="02010600030101010101" pitchFamily="2" charset="-122"/>
+                <a:ea typeface="等线" panose="02010600030101010101" pitchFamily="2" charset="-122"/>
+                <a:cs typeface="Times New Roman" panose="02020603050405020304" pitchFamily="18" charset="0"/>
+              </a:rPr>
+              <a:t>img_neck</a:t>
+            </a:r>
+            <a:endParaRPr lang="zh-CN" altLang="zh-CN" sz="1800" kern="100" dirty="0">
+              <a:solidFill>
+                <a:schemeClr val="tx1"/>
+              </a:solidFill>
+              <a:effectLst/>
+              <a:latin typeface="等线" panose="02010600030101010101" pitchFamily="2" charset="-122"/>
+              <a:ea typeface="等线" panose="02010600030101010101" pitchFamily="2" charset="-122"/>
+              <a:cs typeface="Times New Roman" panose="02020603050405020304" pitchFamily="18" charset="0"/>
+            </a:endParaRPr>
+          </a:p>
+          <a:p>
+            <a:pPr algn="just"/>
+            <a:r>
+              <a:rPr lang="en-US" altLang="zh-CN" sz="1800" kern="100" dirty="0" err="1">
+                <a:solidFill>
+                  <a:srgbClr val="FF0000"/>
+                </a:solidFill>
+                <a:effectLst/>
+                <a:latin typeface="等线" panose="02010600030101010101" pitchFamily="2" charset="-122"/>
+                <a:ea typeface="等线" panose="02010600030101010101" pitchFamily="2" charset="-122"/>
+                <a:cs typeface="Times New Roman" panose="02020603050405020304" pitchFamily="18" charset="0"/>
+              </a:rPr>
+              <a:t>pts_neck</a:t>
+            </a:r>
+            <a:r>
+              <a:rPr lang="en-US" altLang="zh-CN" sz="1800" kern="100" dirty="0" err="1">
+                <a:solidFill>
+                  <a:schemeClr val="tx1"/>
+                </a:solidFill>
+                <a:effectLst/>
+                <a:latin typeface="等线" panose="02010600030101010101" pitchFamily="2" charset="-122"/>
+                <a:ea typeface="等线" panose="02010600030101010101" pitchFamily="2" charset="-122"/>
+                <a:cs typeface="Times New Roman" panose="02020603050405020304" pitchFamily="18" charset="0"/>
+              </a:rPr>
+              <a:t>:FPN</a:t>
+            </a:r>
+            <a:endParaRPr lang="zh-CN" altLang="zh-CN" sz="1800" kern="100" dirty="0">
+              <a:solidFill>
+                <a:schemeClr val="tx1"/>
+              </a:solidFill>
+              <a:effectLst/>
+              <a:latin typeface="等线" panose="02010600030101010101" pitchFamily="2" charset="-122"/>
+              <a:ea typeface="等线" panose="02010600030101010101" pitchFamily="2" charset="-122"/>
+              <a:cs typeface="Times New Roman" panose="02020603050405020304" pitchFamily="18" charset="0"/>
+            </a:endParaRPr>
+          </a:p>
+          <a:p>
+            <a:pPr algn="just"/>
+            <a:r>
+              <a:rPr lang="en-US" altLang="zh-CN" sz="1800" kern="100" dirty="0">
+                <a:solidFill>
+                  <a:srgbClr val="FF0000"/>
+                </a:solidFill>
+                <a:effectLst/>
+                <a:latin typeface="等线" panose="02010600030101010101" pitchFamily="2" charset="-122"/>
+                <a:ea typeface="等线" panose="02010600030101010101" pitchFamily="2" charset="-122"/>
+                <a:cs typeface="Times New Roman" panose="02020603050405020304" pitchFamily="18" charset="0"/>
+              </a:rPr>
+              <a:t>pts_bbox_head</a:t>
+            </a:r>
+            <a:r>
+              <a:rPr lang="en-US" altLang="zh-CN" sz="1800" kern="100" dirty="0">
+                <a:solidFill>
+                  <a:schemeClr val="tx1"/>
+                </a:solidFill>
+                <a:effectLst/>
+                <a:latin typeface="等线" panose="02010600030101010101" pitchFamily="2" charset="-122"/>
+                <a:ea typeface="等线" panose="02010600030101010101" pitchFamily="2" charset="-122"/>
+                <a:cs typeface="Times New Roman" panose="02020603050405020304" pitchFamily="18" charset="0"/>
+              </a:rPr>
+              <a:t>:FUTR3DHead</a:t>
+            </a:r>
+            <a:endParaRPr lang="zh-CN" altLang="zh-CN" sz="1800" kern="100" dirty="0">
+              <a:solidFill>
+                <a:schemeClr val="tx1"/>
+              </a:solidFill>
+              <a:effectLst/>
+              <a:latin typeface="等线" panose="02010600030101010101" pitchFamily="2" charset="-122"/>
+              <a:ea typeface="等线" panose="02010600030101010101" pitchFamily="2" charset="-122"/>
+              <a:cs typeface="Times New Roman" panose="02020603050405020304" pitchFamily="18" charset="0"/>
+            </a:endParaRPr>
+          </a:p>
+          <a:p>
+            <a:pPr algn="just"/>
+            <a:r>
+              <a:rPr lang="en-US" altLang="zh-CN" sz="1800" kern="100" dirty="0" err="1">
+                <a:solidFill>
+                  <a:schemeClr val="tx1"/>
+                </a:solidFill>
+                <a:effectLst/>
+                <a:latin typeface="等线" panose="02010600030101010101" pitchFamily="2" charset="-122"/>
+                <a:ea typeface="等线" panose="02010600030101010101" pitchFamily="2" charset="-122"/>
+                <a:cs typeface="Times New Roman" panose="02020603050405020304" pitchFamily="18" charset="0"/>
+              </a:rPr>
+              <a:t>img_roi_head</a:t>
+            </a:r>
+            <a:endParaRPr lang="zh-CN" altLang="zh-CN" sz="1800" kern="100" dirty="0">
+              <a:solidFill>
+                <a:schemeClr val="tx1"/>
+              </a:solidFill>
+              <a:effectLst/>
+              <a:latin typeface="等线" panose="02010600030101010101" pitchFamily="2" charset="-122"/>
+              <a:ea typeface="等线" panose="02010600030101010101" pitchFamily="2" charset="-122"/>
+              <a:cs typeface="Times New Roman" panose="02020603050405020304" pitchFamily="18" charset="0"/>
+            </a:endParaRPr>
+          </a:p>
+          <a:p>
+            <a:pPr algn="just"/>
+            <a:r>
+              <a:rPr lang="en-US" altLang="zh-CN" sz="1800" kern="100" dirty="0" err="1">
+                <a:solidFill>
+                  <a:schemeClr val="tx1"/>
+                </a:solidFill>
+                <a:effectLst/>
+                <a:latin typeface="等线" panose="02010600030101010101" pitchFamily="2" charset="-122"/>
+                <a:ea typeface="等线" panose="02010600030101010101" pitchFamily="2" charset="-122"/>
+                <a:cs typeface="Times New Roman" panose="02020603050405020304" pitchFamily="18" charset="0"/>
+              </a:rPr>
+              <a:t>img_rpn_head</a:t>
+            </a:r>
+            <a:endParaRPr lang="zh-CN" altLang="zh-CN" sz="1800" kern="100" dirty="0">
+              <a:solidFill>
+                <a:schemeClr val="tx1"/>
+              </a:solidFill>
+              <a:effectLst/>
+              <a:latin typeface="等线" panose="02010600030101010101" pitchFamily="2" charset="-122"/>
+              <a:ea typeface="等线" panose="02010600030101010101" pitchFamily="2" charset="-122"/>
+              <a:cs typeface="Times New Roman" panose="02020603050405020304" pitchFamily="18" charset="0"/>
+            </a:endParaRPr>
+          </a:p>
+          <a:p>
+            <a:pPr algn="just"/>
+            <a:r>
+              <a:rPr lang="en-US" altLang="zh-CN" sz="1800" kern="100" dirty="0" err="1">
+                <a:solidFill>
+                  <a:srgbClr val="FF0000"/>
+                </a:solidFill>
+                <a:effectLst/>
+                <a:latin typeface="等线" panose="02010600030101010101" pitchFamily="2" charset="-122"/>
+                <a:ea typeface="等线" panose="02010600030101010101" pitchFamily="2" charset="-122"/>
+                <a:cs typeface="Times New Roman" panose="02020603050405020304" pitchFamily="18" charset="0"/>
+              </a:rPr>
+              <a:t>train_cfg</a:t>
+            </a:r>
+            <a:endParaRPr lang="zh-CN" altLang="zh-CN" sz="1800" kern="100" dirty="0">
+              <a:solidFill>
+                <a:srgbClr val="FF0000"/>
+              </a:solidFill>
+              <a:effectLst/>
+              <a:latin typeface="等线" panose="02010600030101010101" pitchFamily="2" charset="-122"/>
+              <a:ea typeface="等线" panose="02010600030101010101" pitchFamily="2" charset="-122"/>
+              <a:cs typeface="Times New Roman" panose="02020603050405020304" pitchFamily="18" charset="0"/>
+            </a:endParaRPr>
+          </a:p>
+          <a:p>
+            <a:pPr algn="just"/>
+            <a:r>
+              <a:rPr lang="en-US" altLang="zh-CN" sz="1800" kern="100" dirty="0" err="1">
+                <a:solidFill>
+                  <a:srgbClr val="FF0000"/>
+                </a:solidFill>
+                <a:effectLst/>
+                <a:latin typeface="等线" panose="02010600030101010101" pitchFamily="2" charset="-122"/>
+                <a:ea typeface="等线" panose="02010600030101010101" pitchFamily="2" charset="-122"/>
+                <a:cs typeface="Times New Roman" panose="02020603050405020304" pitchFamily="18" charset="0"/>
+              </a:rPr>
+              <a:t>test_cfg</a:t>
+            </a:r>
+            <a:endParaRPr lang="zh-CN" altLang="zh-CN" sz="1800" kern="100" dirty="0">
+              <a:solidFill>
+                <a:srgbClr val="FF0000"/>
+              </a:solidFill>
+              <a:effectLst/>
+              <a:latin typeface="等线" panose="02010600030101010101" pitchFamily="2" charset="-122"/>
+              <a:ea typeface="等线" panose="02010600030101010101" pitchFamily="2" charset="-122"/>
+              <a:cs typeface="Times New Roman" panose="02020603050405020304" pitchFamily="18" charset="0"/>
+            </a:endParaRPr>
+          </a:p>
+          <a:p>
+            <a:pPr algn="just"/>
+            <a:r>
+              <a:rPr lang="en-US" altLang="zh-CN" sz="1800" kern="100" dirty="0">
+                <a:solidFill>
+                  <a:schemeClr val="tx1"/>
+                </a:solidFill>
+                <a:effectLst/>
+                <a:latin typeface="等线" panose="02010600030101010101" pitchFamily="2" charset="-122"/>
+                <a:ea typeface="等线" panose="02010600030101010101" pitchFamily="2" charset="-122"/>
+                <a:cs typeface="Times New Roman" panose="02020603050405020304" pitchFamily="18" charset="0"/>
+              </a:rPr>
+              <a:t>pretrained</a:t>
+            </a:r>
+            <a:endParaRPr lang="zh-CN" altLang="zh-CN" sz="1800" kern="100" dirty="0">
+              <a:solidFill>
+                <a:schemeClr val="tx1"/>
+              </a:solidFill>
+              <a:effectLst/>
+              <a:latin typeface="等线" panose="02010600030101010101" pitchFamily="2" charset="-122"/>
+              <a:ea typeface="等线" panose="02010600030101010101" pitchFamily="2" charset="-122"/>
+              <a:cs typeface="Times New Roman" panose="02020603050405020304" pitchFamily="18" charset="0"/>
+            </a:endParaRPr>
+          </a:p>
+          <a:p>
+            <a:pPr algn="just"/>
+            <a:r>
+              <a:rPr lang="en-US" altLang="zh-CN" sz="1800" kern="100" dirty="0" err="1">
+                <a:solidFill>
+                  <a:schemeClr val="tx1"/>
+                </a:solidFill>
+                <a:effectLst/>
+                <a:latin typeface="等线" panose="02010600030101010101" pitchFamily="2" charset="-122"/>
+                <a:ea typeface="等线" panose="02010600030101010101" pitchFamily="2" charset="-122"/>
+                <a:cs typeface="Times New Roman" panose="02020603050405020304" pitchFamily="18" charset="0"/>
+              </a:rPr>
+              <a:t>init_cfg</a:t>
+            </a:r>
+            <a:endParaRPr lang="zh-CN" altLang="zh-CN" sz="1800" kern="100" dirty="0">
+              <a:solidFill>
+                <a:schemeClr val="tx1"/>
+              </a:solidFill>
+              <a:effectLst/>
+              <a:latin typeface="等线" panose="02010600030101010101" pitchFamily="2" charset="-122"/>
+              <a:ea typeface="等线" panose="02010600030101010101" pitchFamily="2" charset="-122"/>
+              <a:cs typeface="Times New Roman" panose="02020603050405020304" pitchFamily="18" charset="0"/>
+            </a:endParaRPr>
+          </a:p>
+        </p:txBody>
+      </p:sp>
+      <p:cxnSp>
+        <p:nvCxnSpPr>
+          <p:cNvPr id="7" name="直接箭头连接符 6">
+            <a:extLst>
+              <a:ext uri="{FF2B5EF4-FFF2-40B4-BE49-F238E27FC236}">
+                <a16:creationId xmlns:a16="http://schemas.microsoft.com/office/drawing/2014/main" id="{96C78CEF-212C-DCD2-3EA6-14205C6675E5}"/>
+              </a:ext>
+            </a:extLst>
+          </p:cNvPr>
+          <p:cNvCxnSpPr>
+            <a:cxnSpLocks/>
+            <a:stCxn id="6" idx="0"/>
+            <a:endCxn id="5" idx="2"/>
+          </p:cNvCxnSpPr>
+          <p:nvPr/>
+        </p:nvCxnSpPr>
+        <p:spPr>
+          <a:xfrm flipH="1" flipV="1">
+            <a:off x="7473042" y="998275"/>
+            <a:ext cx="1" cy="204596"/>
+          </a:xfrm>
+          <a:prstGeom prst="straightConnector1">
+            <a:avLst/>
+          </a:prstGeom>
+          <a:ln>
+            <a:tailEnd type="triangle"/>
+          </a:ln>
+        </p:spPr>
+        <p:style>
+          <a:lnRef idx="1">
+            <a:schemeClr val="dk1"/>
+          </a:lnRef>
+          <a:fillRef idx="0">
+            <a:schemeClr val="dk1"/>
+          </a:fillRef>
+          <a:effectRef idx="0">
+            <a:schemeClr val="dk1"/>
+          </a:effectRef>
+          <a:fontRef idx="minor">
+            <a:schemeClr val="tx1"/>
+          </a:fontRef>
+        </p:style>
+      </p:cxnSp>
+      <p:sp>
+        <p:nvSpPr>
+          <p:cNvPr id="8" name="矩形 7">
+            <a:extLst>
+              <a:ext uri="{FF2B5EF4-FFF2-40B4-BE49-F238E27FC236}">
+                <a16:creationId xmlns:a16="http://schemas.microsoft.com/office/drawing/2014/main" id="{A933919C-2D19-4807-7B21-CD01FAB129FA}"/>
+              </a:ext>
+            </a:extLst>
+          </p:cNvPr>
+          <p:cNvSpPr/>
+          <p:nvPr/>
+        </p:nvSpPr>
+        <p:spPr>
+          <a:xfrm>
+            <a:off x="5529943" y="6090557"/>
+            <a:ext cx="3886198" cy="461665"/>
+          </a:xfrm>
+          <a:prstGeom prst="rect">
+            <a:avLst/>
+          </a:prstGeom>
+          <a:noFill/>
+          <a:ln>
+            <a:solidFill>
+              <a:schemeClr val="tx1"/>
+            </a:solidFill>
+          </a:ln>
+        </p:spPr>
+        <p:style>
+          <a:lnRef idx="2">
+            <a:schemeClr val="accent1">
+              <a:shade val="15000"/>
+            </a:schemeClr>
+          </a:lnRef>
+          <a:fillRef idx="1">
+            <a:schemeClr val="accent1"/>
+          </a:fillRef>
+          <a:effectRef idx="0">
+            <a:schemeClr val="accent1"/>
+          </a:effectRef>
+          <a:fontRef idx="minor">
+            <a:schemeClr val="lt1"/>
+          </a:fontRef>
+        </p:style>
+        <p:txBody>
+          <a:bodyPr rtlCol="0" anchor="ctr"/>
+          <a:lstStyle/>
+          <a:p>
+            <a:pPr algn="ctr"/>
+            <a:r>
+              <a:rPr lang="en-US" altLang="zh-CN" dirty="0">
+                <a:solidFill>
+                  <a:schemeClr val="tx1"/>
+                </a:solidFill>
+              </a:rPr>
+              <a:t>FUTR3D</a:t>
+            </a:r>
+            <a:endParaRPr lang="zh-CN" altLang="en-US" dirty="0">
+              <a:solidFill>
+                <a:schemeClr val="tx1"/>
+              </a:solidFill>
+            </a:endParaRPr>
+          </a:p>
+        </p:txBody>
+      </p:sp>
+      <p:cxnSp>
+        <p:nvCxnSpPr>
+          <p:cNvPr id="11" name="直接箭头连接符 10">
+            <a:extLst>
+              <a:ext uri="{FF2B5EF4-FFF2-40B4-BE49-F238E27FC236}">
+                <a16:creationId xmlns:a16="http://schemas.microsoft.com/office/drawing/2014/main" id="{5E7A542D-8B0E-E055-C132-0ED681C49AF2}"/>
+              </a:ext>
+            </a:extLst>
+          </p:cNvPr>
+          <p:cNvCxnSpPr>
+            <a:cxnSpLocks/>
+            <a:stCxn id="8" idx="0"/>
+            <a:endCxn id="6" idx="2"/>
+          </p:cNvCxnSpPr>
+          <p:nvPr/>
+        </p:nvCxnSpPr>
+        <p:spPr>
+          <a:xfrm flipV="1">
+            <a:off x="7473042" y="5655128"/>
+            <a:ext cx="1" cy="435429"/>
+          </a:xfrm>
+          <a:prstGeom prst="straightConnector1">
+            <a:avLst/>
+          </a:prstGeom>
+          <a:ln>
+            <a:tailEnd type="triangle"/>
+          </a:ln>
+        </p:spPr>
+        <p:style>
+          <a:lnRef idx="1">
+            <a:schemeClr val="dk1"/>
+          </a:lnRef>
+          <a:fillRef idx="0">
+            <a:schemeClr val="dk1"/>
+          </a:fillRef>
+          <a:effectRef idx="0">
+            <a:schemeClr val="dk1"/>
+          </a:effectRef>
+          <a:fontRef idx="minor">
+            <a:schemeClr val="tx1"/>
+          </a:fontRef>
+        </p:style>
+      </p:cxnSp>
+    </p:spTree>
+    <p:extLst>
+      <p:ext uri="{BB962C8B-B14F-4D97-AF65-F5344CB8AC3E}">
+        <p14:creationId xmlns:p14="http://schemas.microsoft.com/office/powerpoint/2010/main" val="2351719821"/>
+      </p:ext>
+    </p:extLst>
+  </p:cSld>
+  <p:clrMapOvr>
+    <a:masterClrMapping/>
+  </p:clrMapOvr>
+</p:sld>
+</file>
+
+<file path=ppt/slides/slide31.xml><?xml version="1.0" encoding="utf-8"?>
+<p:sld xmlns:a="http://schemas.openxmlformats.org/drawingml/2006/main" xmlns:r="http://schemas.openxmlformats.org/officeDocument/2006/relationships" xmlns:p="http://schemas.openxmlformats.org/presentationml/2006/main">
+  <p:cSld>
+    <p:spTree>
+      <p:nvGrpSpPr>
+        <p:cNvPr id="1" name=""/>
+        <p:cNvGrpSpPr/>
+        <p:nvPr/>
+      </p:nvGrpSpPr>
+      <p:grpSpPr>
+        <a:xfrm>
+          <a:off x="0" y="0"/>
+          <a:ext cx="0" cy="0"/>
+          <a:chOff x="0" y="0"/>
+          <a:chExt cx="0" cy="0"/>
+        </a:xfrm>
+      </p:grpSpPr>
+      <p:sp>
+        <p:nvSpPr>
+          <p:cNvPr id="4" name="文本框 3">
+            <a:extLst>
+              <a:ext uri="{FF2B5EF4-FFF2-40B4-BE49-F238E27FC236}">
+                <a16:creationId xmlns:a16="http://schemas.microsoft.com/office/drawing/2014/main" id="{42604774-9289-2DDD-61F0-F10DC0E7C4F2}"/>
+              </a:ext>
+            </a:extLst>
+          </p:cNvPr>
+          <p:cNvSpPr txBox="1"/>
+          <p:nvPr/>
+        </p:nvSpPr>
+        <p:spPr>
+          <a:xfrm>
+            <a:off x="4253349" y="0"/>
+            <a:ext cx="3539752" cy="461665"/>
+          </a:xfrm>
+          <a:prstGeom prst="rect">
+            <a:avLst/>
+          </a:prstGeom>
+          <a:noFill/>
+        </p:spPr>
+        <p:txBody>
+          <a:bodyPr wrap="none" rtlCol="0">
+            <a:spAutoFit/>
+          </a:bodyPr>
+          <a:lstStyle/>
+          <a:p>
+            <a:r>
+              <a:rPr lang="en-US" altLang="zh-CN" sz="2400" dirty="0"/>
+              <a:t>Futr3D</a:t>
+            </a:r>
+            <a:r>
+              <a:rPr lang="zh-CN" altLang="en-US" sz="2400" dirty="0"/>
+              <a:t>激光视觉配置文件</a:t>
+            </a:r>
+          </a:p>
+        </p:txBody>
+      </p:sp>
+      <p:sp>
+        <p:nvSpPr>
+          <p:cNvPr id="5" name="矩形 4">
+            <a:extLst>
+              <a:ext uri="{FF2B5EF4-FFF2-40B4-BE49-F238E27FC236}">
+                <a16:creationId xmlns:a16="http://schemas.microsoft.com/office/drawing/2014/main" id="{BAFC8AB6-C917-0F44-DB84-DCC53DCBEDE5}"/>
+              </a:ext>
+            </a:extLst>
+          </p:cNvPr>
+          <p:cNvSpPr/>
+          <p:nvPr/>
+        </p:nvSpPr>
+        <p:spPr>
+          <a:xfrm>
+            <a:off x="5529943" y="536610"/>
+            <a:ext cx="3886197" cy="461665"/>
+          </a:xfrm>
+          <a:prstGeom prst="rect">
+            <a:avLst/>
+          </a:prstGeom>
+          <a:noFill/>
+          <a:ln>
+            <a:solidFill>
+              <a:schemeClr val="tx1"/>
+            </a:solidFill>
+          </a:ln>
+        </p:spPr>
+        <p:style>
+          <a:lnRef idx="2">
+            <a:schemeClr val="accent1">
+              <a:shade val="15000"/>
+            </a:schemeClr>
+          </a:lnRef>
+          <a:fillRef idx="1">
+            <a:schemeClr val="accent1"/>
+          </a:fillRef>
+          <a:effectRef idx="0">
+            <a:schemeClr val="accent1"/>
+          </a:effectRef>
+          <a:fontRef idx="minor">
+            <a:schemeClr val="lt1"/>
+          </a:fontRef>
+        </p:style>
+        <p:txBody>
+          <a:bodyPr rtlCol="0" anchor="ctr"/>
+          <a:lstStyle/>
+          <a:p>
+            <a:pPr algn="ctr"/>
+            <a:r>
+              <a:rPr lang="en-US" altLang="zh-CN" dirty="0">
+                <a:solidFill>
+                  <a:schemeClr val="tx1"/>
+                </a:solidFill>
+              </a:rPr>
+              <a:t>Base3DDetector</a:t>
+            </a:r>
+            <a:endParaRPr lang="zh-CN" altLang="en-US" dirty="0">
+              <a:solidFill>
+                <a:schemeClr val="tx1"/>
+              </a:solidFill>
+            </a:endParaRPr>
+          </a:p>
+        </p:txBody>
+      </p:sp>
+      <p:sp>
+        <p:nvSpPr>
+          <p:cNvPr id="6" name="矩形 5">
+            <a:extLst>
+              <a:ext uri="{FF2B5EF4-FFF2-40B4-BE49-F238E27FC236}">
+                <a16:creationId xmlns:a16="http://schemas.microsoft.com/office/drawing/2014/main" id="{9B0E5440-7707-AF63-62BA-910AD2D0298D}"/>
+              </a:ext>
+            </a:extLst>
+          </p:cNvPr>
+          <p:cNvSpPr/>
+          <p:nvPr/>
+        </p:nvSpPr>
+        <p:spPr>
+          <a:xfrm>
+            <a:off x="5529943" y="1202871"/>
+            <a:ext cx="3886200" cy="4452257"/>
+          </a:xfrm>
+          <a:prstGeom prst="rect">
+            <a:avLst/>
+          </a:prstGeom>
+          <a:noFill/>
+          <a:ln>
+            <a:solidFill>
+              <a:schemeClr val="tx1"/>
+            </a:solidFill>
+          </a:ln>
+        </p:spPr>
+        <p:style>
+          <a:lnRef idx="2">
+            <a:schemeClr val="accent1">
+              <a:shade val="15000"/>
+            </a:schemeClr>
+          </a:lnRef>
+          <a:fillRef idx="1">
+            <a:schemeClr val="accent1"/>
+          </a:fillRef>
+          <a:effectRef idx="0">
+            <a:schemeClr val="accent1"/>
+          </a:effectRef>
+          <a:fontRef idx="minor">
+            <a:schemeClr val="lt1"/>
+          </a:fontRef>
+        </p:style>
+        <p:txBody>
+          <a:bodyPr rtlCol="0" anchor="ctr"/>
+          <a:lstStyle/>
+          <a:p>
+            <a:pPr algn="just"/>
+            <a:r>
+              <a:rPr lang="en-US" altLang="zh-CN" sz="1800" kern="100" dirty="0" err="1">
+                <a:solidFill>
+                  <a:schemeClr val="tx1"/>
+                </a:solidFill>
+                <a:effectLst/>
+                <a:latin typeface="等线" panose="02010600030101010101" pitchFamily="2" charset="-122"/>
+                <a:ea typeface="等线" panose="02010600030101010101" pitchFamily="2" charset="-122"/>
+                <a:cs typeface="Times New Roman" panose="02020603050405020304" pitchFamily="18" charset="0"/>
+              </a:rPr>
+              <a:t>MVXTwoStageDetector</a:t>
+            </a:r>
+            <a:endParaRPr lang="zh-CN" altLang="zh-CN" sz="1800" kern="100" dirty="0">
+              <a:solidFill>
+                <a:schemeClr val="tx1"/>
+              </a:solidFill>
+              <a:effectLst/>
+              <a:latin typeface="等线" panose="02010600030101010101" pitchFamily="2" charset="-122"/>
+              <a:ea typeface="等线" panose="02010600030101010101" pitchFamily="2" charset="-122"/>
+              <a:cs typeface="Times New Roman" panose="02020603050405020304" pitchFamily="18" charset="0"/>
+            </a:endParaRPr>
+          </a:p>
+          <a:p>
+            <a:pPr algn="just"/>
+            <a:r>
+              <a:rPr lang="en-US" altLang="zh-CN" sz="1800" kern="100" dirty="0" err="1">
+                <a:solidFill>
+                  <a:srgbClr val="FF0000"/>
+                </a:solidFill>
+                <a:effectLst/>
+                <a:latin typeface="等线" panose="02010600030101010101" pitchFamily="2" charset="-122"/>
+                <a:ea typeface="等线" panose="02010600030101010101" pitchFamily="2" charset="-122"/>
+                <a:cs typeface="Times New Roman" panose="02020603050405020304" pitchFamily="18" charset="0"/>
+              </a:rPr>
+              <a:t>pts_voxel_layer</a:t>
+            </a:r>
+            <a:endParaRPr lang="zh-CN" altLang="zh-CN" sz="1800" kern="100" dirty="0">
+              <a:solidFill>
+                <a:srgbClr val="FF0000"/>
+              </a:solidFill>
+              <a:effectLst/>
+              <a:latin typeface="等线" panose="02010600030101010101" pitchFamily="2" charset="-122"/>
+              <a:ea typeface="等线" panose="02010600030101010101" pitchFamily="2" charset="-122"/>
+              <a:cs typeface="Times New Roman" panose="02020603050405020304" pitchFamily="18" charset="0"/>
+            </a:endParaRPr>
+          </a:p>
+          <a:p>
+            <a:pPr algn="just"/>
+            <a:r>
+              <a:rPr lang="en-US" altLang="zh-CN" sz="1800" kern="100" dirty="0" err="1">
+                <a:solidFill>
+                  <a:srgbClr val="FF0000"/>
+                </a:solidFill>
+                <a:effectLst/>
+                <a:latin typeface="等线" panose="02010600030101010101" pitchFamily="2" charset="-122"/>
+                <a:ea typeface="等线" panose="02010600030101010101" pitchFamily="2" charset="-122"/>
+                <a:cs typeface="Times New Roman" panose="02020603050405020304" pitchFamily="18" charset="0"/>
+              </a:rPr>
+              <a:t>pts_voxel_encoder</a:t>
+            </a:r>
+            <a:r>
+              <a:rPr lang="en-US" altLang="zh-CN" sz="1800" kern="100" dirty="0" err="1">
+                <a:solidFill>
+                  <a:schemeClr val="tx1"/>
+                </a:solidFill>
+                <a:effectLst/>
+                <a:latin typeface="等线" panose="02010600030101010101" pitchFamily="2" charset="-122"/>
+                <a:ea typeface="等线" panose="02010600030101010101" pitchFamily="2" charset="-122"/>
+                <a:cs typeface="Times New Roman" panose="02020603050405020304" pitchFamily="18" charset="0"/>
+              </a:rPr>
+              <a:t>:HardSimpleVFE</a:t>
+            </a:r>
+            <a:endParaRPr lang="zh-CN" altLang="zh-CN" sz="1800" kern="100" dirty="0">
+              <a:solidFill>
+                <a:schemeClr val="tx1"/>
+              </a:solidFill>
+              <a:effectLst/>
+              <a:latin typeface="等线" panose="02010600030101010101" pitchFamily="2" charset="-122"/>
+              <a:ea typeface="等线" panose="02010600030101010101" pitchFamily="2" charset="-122"/>
+              <a:cs typeface="Times New Roman" panose="02020603050405020304" pitchFamily="18" charset="0"/>
+            </a:endParaRPr>
+          </a:p>
+          <a:p>
+            <a:pPr algn="just"/>
+            <a:r>
+              <a:rPr lang="en-US" altLang="zh-CN" sz="1800" kern="100" dirty="0" err="1">
+                <a:solidFill>
+                  <a:srgbClr val="FF0000"/>
+                </a:solidFill>
+                <a:effectLst/>
+                <a:latin typeface="等线" panose="02010600030101010101" pitchFamily="2" charset="-122"/>
+                <a:ea typeface="等线" panose="02010600030101010101" pitchFamily="2" charset="-122"/>
+                <a:cs typeface="Times New Roman" panose="02020603050405020304" pitchFamily="18" charset="0"/>
+              </a:rPr>
+              <a:t>pts_middle_encoder</a:t>
+            </a:r>
+            <a:r>
+              <a:rPr lang="en-US" altLang="zh-CN" sz="1800" kern="100" dirty="0" err="1">
+                <a:solidFill>
+                  <a:schemeClr val="tx1"/>
+                </a:solidFill>
+                <a:effectLst/>
+                <a:latin typeface="等线" panose="02010600030101010101" pitchFamily="2" charset="-122"/>
+                <a:ea typeface="等线" panose="02010600030101010101" pitchFamily="2" charset="-122"/>
+                <a:cs typeface="Times New Roman" panose="02020603050405020304" pitchFamily="18" charset="0"/>
+              </a:rPr>
+              <a:t>:SparseEncoder</a:t>
+            </a:r>
+            <a:endParaRPr lang="zh-CN" altLang="zh-CN" sz="1800" kern="100" dirty="0">
+              <a:solidFill>
+                <a:schemeClr val="tx1"/>
+              </a:solidFill>
+              <a:effectLst/>
+              <a:latin typeface="等线" panose="02010600030101010101" pitchFamily="2" charset="-122"/>
+              <a:ea typeface="等线" panose="02010600030101010101" pitchFamily="2" charset="-122"/>
+              <a:cs typeface="Times New Roman" panose="02020603050405020304" pitchFamily="18" charset="0"/>
+            </a:endParaRPr>
+          </a:p>
+          <a:p>
+            <a:pPr algn="just"/>
+            <a:r>
+              <a:rPr lang="en-US" altLang="zh-CN" sz="1800" kern="100" dirty="0" err="1">
+                <a:solidFill>
+                  <a:schemeClr val="tx1"/>
+                </a:solidFill>
+                <a:effectLst/>
+                <a:latin typeface="等线" panose="02010600030101010101" pitchFamily="2" charset="-122"/>
+                <a:ea typeface="等线" panose="02010600030101010101" pitchFamily="2" charset="-122"/>
+                <a:cs typeface="Times New Roman" panose="02020603050405020304" pitchFamily="18" charset="0"/>
+              </a:rPr>
+              <a:t>pts_fusion_layer</a:t>
+            </a:r>
+            <a:endParaRPr lang="zh-CN" altLang="zh-CN" sz="1800" kern="100" dirty="0">
+              <a:solidFill>
+                <a:schemeClr val="tx1"/>
+              </a:solidFill>
+              <a:effectLst/>
+              <a:latin typeface="等线" panose="02010600030101010101" pitchFamily="2" charset="-122"/>
+              <a:ea typeface="等线" panose="02010600030101010101" pitchFamily="2" charset="-122"/>
+              <a:cs typeface="Times New Roman" panose="02020603050405020304" pitchFamily="18" charset="0"/>
+            </a:endParaRPr>
+          </a:p>
+          <a:p>
+            <a:pPr algn="just"/>
+            <a:r>
+              <a:rPr lang="en-US" altLang="zh-CN" sz="1800" kern="100" dirty="0" err="1">
+                <a:solidFill>
+                  <a:srgbClr val="FF0000"/>
+                </a:solidFill>
+                <a:effectLst/>
+                <a:latin typeface="等线" panose="02010600030101010101" pitchFamily="2" charset="-122"/>
+                <a:ea typeface="等线" panose="02010600030101010101" pitchFamily="2" charset="-122"/>
+                <a:cs typeface="Times New Roman" panose="02020603050405020304" pitchFamily="18" charset="0"/>
+              </a:rPr>
+              <a:t>img_backbone:</a:t>
+            </a:r>
+            <a:r>
+              <a:rPr lang="en-US" altLang="zh-CN" sz="1800" kern="100" dirty="0" err="1">
+                <a:solidFill>
+                  <a:schemeClr val="tx1"/>
+                </a:solidFill>
+                <a:effectLst/>
+                <a:latin typeface="等线" panose="02010600030101010101" pitchFamily="2" charset="-122"/>
+                <a:ea typeface="等线" panose="02010600030101010101" pitchFamily="2" charset="-122"/>
+                <a:cs typeface="Times New Roman" panose="02020603050405020304" pitchFamily="18" charset="0"/>
+              </a:rPr>
+              <a:t>ResNet</a:t>
+            </a:r>
+            <a:endParaRPr lang="zh-CN" altLang="zh-CN" sz="1800" kern="100" dirty="0">
+              <a:solidFill>
+                <a:schemeClr val="tx1"/>
+              </a:solidFill>
+              <a:effectLst/>
+              <a:latin typeface="等线" panose="02010600030101010101" pitchFamily="2" charset="-122"/>
+              <a:ea typeface="等线" panose="02010600030101010101" pitchFamily="2" charset="-122"/>
+              <a:cs typeface="Times New Roman" panose="02020603050405020304" pitchFamily="18" charset="0"/>
+            </a:endParaRPr>
+          </a:p>
+          <a:p>
+            <a:pPr algn="just"/>
+            <a:r>
+              <a:rPr lang="en-US" altLang="zh-CN" sz="1800" kern="100" dirty="0" err="1">
+                <a:solidFill>
+                  <a:srgbClr val="FF0000"/>
+                </a:solidFill>
+                <a:effectLst/>
+                <a:latin typeface="等线" panose="02010600030101010101" pitchFamily="2" charset="-122"/>
+                <a:ea typeface="等线" panose="02010600030101010101" pitchFamily="2" charset="-122"/>
+                <a:cs typeface="Times New Roman" panose="02020603050405020304" pitchFamily="18" charset="0"/>
+              </a:rPr>
+              <a:t>pts_backbone:</a:t>
+            </a:r>
+            <a:r>
+              <a:rPr lang="en-US" altLang="zh-CN" sz="1800" kern="100" dirty="0" err="1">
+                <a:solidFill>
+                  <a:schemeClr val="tx1"/>
+                </a:solidFill>
+                <a:effectLst/>
+                <a:latin typeface="等线" panose="02010600030101010101" pitchFamily="2" charset="-122"/>
+                <a:ea typeface="等线" panose="02010600030101010101" pitchFamily="2" charset="-122"/>
+                <a:cs typeface="Times New Roman" panose="02020603050405020304" pitchFamily="18" charset="0"/>
+              </a:rPr>
+              <a:t>SECOND</a:t>
+            </a:r>
+            <a:endParaRPr lang="zh-CN" altLang="zh-CN" sz="1800" kern="100" dirty="0">
+              <a:solidFill>
+                <a:schemeClr val="tx1"/>
+              </a:solidFill>
+              <a:effectLst/>
+              <a:latin typeface="等线" panose="02010600030101010101" pitchFamily="2" charset="-122"/>
+              <a:ea typeface="等线" panose="02010600030101010101" pitchFamily="2" charset="-122"/>
+              <a:cs typeface="Times New Roman" panose="02020603050405020304" pitchFamily="18" charset="0"/>
+            </a:endParaRPr>
+          </a:p>
+          <a:p>
+            <a:pPr algn="just"/>
+            <a:r>
+              <a:rPr lang="en-US" altLang="zh-CN" sz="1800" kern="100" dirty="0" err="1">
+                <a:solidFill>
+                  <a:srgbClr val="FF0000"/>
+                </a:solidFill>
+                <a:effectLst/>
+                <a:latin typeface="等线" panose="02010600030101010101" pitchFamily="2" charset="-122"/>
+                <a:ea typeface="等线" panose="02010600030101010101" pitchFamily="2" charset="-122"/>
+                <a:cs typeface="Times New Roman" panose="02020603050405020304" pitchFamily="18" charset="0"/>
+              </a:rPr>
+              <a:t>img_neck</a:t>
+            </a:r>
+            <a:r>
+              <a:rPr lang="en-US" altLang="zh-CN" sz="1800" kern="100" dirty="0" err="1">
+                <a:solidFill>
+                  <a:schemeClr val="tx1"/>
+                </a:solidFill>
+                <a:effectLst/>
+                <a:latin typeface="等线" panose="02010600030101010101" pitchFamily="2" charset="-122"/>
+                <a:ea typeface="等线" panose="02010600030101010101" pitchFamily="2" charset="-122"/>
+                <a:cs typeface="Times New Roman" panose="02020603050405020304" pitchFamily="18" charset="0"/>
+              </a:rPr>
+              <a:t>:FPN</a:t>
+            </a:r>
+            <a:endParaRPr lang="zh-CN" altLang="zh-CN" sz="1800" kern="100" dirty="0">
+              <a:solidFill>
+                <a:schemeClr val="tx1"/>
+              </a:solidFill>
+              <a:effectLst/>
+              <a:latin typeface="等线" panose="02010600030101010101" pitchFamily="2" charset="-122"/>
+              <a:ea typeface="等线" panose="02010600030101010101" pitchFamily="2" charset="-122"/>
+              <a:cs typeface="Times New Roman" panose="02020603050405020304" pitchFamily="18" charset="0"/>
+            </a:endParaRPr>
+          </a:p>
+          <a:p>
+            <a:pPr algn="just"/>
+            <a:r>
+              <a:rPr lang="en-US" altLang="zh-CN" sz="1800" kern="100" dirty="0" err="1">
+                <a:solidFill>
+                  <a:srgbClr val="FF0000"/>
+                </a:solidFill>
+                <a:effectLst/>
+                <a:latin typeface="等线" panose="02010600030101010101" pitchFamily="2" charset="-122"/>
+                <a:ea typeface="等线" panose="02010600030101010101" pitchFamily="2" charset="-122"/>
+                <a:cs typeface="Times New Roman" panose="02020603050405020304" pitchFamily="18" charset="0"/>
+              </a:rPr>
+              <a:t>pts_neck</a:t>
+            </a:r>
+            <a:r>
+              <a:rPr lang="en-US" altLang="zh-CN" sz="1800" kern="100" dirty="0" err="1">
+                <a:solidFill>
+                  <a:schemeClr val="tx1"/>
+                </a:solidFill>
+                <a:effectLst/>
+                <a:latin typeface="等线" panose="02010600030101010101" pitchFamily="2" charset="-122"/>
+                <a:ea typeface="等线" panose="02010600030101010101" pitchFamily="2" charset="-122"/>
+                <a:cs typeface="Times New Roman" panose="02020603050405020304" pitchFamily="18" charset="0"/>
+              </a:rPr>
+              <a:t>:FPN</a:t>
+            </a:r>
+            <a:endParaRPr lang="zh-CN" altLang="zh-CN" sz="1800" kern="100" dirty="0">
+              <a:solidFill>
+                <a:schemeClr val="tx1"/>
+              </a:solidFill>
+              <a:effectLst/>
+              <a:latin typeface="等线" panose="02010600030101010101" pitchFamily="2" charset="-122"/>
+              <a:ea typeface="等线" panose="02010600030101010101" pitchFamily="2" charset="-122"/>
+              <a:cs typeface="Times New Roman" panose="02020603050405020304" pitchFamily="18" charset="0"/>
+            </a:endParaRPr>
+          </a:p>
+          <a:p>
+            <a:pPr algn="just"/>
+            <a:r>
+              <a:rPr lang="en-US" altLang="zh-CN" sz="1800" kern="100" dirty="0">
+                <a:solidFill>
+                  <a:srgbClr val="FF0000"/>
+                </a:solidFill>
+                <a:effectLst/>
+                <a:latin typeface="等线" panose="02010600030101010101" pitchFamily="2" charset="-122"/>
+                <a:ea typeface="等线" panose="02010600030101010101" pitchFamily="2" charset="-122"/>
+                <a:cs typeface="Times New Roman" panose="02020603050405020304" pitchFamily="18" charset="0"/>
+              </a:rPr>
+              <a:t>pts_bbox_head</a:t>
+            </a:r>
+            <a:r>
+              <a:rPr lang="en-US" altLang="zh-CN" sz="1800" kern="100" dirty="0">
+                <a:solidFill>
+                  <a:schemeClr val="tx1"/>
+                </a:solidFill>
+                <a:effectLst/>
+                <a:latin typeface="等线" panose="02010600030101010101" pitchFamily="2" charset="-122"/>
+                <a:ea typeface="等线" panose="02010600030101010101" pitchFamily="2" charset="-122"/>
+                <a:cs typeface="Times New Roman" panose="02020603050405020304" pitchFamily="18" charset="0"/>
+              </a:rPr>
+              <a:t>:FUTR3DHead</a:t>
+            </a:r>
+            <a:endParaRPr lang="zh-CN" altLang="zh-CN" sz="1800" kern="100" dirty="0">
+              <a:solidFill>
+                <a:schemeClr val="tx1"/>
+              </a:solidFill>
+              <a:effectLst/>
+              <a:latin typeface="等线" panose="02010600030101010101" pitchFamily="2" charset="-122"/>
+              <a:ea typeface="等线" panose="02010600030101010101" pitchFamily="2" charset="-122"/>
+              <a:cs typeface="Times New Roman" panose="02020603050405020304" pitchFamily="18" charset="0"/>
+            </a:endParaRPr>
+          </a:p>
+          <a:p>
+            <a:pPr algn="just"/>
+            <a:r>
+              <a:rPr lang="en-US" altLang="zh-CN" sz="1800" kern="100" dirty="0" err="1">
+                <a:solidFill>
+                  <a:schemeClr val="tx1"/>
+                </a:solidFill>
+                <a:effectLst/>
+                <a:latin typeface="等线" panose="02010600030101010101" pitchFamily="2" charset="-122"/>
+                <a:ea typeface="等线" panose="02010600030101010101" pitchFamily="2" charset="-122"/>
+                <a:cs typeface="Times New Roman" panose="02020603050405020304" pitchFamily="18" charset="0"/>
+              </a:rPr>
+              <a:t>img_roi_head</a:t>
+            </a:r>
+            <a:endParaRPr lang="zh-CN" altLang="zh-CN" sz="1800" kern="100" dirty="0">
+              <a:solidFill>
+                <a:schemeClr val="tx1"/>
+              </a:solidFill>
+              <a:effectLst/>
+              <a:latin typeface="等线" panose="02010600030101010101" pitchFamily="2" charset="-122"/>
+              <a:ea typeface="等线" panose="02010600030101010101" pitchFamily="2" charset="-122"/>
+              <a:cs typeface="Times New Roman" panose="02020603050405020304" pitchFamily="18" charset="0"/>
+            </a:endParaRPr>
+          </a:p>
+          <a:p>
+            <a:pPr algn="just"/>
+            <a:r>
+              <a:rPr lang="en-US" altLang="zh-CN" sz="1800" kern="100" dirty="0" err="1">
+                <a:solidFill>
+                  <a:schemeClr val="tx1"/>
+                </a:solidFill>
+                <a:effectLst/>
+                <a:latin typeface="等线" panose="02010600030101010101" pitchFamily="2" charset="-122"/>
+                <a:ea typeface="等线" panose="02010600030101010101" pitchFamily="2" charset="-122"/>
+                <a:cs typeface="Times New Roman" panose="02020603050405020304" pitchFamily="18" charset="0"/>
+              </a:rPr>
+              <a:t>img_rpn_head</a:t>
+            </a:r>
+            <a:endParaRPr lang="zh-CN" altLang="zh-CN" sz="1800" kern="100" dirty="0">
+              <a:solidFill>
+                <a:schemeClr val="tx1"/>
+              </a:solidFill>
+              <a:effectLst/>
+              <a:latin typeface="等线" panose="02010600030101010101" pitchFamily="2" charset="-122"/>
+              <a:ea typeface="等线" panose="02010600030101010101" pitchFamily="2" charset="-122"/>
+              <a:cs typeface="Times New Roman" panose="02020603050405020304" pitchFamily="18" charset="0"/>
+            </a:endParaRPr>
+          </a:p>
+          <a:p>
+            <a:pPr algn="just"/>
+            <a:r>
+              <a:rPr lang="en-US" altLang="zh-CN" sz="1800" kern="100" dirty="0" err="1">
+                <a:solidFill>
+                  <a:srgbClr val="FF0000"/>
+                </a:solidFill>
+                <a:effectLst/>
+                <a:latin typeface="等线" panose="02010600030101010101" pitchFamily="2" charset="-122"/>
+                <a:ea typeface="等线" panose="02010600030101010101" pitchFamily="2" charset="-122"/>
+                <a:cs typeface="Times New Roman" panose="02020603050405020304" pitchFamily="18" charset="0"/>
+              </a:rPr>
+              <a:t>train_cfg</a:t>
+            </a:r>
+            <a:endParaRPr lang="zh-CN" altLang="zh-CN" sz="1800" kern="100" dirty="0">
+              <a:solidFill>
+                <a:srgbClr val="FF0000"/>
+              </a:solidFill>
+              <a:effectLst/>
+              <a:latin typeface="等线" panose="02010600030101010101" pitchFamily="2" charset="-122"/>
+              <a:ea typeface="等线" panose="02010600030101010101" pitchFamily="2" charset="-122"/>
+              <a:cs typeface="Times New Roman" panose="02020603050405020304" pitchFamily="18" charset="0"/>
+            </a:endParaRPr>
+          </a:p>
+          <a:p>
+            <a:pPr algn="just"/>
+            <a:r>
+              <a:rPr lang="en-US" altLang="zh-CN" sz="1800" kern="100" dirty="0" err="1">
+                <a:solidFill>
+                  <a:srgbClr val="FF0000"/>
+                </a:solidFill>
+                <a:effectLst/>
+                <a:latin typeface="等线" panose="02010600030101010101" pitchFamily="2" charset="-122"/>
+                <a:ea typeface="等线" panose="02010600030101010101" pitchFamily="2" charset="-122"/>
+                <a:cs typeface="Times New Roman" panose="02020603050405020304" pitchFamily="18" charset="0"/>
+              </a:rPr>
+              <a:t>test_cfg</a:t>
+            </a:r>
+            <a:endParaRPr lang="zh-CN" altLang="zh-CN" sz="1800" kern="100" dirty="0">
+              <a:solidFill>
+                <a:srgbClr val="FF0000"/>
+              </a:solidFill>
+              <a:effectLst/>
+              <a:latin typeface="等线" panose="02010600030101010101" pitchFamily="2" charset="-122"/>
+              <a:ea typeface="等线" panose="02010600030101010101" pitchFamily="2" charset="-122"/>
+              <a:cs typeface="Times New Roman" panose="02020603050405020304" pitchFamily="18" charset="0"/>
+            </a:endParaRPr>
+          </a:p>
+          <a:p>
+            <a:pPr algn="just"/>
+            <a:r>
+              <a:rPr lang="en-US" altLang="zh-CN" sz="1800" kern="100" dirty="0">
+                <a:solidFill>
+                  <a:schemeClr val="tx1"/>
+                </a:solidFill>
+                <a:effectLst/>
+                <a:latin typeface="等线" panose="02010600030101010101" pitchFamily="2" charset="-122"/>
+                <a:ea typeface="等线" panose="02010600030101010101" pitchFamily="2" charset="-122"/>
+                <a:cs typeface="Times New Roman" panose="02020603050405020304" pitchFamily="18" charset="0"/>
+              </a:rPr>
+              <a:t>pretrained</a:t>
+            </a:r>
+            <a:endParaRPr lang="zh-CN" altLang="zh-CN" sz="1800" kern="100" dirty="0">
+              <a:solidFill>
+                <a:schemeClr val="tx1"/>
+              </a:solidFill>
+              <a:effectLst/>
+              <a:latin typeface="等线" panose="02010600030101010101" pitchFamily="2" charset="-122"/>
+              <a:ea typeface="等线" panose="02010600030101010101" pitchFamily="2" charset="-122"/>
+              <a:cs typeface="Times New Roman" panose="02020603050405020304" pitchFamily="18" charset="0"/>
+            </a:endParaRPr>
+          </a:p>
+          <a:p>
+            <a:pPr algn="just"/>
+            <a:r>
+              <a:rPr lang="en-US" altLang="zh-CN" sz="1800" kern="100" dirty="0" err="1">
+                <a:solidFill>
+                  <a:schemeClr val="tx1"/>
+                </a:solidFill>
+                <a:effectLst/>
+                <a:latin typeface="等线" panose="02010600030101010101" pitchFamily="2" charset="-122"/>
+                <a:ea typeface="等线" panose="02010600030101010101" pitchFamily="2" charset="-122"/>
+                <a:cs typeface="Times New Roman" panose="02020603050405020304" pitchFamily="18" charset="0"/>
+              </a:rPr>
+              <a:t>init_cfg</a:t>
+            </a:r>
+            <a:endParaRPr lang="zh-CN" altLang="zh-CN" sz="1800" kern="100" dirty="0">
+              <a:solidFill>
+                <a:schemeClr val="tx1"/>
+              </a:solidFill>
+              <a:effectLst/>
+              <a:latin typeface="等线" panose="02010600030101010101" pitchFamily="2" charset="-122"/>
+              <a:ea typeface="等线" panose="02010600030101010101" pitchFamily="2" charset="-122"/>
+              <a:cs typeface="Times New Roman" panose="02020603050405020304" pitchFamily="18" charset="0"/>
+            </a:endParaRPr>
+          </a:p>
+        </p:txBody>
+      </p:sp>
+      <p:cxnSp>
+        <p:nvCxnSpPr>
+          <p:cNvPr id="7" name="直接箭头连接符 6">
+            <a:extLst>
+              <a:ext uri="{FF2B5EF4-FFF2-40B4-BE49-F238E27FC236}">
+                <a16:creationId xmlns:a16="http://schemas.microsoft.com/office/drawing/2014/main" id="{96C78CEF-212C-DCD2-3EA6-14205C6675E5}"/>
+              </a:ext>
+            </a:extLst>
+          </p:cNvPr>
+          <p:cNvCxnSpPr>
+            <a:cxnSpLocks/>
+            <a:stCxn id="6" idx="0"/>
+            <a:endCxn id="5" idx="2"/>
+          </p:cNvCxnSpPr>
+          <p:nvPr/>
+        </p:nvCxnSpPr>
+        <p:spPr>
+          <a:xfrm flipH="1" flipV="1">
+            <a:off x="7473042" y="998275"/>
+            <a:ext cx="1" cy="204596"/>
+          </a:xfrm>
+          <a:prstGeom prst="straightConnector1">
+            <a:avLst/>
+          </a:prstGeom>
+          <a:ln>
+            <a:tailEnd type="triangle"/>
+          </a:ln>
+        </p:spPr>
+        <p:style>
+          <a:lnRef idx="1">
+            <a:schemeClr val="dk1"/>
+          </a:lnRef>
+          <a:fillRef idx="0">
+            <a:schemeClr val="dk1"/>
+          </a:fillRef>
+          <a:effectRef idx="0">
+            <a:schemeClr val="dk1"/>
+          </a:effectRef>
+          <a:fontRef idx="minor">
+            <a:schemeClr val="tx1"/>
+          </a:fontRef>
+        </p:style>
+      </p:cxnSp>
+      <p:sp>
+        <p:nvSpPr>
+          <p:cNvPr id="8" name="矩形 7">
+            <a:extLst>
+              <a:ext uri="{FF2B5EF4-FFF2-40B4-BE49-F238E27FC236}">
+                <a16:creationId xmlns:a16="http://schemas.microsoft.com/office/drawing/2014/main" id="{A933919C-2D19-4807-7B21-CD01FAB129FA}"/>
+              </a:ext>
+            </a:extLst>
+          </p:cNvPr>
+          <p:cNvSpPr/>
+          <p:nvPr/>
+        </p:nvSpPr>
+        <p:spPr>
+          <a:xfrm>
+            <a:off x="5529943" y="6090557"/>
+            <a:ext cx="3886198" cy="461665"/>
+          </a:xfrm>
+          <a:prstGeom prst="rect">
+            <a:avLst/>
+          </a:prstGeom>
+          <a:noFill/>
+          <a:ln>
+            <a:solidFill>
+              <a:schemeClr val="tx1"/>
+            </a:solidFill>
+          </a:ln>
+        </p:spPr>
+        <p:style>
+          <a:lnRef idx="2">
+            <a:schemeClr val="accent1">
+              <a:shade val="15000"/>
+            </a:schemeClr>
+          </a:lnRef>
+          <a:fillRef idx="1">
+            <a:schemeClr val="accent1"/>
+          </a:fillRef>
+          <a:effectRef idx="0">
+            <a:schemeClr val="accent1"/>
+          </a:effectRef>
+          <a:fontRef idx="minor">
+            <a:schemeClr val="lt1"/>
+          </a:fontRef>
+        </p:style>
+        <p:txBody>
+          <a:bodyPr rtlCol="0" anchor="ctr"/>
+          <a:lstStyle/>
+          <a:p>
+            <a:pPr algn="ctr"/>
+            <a:r>
+              <a:rPr lang="en-US" altLang="zh-CN" dirty="0">
+                <a:solidFill>
+                  <a:schemeClr val="tx1"/>
+                </a:solidFill>
+              </a:rPr>
+              <a:t>FUTR3D</a:t>
+            </a:r>
+            <a:endParaRPr lang="zh-CN" altLang="en-US" dirty="0">
+              <a:solidFill>
+                <a:schemeClr val="tx1"/>
+              </a:solidFill>
+            </a:endParaRPr>
+          </a:p>
+        </p:txBody>
+      </p:sp>
+      <p:cxnSp>
+        <p:nvCxnSpPr>
+          <p:cNvPr id="11" name="直接箭头连接符 10">
+            <a:extLst>
+              <a:ext uri="{FF2B5EF4-FFF2-40B4-BE49-F238E27FC236}">
+                <a16:creationId xmlns:a16="http://schemas.microsoft.com/office/drawing/2014/main" id="{5E7A542D-8B0E-E055-C132-0ED681C49AF2}"/>
+              </a:ext>
+            </a:extLst>
+          </p:cNvPr>
+          <p:cNvCxnSpPr>
+            <a:cxnSpLocks/>
+            <a:stCxn id="8" idx="0"/>
+            <a:endCxn id="6" idx="2"/>
+          </p:cNvCxnSpPr>
+          <p:nvPr/>
+        </p:nvCxnSpPr>
+        <p:spPr>
+          <a:xfrm flipV="1">
+            <a:off x="7473042" y="5655128"/>
+            <a:ext cx="1" cy="435429"/>
+          </a:xfrm>
+          <a:prstGeom prst="straightConnector1">
+            <a:avLst/>
+          </a:prstGeom>
+          <a:ln>
+            <a:tailEnd type="triangle"/>
+          </a:ln>
+        </p:spPr>
+        <p:style>
+          <a:lnRef idx="1">
+            <a:schemeClr val="dk1"/>
+          </a:lnRef>
+          <a:fillRef idx="0">
+            <a:schemeClr val="dk1"/>
+          </a:fillRef>
+          <a:effectRef idx="0">
+            <a:schemeClr val="dk1"/>
+          </a:effectRef>
+          <a:fontRef idx="minor">
+            <a:schemeClr val="tx1"/>
+          </a:fontRef>
+        </p:style>
+      </p:cxnSp>
+    </p:spTree>
+    <p:extLst>
+      <p:ext uri="{BB962C8B-B14F-4D97-AF65-F5344CB8AC3E}">
+        <p14:creationId xmlns:p14="http://schemas.microsoft.com/office/powerpoint/2010/main" val="3877361631"/>
+      </p:ext>
+    </p:extLst>
+  </p:cSld>
+  <p:clrMapOvr>
+    <a:masterClrMapping/>
+  </p:clrMapOvr>
+</p:sld>
+</file>
+
+<file path=ppt/slides/slide32.xml><?xml version="1.0" encoding="utf-8"?>
+<p:sld xmlns:a="http://schemas.openxmlformats.org/drawingml/2006/main" xmlns:r="http://schemas.openxmlformats.org/officeDocument/2006/relationships" xmlns:p="http://schemas.openxmlformats.org/presentationml/2006/main">
+  <p:cSld>
+    <p:spTree>
+      <p:nvGrpSpPr>
+        <p:cNvPr id="1" name=""/>
+        <p:cNvGrpSpPr/>
+        <p:nvPr/>
+      </p:nvGrpSpPr>
+      <p:grpSpPr>
+        <a:xfrm>
+          <a:off x="0" y="0"/>
+          <a:ext cx="0" cy="0"/>
+          <a:chOff x="0" y="0"/>
+          <a:chExt cx="0" cy="0"/>
+        </a:xfrm>
+      </p:grpSpPr>
+      <p:sp>
+        <p:nvSpPr>
+          <p:cNvPr id="4" name="文本框 3">
+            <a:extLst>
+              <a:ext uri="{FF2B5EF4-FFF2-40B4-BE49-F238E27FC236}">
+                <a16:creationId xmlns:a16="http://schemas.microsoft.com/office/drawing/2014/main" id="{AEB5B0FA-CAFF-401A-66F3-FA056E2DC0BA}"/>
+              </a:ext>
+            </a:extLst>
+          </p:cNvPr>
+          <p:cNvSpPr txBox="1"/>
+          <p:nvPr/>
+        </p:nvSpPr>
+        <p:spPr>
+          <a:xfrm>
+            <a:off x="4838565" y="-7060"/>
+            <a:ext cx="2395207" cy="461665"/>
+          </a:xfrm>
+          <a:prstGeom prst="rect">
+            <a:avLst/>
+          </a:prstGeom>
+          <a:noFill/>
+        </p:spPr>
+        <p:txBody>
+          <a:bodyPr wrap="none" rtlCol="0">
+            <a:spAutoFit/>
+          </a:bodyPr>
+          <a:lstStyle/>
+          <a:p>
+            <a:r>
+              <a:rPr lang="en-US" altLang="zh-CN" sz="2400" dirty="0"/>
+              <a:t>Futr3D</a:t>
+            </a:r>
+            <a:r>
+              <a:rPr lang="zh-CN" altLang="en-US" sz="2400" dirty="0"/>
+              <a:t> </a:t>
+            </a:r>
+            <a:r>
+              <a:rPr lang="en-US" altLang="zh-CN" sz="2400" dirty="0"/>
+              <a:t>Attention</a:t>
+            </a:r>
+            <a:endParaRPr lang="zh-CN" altLang="en-US" sz="2400" dirty="0"/>
+          </a:p>
+        </p:txBody>
+      </p:sp>
+      <p:sp>
+        <p:nvSpPr>
+          <p:cNvPr id="5" name="矩形 4">
+            <a:extLst>
+              <a:ext uri="{FF2B5EF4-FFF2-40B4-BE49-F238E27FC236}">
+                <a16:creationId xmlns:a16="http://schemas.microsoft.com/office/drawing/2014/main" id="{236B3967-F4F9-D9C2-9D1C-2EB861920699}"/>
+              </a:ext>
+            </a:extLst>
+          </p:cNvPr>
+          <p:cNvSpPr/>
+          <p:nvPr/>
+        </p:nvSpPr>
+        <p:spPr>
+          <a:xfrm>
+            <a:off x="7183166" y="965054"/>
+            <a:ext cx="1980000" cy="586320"/>
+          </a:xfrm>
+          <a:prstGeom prst="rect">
+            <a:avLst/>
+          </a:prstGeom>
+          <a:noFill/>
+          <a:ln>
+            <a:solidFill>
+              <a:schemeClr val="tx1"/>
+            </a:solidFill>
+          </a:ln>
+        </p:spPr>
+        <p:style>
+          <a:lnRef idx="2">
+            <a:schemeClr val="accent1">
+              <a:shade val="15000"/>
+            </a:schemeClr>
+          </a:lnRef>
+          <a:fillRef idx="1">
+            <a:schemeClr val="accent1"/>
+          </a:fillRef>
+          <a:effectRef idx="0">
+            <a:schemeClr val="accent1"/>
+          </a:effectRef>
+          <a:fontRef idx="minor">
+            <a:schemeClr val="lt1"/>
+          </a:fontRef>
+        </p:style>
+        <p:txBody>
+          <a:bodyPr rtlCol="0" anchor="ctr"/>
+          <a:lstStyle/>
+          <a:p>
+            <a:pPr algn="ctr"/>
+            <a:r>
+              <a:rPr lang="en-US" altLang="zh-CN" dirty="0" err="1">
+                <a:solidFill>
+                  <a:schemeClr val="tx1"/>
+                </a:solidFill>
+              </a:rPr>
+              <a:t>mlvl_pts_feats</a:t>
+            </a:r>
+            <a:endParaRPr lang="en-US" altLang="zh-CN" dirty="0">
+              <a:solidFill>
+                <a:schemeClr val="tx1"/>
+              </a:solidFill>
+            </a:endParaRPr>
+          </a:p>
+        </p:txBody>
+      </p:sp>
+      <p:sp>
+        <p:nvSpPr>
+          <p:cNvPr id="6" name="矩形 5">
+            <a:extLst>
+              <a:ext uri="{FF2B5EF4-FFF2-40B4-BE49-F238E27FC236}">
+                <a16:creationId xmlns:a16="http://schemas.microsoft.com/office/drawing/2014/main" id="{9526D6E9-402A-6186-9D78-41768C688B04}"/>
+              </a:ext>
+            </a:extLst>
+          </p:cNvPr>
+          <p:cNvSpPr/>
+          <p:nvPr/>
+        </p:nvSpPr>
+        <p:spPr>
+          <a:xfrm>
+            <a:off x="7183166" y="1918839"/>
+            <a:ext cx="1980000" cy="586320"/>
+          </a:xfrm>
+          <a:prstGeom prst="rect">
+            <a:avLst/>
+          </a:prstGeom>
+          <a:noFill/>
+          <a:ln>
+            <a:solidFill>
+              <a:schemeClr val="tx1"/>
+            </a:solidFill>
+          </a:ln>
+        </p:spPr>
+        <p:style>
+          <a:lnRef idx="2">
+            <a:schemeClr val="accent1">
+              <a:shade val="15000"/>
+            </a:schemeClr>
+          </a:lnRef>
+          <a:fillRef idx="1">
+            <a:schemeClr val="accent1"/>
+          </a:fillRef>
+          <a:effectRef idx="0">
+            <a:schemeClr val="accent1"/>
+          </a:effectRef>
+          <a:fontRef idx="minor">
+            <a:schemeClr val="lt1"/>
+          </a:fontRef>
+        </p:style>
+        <p:txBody>
+          <a:bodyPr rtlCol="0" anchor="ctr"/>
+          <a:lstStyle/>
+          <a:p>
+            <a:pPr algn="ctr"/>
+            <a:r>
+              <a:rPr lang="en-US" altLang="zh-CN" dirty="0" err="1">
+                <a:solidFill>
+                  <a:schemeClr val="tx1"/>
+                </a:solidFill>
+              </a:rPr>
+              <a:t>pts_feat_flatten</a:t>
+            </a:r>
+            <a:endParaRPr lang="en-US" altLang="zh-CN" dirty="0">
+              <a:solidFill>
+                <a:schemeClr val="tx1"/>
+              </a:solidFill>
+            </a:endParaRPr>
+          </a:p>
+          <a:p>
+            <a:pPr algn="ctr"/>
+            <a:r>
+              <a:rPr lang="en-US" altLang="zh-CN" dirty="0">
+                <a:solidFill>
+                  <a:schemeClr val="tx1"/>
+                </a:solidFill>
+              </a:rPr>
+              <a:t>(1,43054,256)</a:t>
+            </a:r>
+            <a:endParaRPr lang="zh-CN" altLang="en-US" dirty="0">
+              <a:solidFill>
+                <a:schemeClr val="tx1"/>
+              </a:solidFill>
+            </a:endParaRPr>
+          </a:p>
+        </p:txBody>
+      </p:sp>
+      <p:sp>
+        <p:nvSpPr>
+          <p:cNvPr id="7" name="矩形 6">
+            <a:extLst>
+              <a:ext uri="{FF2B5EF4-FFF2-40B4-BE49-F238E27FC236}">
+                <a16:creationId xmlns:a16="http://schemas.microsoft.com/office/drawing/2014/main" id="{9139956A-D1F5-B1EA-ED0A-8E86BF3D50B6}"/>
+              </a:ext>
+            </a:extLst>
+          </p:cNvPr>
+          <p:cNvSpPr/>
+          <p:nvPr/>
+        </p:nvSpPr>
+        <p:spPr>
+          <a:xfrm>
+            <a:off x="140000" y="3177118"/>
+            <a:ext cx="1980000" cy="1546506"/>
+          </a:xfrm>
+          <a:prstGeom prst="rect">
+            <a:avLst/>
+          </a:prstGeom>
+          <a:noFill/>
+          <a:ln>
+            <a:solidFill>
+              <a:schemeClr val="tx1"/>
+            </a:solidFill>
+          </a:ln>
+        </p:spPr>
+        <p:style>
+          <a:lnRef idx="2">
+            <a:schemeClr val="accent1">
+              <a:shade val="15000"/>
+            </a:schemeClr>
+          </a:lnRef>
+          <a:fillRef idx="1">
+            <a:schemeClr val="accent1"/>
+          </a:fillRef>
+          <a:effectRef idx="0">
+            <a:schemeClr val="accent1"/>
+          </a:effectRef>
+          <a:fontRef idx="minor">
+            <a:schemeClr val="lt1"/>
+          </a:fontRef>
+        </p:style>
+        <p:txBody>
+          <a:bodyPr rtlCol="0" anchor="ctr"/>
+          <a:lstStyle/>
+          <a:p>
+            <a:pPr algn="ctr"/>
+            <a:r>
+              <a:rPr lang="en-US" altLang="zh-CN" dirty="0" err="1">
+                <a:solidFill>
+                  <a:schemeClr val="tx1"/>
+                </a:solidFill>
+              </a:rPr>
+              <a:t>mlvl_pts_feats</a:t>
+            </a:r>
+            <a:endParaRPr lang="en-US" altLang="zh-CN" dirty="0">
+              <a:solidFill>
+                <a:schemeClr val="tx1"/>
+              </a:solidFill>
+            </a:endParaRPr>
+          </a:p>
+          <a:p>
+            <a:pPr algn="ctr"/>
+            <a:r>
+              <a:rPr lang="en-US" altLang="zh-CN" dirty="0">
+                <a:solidFill>
+                  <a:schemeClr val="tx1"/>
+                </a:solidFill>
+              </a:rPr>
+              <a:t>[(1,256,180,180),</a:t>
+            </a:r>
+          </a:p>
+          <a:p>
+            <a:pPr algn="ctr"/>
+            <a:r>
+              <a:rPr lang="en-US" altLang="zh-CN" dirty="0">
+                <a:solidFill>
+                  <a:schemeClr val="tx1"/>
+                </a:solidFill>
+              </a:rPr>
+              <a:t>(1,256,90,90),</a:t>
+            </a:r>
+          </a:p>
+          <a:p>
+            <a:pPr algn="ctr"/>
+            <a:r>
+              <a:rPr lang="en-US" altLang="zh-CN" dirty="0">
+                <a:solidFill>
+                  <a:schemeClr val="tx1"/>
+                </a:solidFill>
+              </a:rPr>
+              <a:t>(1,256,45,45),</a:t>
+            </a:r>
+          </a:p>
+          <a:p>
+            <a:pPr algn="ctr"/>
+            <a:r>
+              <a:rPr lang="en-US" altLang="zh-CN" dirty="0">
+                <a:solidFill>
+                  <a:schemeClr val="tx1"/>
+                </a:solidFill>
+              </a:rPr>
+              <a:t>(1,256,23,23)]</a:t>
+            </a:r>
+          </a:p>
+        </p:txBody>
+      </p:sp>
+      <p:sp>
+        <p:nvSpPr>
+          <p:cNvPr id="8" name="矩形 7">
+            <a:extLst>
+              <a:ext uri="{FF2B5EF4-FFF2-40B4-BE49-F238E27FC236}">
+                <a16:creationId xmlns:a16="http://schemas.microsoft.com/office/drawing/2014/main" id="{ABD0035E-625B-A1A8-B2CB-08E8F1FA8A1E}"/>
+              </a:ext>
+            </a:extLst>
+          </p:cNvPr>
+          <p:cNvSpPr/>
+          <p:nvPr/>
+        </p:nvSpPr>
+        <p:spPr>
+          <a:xfrm>
+            <a:off x="9732255" y="1918839"/>
+            <a:ext cx="1980000" cy="586320"/>
+          </a:xfrm>
+          <a:prstGeom prst="rect">
+            <a:avLst/>
+          </a:prstGeom>
+          <a:noFill/>
+          <a:ln>
+            <a:solidFill>
+              <a:schemeClr val="tx1"/>
+            </a:solidFill>
+          </a:ln>
+        </p:spPr>
+        <p:style>
+          <a:lnRef idx="2">
+            <a:schemeClr val="accent1">
+              <a:shade val="15000"/>
+            </a:schemeClr>
+          </a:lnRef>
+          <a:fillRef idx="1">
+            <a:schemeClr val="accent1"/>
+          </a:fillRef>
+          <a:effectRef idx="0">
+            <a:schemeClr val="accent1"/>
+          </a:effectRef>
+          <a:fontRef idx="minor">
+            <a:schemeClr val="lt1"/>
+          </a:fontRef>
+        </p:style>
+        <p:txBody>
+          <a:bodyPr rtlCol="0" anchor="ctr"/>
+          <a:lstStyle/>
+          <a:p>
+            <a:pPr algn="ctr"/>
+            <a:r>
+              <a:rPr lang="en-US" altLang="zh-CN" dirty="0" err="1">
+                <a:solidFill>
+                  <a:schemeClr val="tx1"/>
+                </a:solidFill>
+              </a:rPr>
+              <a:t>mlvl_img_feats</a:t>
+            </a:r>
+            <a:endParaRPr lang="en-US" altLang="zh-CN" dirty="0">
+              <a:solidFill>
+                <a:schemeClr val="tx1"/>
+              </a:solidFill>
+            </a:endParaRPr>
+          </a:p>
+        </p:txBody>
+      </p:sp>
+      <p:cxnSp>
+        <p:nvCxnSpPr>
+          <p:cNvPr id="9" name="直接箭头连接符 8">
+            <a:extLst>
+              <a:ext uri="{FF2B5EF4-FFF2-40B4-BE49-F238E27FC236}">
+                <a16:creationId xmlns:a16="http://schemas.microsoft.com/office/drawing/2014/main" id="{A49C472D-4EA8-A2F1-B4A8-BA8F8EDD7DEF}"/>
+              </a:ext>
+            </a:extLst>
+          </p:cNvPr>
+          <p:cNvCxnSpPr>
+            <a:cxnSpLocks/>
+            <a:stCxn id="5" idx="2"/>
+            <a:endCxn id="6" idx="0"/>
+          </p:cNvCxnSpPr>
+          <p:nvPr/>
+        </p:nvCxnSpPr>
+        <p:spPr>
+          <a:xfrm>
+            <a:off x="8173166" y="1551374"/>
+            <a:ext cx="0" cy="367465"/>
+          </a:xfrm>
+          <a:prstGeom prst="straightConnector1">
+            <a:avLst/>
+          </a:prstGeom>
+          <a:ln>
+            <a:tailEnd type="triangle"/>
+          </a:ln>
+        </p:spPr>
+        <p:style>
+          <a:lnRef idx="1">
+            <a:schemeClr val="dk1"/>
+          </a:lnRef>
+          <a:fillRef idx="0">
+            <a:schemeClr val="dk1"/>
+          </a:fillRef>
+          <a:effectRef idx="0">
+            <a:schemeClr val="dk1"/>
+          </a:effectRef>
+          <a:fontRef idx="minor">
+            <a:schemeClr val="tx1"/>
+          </a:fontRef>
+        </p:style>
+      </p:cxnSp>
+      <p:sp>
+        <p:nvSpPr>
+          <p:cNvPr id="12" name="矩形 11">
+            <a:extLst>
+              <a:ext uri="{FF2B5EF4-FFF2-40B4-BE49-F238E27FC236}">
+                <a16:creationId xmlns:a16="http://schemas.microsoft.com/office/drawing/2014/main" id="{308EF350-9153-6432-5EB2-4413E8CC5BDB}"/>
+              </a:ext>
+            </a:extLst>
+          </p:cNvPr>
+          <p:cNvSpPr/>
+          <p:nvPr/>
+        </p:nvSpPr>
+        <p:spPr>
+          <a:xfrm>
+            <a:off x="2819800" y="965054"/>
+            <a:ext cx="1980000" cy="586320"/>
+          </a:xfrm>
+          <a:prstGeom prst="rect">
+            <a:avLst/>
+          </a:prstGeom>
+          <a:noFill/>
+          <a:ln>
+            <a:solidFill>
+              <a:schemeClr val="tx1"/>
+            </a:solidFill>
+          </a:ln>
+        </p:spPr>
+        <p:style>
+          <a:lnRef idx="2">
+            <a:schemeClr val="accent1">
+              <a:shade val="15000"/>
+            </a:schemeClr>
+          </a:lnRef>
+          <a:fillRef idx="1">
+            <a:schemeClr val="accent1"/>
+          </a:fillRef>
+          <a:effectRef idx="0">
+            <a:schemeClr val="accent1"/>
+          </a:effectRef>
+          <a:fontRef idx="minor">
+            <a:schemeClr val="lt1"/>
+          </a:fontRef>
+        </p:style>
+        <p:txBody>
+          <a:bodyPr rtlCol="0" anchor="ctr"/>
+          <a:lstStyle/>
+          <a:p>
+            <a:pPr algn="ctr"/>
+            <a:r>
+              <a:rPr lang="en-US" altLang="zh-CN" dirty="0">
+                <a:solidFill>
+                  <a:schemeClr val="tx1"/>
+                </a:solidFill>
+              </a:rPr>
+              <a:t>Query</a:t>
+            </a:r>
+          </a:p>
+          <a:p>
+            <a:pPr algn="ctr"/>
+            <a:r>
+              <a:rPr lang="en-US" altLang="zh-CN" dirty="0">
+                <a:solidFill>
+                  <a:schemeClr val="tx1"/>
+                </a:solidFill>
+              </a:rPr>
+              <a:t>(1,900,256)</a:t>
+            </a:r>
+          </a:p>
+        </p:txBody>
+      </p:sp>
+      <p:sp>
+        <p:nvSpPr>
+          <p:cNvPr id="13" name="矩形 12">
+            <a:extLst>
+              <a:ext uri="{FF2B5EF4-FFF2-40B4-BE49-F238E27FC236}">
+                <a16:creationId xmlns:a16="http://schemas.microsoft.com/office/drawing/2014/main" id="{C41694FE-C95C-33F4-6876-C95EFD57E253}"/>
+              </a:ext>
+            </a:extLst>
+          </p:cNvPr>
+          <p:cNvSpPr/>
+          <p:nvPr/>
+        </p:nvSpPr>
+        <p:spPr>
+          <a:xfrm>
+            <a:off x="4018835" y="2056451"/>
+            <a:ext cx="1980000" cy="586320"/>
+          </a:xfrm>
+          <a:prstGeom prst="rect">
+            <a:avLst/>
+          </a:prstGeom>
+          <a:noFill/>
+          <a:ln>
+            <a:solidFill>
+              <a:schemeClr val="tx1"/>
+            </a:solidFill>
+          </a:ln>
+        </p:spPr>
+        <p:style>
+          <a:lnRef idx="2">
+            <a:schemeClr val="accent1">
+              <a:shade val="15000"/>
+            </a:schemeClr>
+          </a:lnRef>
+          <a:fillRef idx="1">
+            <a:schemeClr val="accent1"/>
+          </a:fillRef>
+          <a:effectRef idx="0">
+            <a:schemeClr val="accent1"/>
+          </a:effectRef>
+          <a:fontRef idx="minor">
+            <a:schemeClr val="lt1"/>
+          </a:fontRef>
+        </p:style>
+        <p:txBody>
+          <a:bodyPr rtlCol="0" anchor="ctr"/>
+          <a:lstStyle/>
+          <a:p>
+            <a:pPr algn="ctr"/>
+            <a:r>
+              <a:rPr lang="en-US" altLang="zh-CN" dirty="0" err="1">
+                <a:solidFill>
+                  <a:schemeClr val="tx1"/>
+                </a:solidFill>
+              </a:rPr>
+              <a:t>Img_weight</a:t>
+            </a:r>
+            <a:endParaRPr lang="en-US" altLang="zh-CN" dirty="0">
+              <a:solidFill>
+                <a:schemeClr val="tx1"/>
+              </a:solidFill>
+            </a:endParaRPr>
+          </a:p>
+        </p:txBody>
+      </p:sp>
+      <p:sp>
+        <p:nvSpPr>
+          <p:cNvPr id="14" name="矩形 13">
+            <a:extLst>
+              <a:ext uri="{FF2B5EF4-FFF2-40B4-BE49-F238E27FC236}">
+                <a16:creationId xmlns:a16="http://schemas.microsoft.com/office/drawing/2014/main" id="{182496C3-E86A-CE09-5D7B-53B532419BFA}"/>
+              </a:ext>
+            </a:extLst>
+          </p:cNvPr>
+          <p:cNvSpPr/>
+          <p:nvPr/>
+        </p:nvSpPr>
+        <p:spPr>
+          <a:xfrm>
+            <a:off x="1588846" y="2056451"/>
+            <a:ext cx="1980000" cy="586320"/>
+          </a:xfrm>
+          <a:prstGeom prst="rect">
+            <a:avLst/>
+          </a:prstGeom>
+          <a:noFill/>
+          <a:ln>
+            <a:solidFill>
+              <a:schemeClr val="tx1"/>
+            </a:solidFill>
+          </a:ln>
+        </p:spPr>
+        <p:style>
+          <a:lnRef idx="2">
+            <a:schemeClr val="accent1">
+              <a:shade val="15000"/>
+            </a:schemeClr>
+          </a:lnRef>
+          <a:fillRef idx="1">
+            <a:schemeClr val="accent1"/>
+          </a:fillRef>
+          <a:effectRef idx="0">
+            <a:schemeClr val="accent1"/>
+          </a:effectRef>
+          <a:fontRef idx="minor">
+            <a:schemeClr val="lt1"/>
+          </a:fontRef>
+        </p:style>
+        <p:txBody>
+          <a:bodyPr rtlCol="0" anchor="ctr"/>
+          <a:lstStyle/>
+          <a:p>
+            <a:pPr algn="ctr"/>
+            <a:r>
+              <a:rPr lang="en-US" altLang="zh-CN" dirty="0" err="1">
+                <a:solidFill>
+                  <a:schemeClr val="tx1"/>
+                </a:solidFill>
+              </a:rPr>
+              <a:t>pts_weight</a:t>
+            </a:r>
+            <a:endParaRPr lang="en-US" altLang="zh-CN" dirty="0">
+              <a:solidFill>
+                <a:schemeClr val="tx1"/>
+              </a:solidFill>
+            </a:endParaRPr>
+          </a:p>
+        </p:txBody>
+      </p:sp>
+      <p:cxnSp>
+        <p:nvCxnSpPr>
+          <p:cNvPr id="15" name="连接符: 肘形 14">
+            <a:extLst>
+              <a:ext uri="{FF2B5EF4-FFF2-40B4-BE49-F238E27FC236}">
+                <a16:creationId xmlns:a16="http://schemas.microsoft.com/office/drawing/2014/main" id="{BC515497-8015-A68D-A385-F06FBC093765}"/>
+              </a:ext>
+            </a:extLst>
+          </p:cNvPr>
+          <p:cNvCxnSpPr>
+            <a:cxnSpLocks/>
+            <a:stCxn id="12" idx="2"/>
+            <a:endCxn id="13" idx="0"/>
+          </p:cNvCxnSpPr>
+          <p:nvPr/>
+        </p:nvCxnSpPr>
+        <p:spPr>
+          <a:xfrm rot="16200000" flipH="1">
+            <a:off x="4156779" y="1204394"/>
+            <a:ext cx="505077" cy="1199035"/>
+          </a:xfrm>
+          <a:prstGeom prst="bentConnector3">
+            <a:avLst>
+              <a:gd name="adj1" fmla="val 50000"/>
+            </a:avLst>
+          </a:prstGeom>
+          <a:ln>
+            <a:tailEnd type="triangle"/>
+          </a:ln>
+        </p:spPr>
+        <p:style>
+          <a:lnRef idx="1">
+            <a:schemeClr val="dk1"/>
+          </a:lnRef>
+          <a:fillRef idx="0">
+            <a:schemeClr val="dk1"/>
+          </a:fillRef>
+          <a:effectRef idx="0">
+            <a:schemeClr val="dk1"/>
+          </a:effectRef>
+          <a:fontRef idx="minor">
+            <a:schemeClr val="tx1"/>
+          </a:fontRef>
+        </p:style>
+      </p:cxnSp>
+      <p:cxnSp>
+        <p:nvCxnSpPr>
+          <p:cNvPr id="19" name="连接符: 肘形 18">
+            <a:extLst>
+              <a:ext uri="{FF2B5EF4-FFF2-40B4-BE49-F238E27FC236}">
+                <a16:creationId xmlns:a16="http://schemas.microsoft.com/office/drawing/2014/main" id="{44B207E1-2E70-EA86-D640-9BA329D6F017}"/>
+              </a:ext>
+            </a:extLst>
+          </p:cNvPr>
+          <p:cNvCxnSpPr>
+            <a:cxnSpLocks/>
+            <a:stCxn id="12" idx="2"/>
+            <a:endCxn id="14" idx="0"/>
+          </p:cNvCxnSpPr>
+          <p:nvPr/>
+        </p:nvCxnSpPr>
+        <p:spPr>
+          <a:xfrm rot="5400000">
+            <a:off x="2941785" y="1188435"/>
+            <a:ext cx="505077" cy="1230954"/>
+          </a:xfrm>
+          <a:prstGeom prst="bentConnector3">
+            <a:avLst>
+              <a:gd name="adj1" fmla="val 50000"/>
+            </a:avLst>
+          </a:prstGeom>
+          <a:ln>
+            <a:tailEnd type="triangle"/>
+          </a:ln>
+        </p:spPr>
+        <p:style>
+          <a:lnRef idx="1">
+            <a:schemeClr val="dk1"/>
+          </a:lnRef>
+          <a:fillRef idx="0">
+            <a:schemeClr val="dk1"/>
+          </a:fillRef>
+          <a:effectRef idx="0">
+            <a:schemeClr val="dk1"/>
+          </a:effectRef>
+          <a:fontRef idx="minor">
+            <a:schemeClr val="tx1"/>
+          </a:fontRef>
+        </p:style>
+      </p:cxnSp>
+      <p:sp>
+        <p:nvSpPr>
+          <p:cNvPr id="28" name="矩形 27">
+            <a:extLst>
+              <a:ext uri="{FF2B5EF4-FFF2-40B4-BE49-F238E27FC236}">
+                <a16:creationId xmlns:a16="http://schemas.microsoft.com/office/drawing/2014/main" id="{F7B14793-1E11-5C20-0E65-24C1117BA2D6}"/>
+              </a:ext>
+            </a:extLst>
+          </p:cNvPr>
+          <p:cNvSpPr/>
+          <p:nvPr/>
+        </p:nvSpPr>
+        <p:spPr>
+          <a:xfrm>
+            <a:off x="140000" y="4891190"/>
+            <a:ext cx="1980000" cy="1546506"/>
+          </a:xfrm>
+          <a:prstGeom prst="rect">
+            <a:avLst/>
+          </a:prstGeom>
+          <a:noFill/>
+          <a:ln>
+            <a:solidFill>
+              <a:schemeClr val="tx1"/>
+            </a:solidFill>
+          </a:ln>
+        </p:spPr>
+        <p:style>
+          <a:lnRef idx="2">
+            <a:schemeClr val="accent1">
+              <a:shade val="15000"/>
+            </a:schemeClr>
+          </a:lnRef>
+          <a:fillRef idx="1">
+            <a:schemeClr val="accent1"/>
+          </a:fillRef>
+          <a:effectRef idx="0">
+            <a:schemeClr val="accent1"/>
+          </a:effectRef>
+          <a:fontRef idx="minor">
+            <a:schemeClr val="lt1"/>
+          </a:fontRef>
+        </p:style>
+        <p:txBody>
+          <a:bodyPr rtlCol="0" anchor="ctr"/>
+          <a:lstStyle/>
+          <a:p>
+            <a:pPr algn="ctr"/>
+            <a:r>
+              <a:rPr lang="en-US" altLang="zh-CN" dirty="0" err="1">
+                <a:solidFill>
+                  <a:schemeClr val="tx1"/>
+                </a:solidFill>
+              </a:rPr>
+              <a:t>mlvl_img_feats</a:t>
+            </a:r>
+            <a:endParaRPr lang="en-US" altLang="zh-CN" dirty="0">
+              <a:solidFill>
+                <a:schemeClr val="tx1"/>
+              </a:solidFill>
+            </a:endParaRPr>
+          </a:p>
+          <a:p>
+            <a:pPr algn="ctr"/>
+            <a:r>
+              <a:rPr lang="en-US" altLang="zh-CN" dirty="0">
+                <a:solidFill>
+                  <a:schemeClr val="tx1"/>
+                </a:solidFill>
+              </a:rPr>
+              <a:t>[(1,6,256,116,200),</a:t>
+            </a:r>
+          </a:p>
+          <a:p>
+            <a:pPr algn="ctr"/>
+            <a:r>
+              <a:rPr lang="en-US" altLang="zh-CN" dirty="0">
+                <a:solidFill>
+                  <a:schemeClr val="tx1"/>
+                </a:solidFill>
+              </a:rPr>
+              <a:t>(1,6,256,58,100),</a:t>
+            </a:r>
+          </a:p>
+          <a:p>
+            <a:pPr algn="ctr"/>
+            <a:r>
+              <a:rPr lang="en-US" altLang="zh-CN" dirty="0">
+                <a:solidFill>
+                  <a:schemeClr val="tx1"/>
+                </a:solidFill>
+              </a:rPr>
+              <a:t>(1,6,256,29,50),</a:t>
+            </a:r>
+          </a:p>
+          <a:p>
+            <a:pPr algn="ctr"/>
+            <a:r>
+              <a:rPr lang="en-US" altLang="zh-CN" dirty="0">
+                <a:solidFill>
+                  <a:schemeClr val="tx1"/>
+                </a:solidFill>
+              </a:rPr>
+              <a:t>(1,6,256,15,25)]</a:t>
+            </a:r>
+          </a:p>
+        </p:txBody>
+      </p:sp>
+      <p:sp>
+        <p:nvSpPr>
+          <p:cNvPr id="29" name="矩形 28">
+            <a:extLst>
+              <a:ext uri="{FF2B5EF4-FFF2-40B4-BE49-F238E27FC236}">
+                <a16:creationId xmlns:a16="http://schemas.microsoft.com/office/drawing/2014/main" id="{41FF8AC0-662B-3A7E-D4C4-97EEDE96EABD}"/>
+              </a:ext>
+            </a:extLst>
+          </p:cNvPr>
+          <p:cNvSpPr/>
+          <p:nvPr/>
+        </p:nvSpPr>
+        <p:spPr>
+          <a:xfrm>
+            <a:off x="140000" y="965053"/>
+            <a:ext cx="1980000" cy="586320"/>
+          </a:xfrm>
+          <a:prstGeom prst="rect">
+            <a:avLst/>
+          </a:prstGeom>
+          <a:noFill/>
+          <a:ln>
+            <a:solidFill>
+              <a:schemeClr val="tx1"/>
+            </a:solidFill>
+          </a:ln>
+        </p:spPr>
+        <p:style>
+          <a:lnRef idx="2">
+            <a:schemeClr val="accent1">
+              <a:shade val="15000"/>
+            </a:schemeClr>
+          </a:lnRef>
+          <a:fillRef idx="1">
+            <a:schemeClr val="accent1"/>
+          </a:fillRef>
+          <a:effectRef idx="0">
+            <a:schemeClr val="accent1"/>
+          </a:effectRef>
+          <a:fontRef idx="minor">
+            <a:schemeClr val="lt1"/>
+          </a:fontRef>
+        </p:style>
+        <p:txBody>
+          <a:bodyPr rtlCol="0" anchor="ctr"/>
+          <a:lstStyle/>
+          <a:p>
+            <a:pPr algn="ctr"/>
+            <a:r>
+              <a:rPr lang="en-US" altLang="zh-CN" dirty="0">
+                <a:solidFill>
+                  <a:schemeClr val="tx1"/>
+                </a:solidFill>
+              </a:rPr>
+              <a:t>Reference points</a:t>
+            </a:r>
+          </a:p>
+          <a:p>
+            <a:pPr algn="ctr"/>
+            <a:r>
+              <a:rPr lang="en-US" altLang="zh-CN" dirty="0">
+                <a:solidFill>
+                  <a:schemeClr val="tx1"/>
+                </a:solidFill>
+              </a:rPr>
+              <a:t>(1,900,3)</a:t>
+            </a:r>
+          </a:p>
+        </p:txBody>
+      </p:sp>
+    </p:spTree>
+    <p:extLst>
+      <p:ext uri="{BB962C8B-B14F-4D97-AF65-F5344CB8AC3E}">
+        <p14:creationId xmlns:p14="http://schemas.microsoft.com/office/powerpoint/2010/main" val="3294212017"/>
+      </p:ext>
+    </p:extLst>
+  </p:cSld>
+  <p:clrMapOvr>
+    <a:masterClrMapping/>
+  </p:clrMapOvr>
+</p:sld>
+</file>
+
+<file path=ppt/slides/slide33.xml><?xml version="1.0" encoding="utf-8"?>
+<p:sld xmlns:a="http://schemas.openxmlformats.org/drawingml/2006/main" xmlns:r="http://schemas.openxmlformats.org/officeDocument/2006/relationships" xmlns:p="http://schemas.openxmlformats.org/presentationml/2006/main">
+  <p:cSld>
+    <p:spTree>
+      <p:nvGrpSpPr>
+        <p:cNvPr id="1" name=""/>
+        <p:cNvGrpSpPr/>
+        <p:nvPr/>
+      </p:nvGrpSpPr>
+      <p:grpSpPr>
+        <a:xfrm>
+          <a:off x="0" y="0"/>
+          <a:ext cx="0" cy="0"/>
+          <a:chOff x="0" y="0"/>
+          <a:chExt cx="0" cy="0"/>
+        </a:xfrm>
+      </p:grpSpPr>
+      <p:sp>
+        <p:nvSpPr>
+          <p:cNvPr id="4" name="文本框 3">
+            <a:extLst>
+              <a:ext uri="{FF2B5EF4-FFF2-40B4-BE49-F238E27FC236}">
+                <a16:creationId xmlns:a16="http://schemas.microsoft.com/office/drawing/2014/main" id="{AEB5B0FA-CAFF-401A-66F3-FA056E2DC0BA}"/>
+              </a:ext>
+            </a:extLst>
+          </p:cNvPr>
+          <p:cNvSpPr txBox="1"/>
+          <p:nvPr/>
+        </p:nvSpPr>
+        <p:spPr>
+          <a:xfrm>
+            <a:off x="4838565" y="-7060"/>
+            <a:ext cx="2395207" cy="461665"/>
+          </a:xfrm>
+          <a:prstGeom prst="rect">
+            <a:avLst/>
+          </a:prstGeom>
+          <a:noFill/>
+        </p:spPr>
+        <p:txBody>
+          <a:bodyPr wrap="none" rtlCol="0">
+            <a:spAutoFit/>
+          </a:bodyPr>
+          <a:lstStyle/>
+          <a:p>
+            <a:r>
+              <a:rPr lang="en-US" altLang="zh-CN" sz="2400" dirty="0"/>
+              <a:t>Futr3D</a:t>
+            </a:r>
+            <a:r>
+              <a:rPr lang="zh-CN" altLang="en-US" sz="2400" dirty="0"/>
+              <a:t> </a:t>
+            </a:r>
+            <a:r>
+              <a:rPr lang="en-US" altLang="zh-CN" sz="2400" dirty="0"/>
+              <a:t>Attention</a:t>
+            </a:r>
+            <a:endParaRPr lang="zh-CN" altLang="en-US" sz="2400" dirty="0"/>
+          </a:p>
+        </p:txBody>
+      </p:sp>
+      <p:sp>
+        <p:nvSpPr>
+          <p:cNvPr id="6" name="矩形 5">
+            <a:extLst>
+              <a:ext uri="{FF2B5EF4-FFF2-40B4-BE49-F238E27FC236}">
+                <a16:creationId xmlns:a16="http://schemas.microsoft.com/office/drawing/2014/main" id="{9526D6E9-402A-6186-9D78-41768C688B04}"/>
+              </a:ext>
+            </a:extLst>
+          </p:cNvPr>
+          <p:cNvSpPr/>
+          <p:nvPr/>
+        </p:nvSpPr>
+        <p:spPr>
+          <a:xfrm>
+            <a:off x="397355" y="1753835"/>
+            <a:ext cx="1980000" cy="586320"/>
+          </a:xfrm>
+          <a:prstGeom prst="rect">
+            <a:avLst/>
+          </a:prstGeom>
+          <a:noFill/>
+          <a:ln>
+            <a:solidFill>
+              <a:schemeClr val="tx1"/>
+            </a:solidFill>
+          </a:ln>
+        </p:spPr>
+        <p:style>
+          <a:lnRef idx="2">
+            <a:schemeClr val="accent1">
+              <a:shade val="15000"/>
+            </a:schemeClr>
+          </a:lnRef>
+          <a:fillRef idx="1">
+            <a:schemeClr val="accent1"/>
+          </a:fillRef>
+          <a:effectRef idx="0">
+            <a:schemeClr val="accent1"/>
+          </a:effectRef>
+          <a:fontRef idx="minor">
+            <a:schemeClr val="lt1"/>
+          </a:fontRef>
+        </p:style>
+        <p:txBody>
+          <a:bodyPr rtlCol="0" anchor="ctr"/>
+          <a:lstStyle/>
+          <a:p>
+            <a:pPr algn="ctr"/>
+            <a:r>
+              <a:rPr lang="en-US" altLang="zh-CN" dirty="0" err="1">
+                <a:solidFill>
+                  <a:schemeClr val="tx1"/>
+                </a:solidFill>
+              </a:rPr>
+              <a:t>pts_feat_flatten</a:t>
+            </a:r>
+            <a:endParaRPr lang="en-US" altLang="zh-CN" dirty="0">
+              <a:solidFill>
+                <a:schemeClr val="tx1"/>
+              </a:solidFill>
+            </a:endParaRPr>
+          </a:p>
+        </p:txBody>
+      </p:sp>
+      <p:sp>
+        <p:nvSpPr>
+          <p:cNvPr id="8" name="矩形 7">
+            <a:extLst>
+              <a:ext uri="{FF2B5EF4-FFF2-40B4-BE49-F238E27FC236}">
+                <a16:creationId xmlns:a16="http://schemas.microsoft.com/office/drawing/2014/main" id="{ABD0035E-625B-A1A8-B2CB-08E8F1FA8A1E}"/>
+              </a:ext>
+            </a:extLst>
+          </p:cNvPr>
+          <p:cNvSpPr/>
+          <p:nvPr/>
+        </p:nvSpPr>
+        <p:spPr>
+          <a:xfrm>
+            <a:off x="397355" y="2707620"/>
+            <a:ext cx="1980000" cy="586320"/>
+          </a:xfrm>
+          <a:prstGeom prst="rect">
+            <a:avLst/>
+          </a:prstGeom>
+          <a:noFill/>
+          <a:ln>
+            <a:solidFill>
+              <a:schemeClr val="tx1"/>
+            </a:solidFill>
+          </a:ln>
+        </p:spPr>
+        <p:style>
+          <a:lnRef idx="2">
+            <a:schemeClr val="accent1">
+              <a:shade val="15000"/>
+            </a:schemeClr>
+          </a:lnRef>
+          <a:fillRef idx="1">
+            <a:schemeClr val="accent1"/>
+          </a:fillRef>
+          <a:effectRef idx="0">
+            <a:schemeClr val="accent1"/>
+          </a:effectRef>
+          <a:fontRef idx="minor">
+            <a:schemeClr val="lt1"/>
+          </a:fontRef>
+        </p:style>
+        <p:txBody>
+          <a:bodyPr rtlCol="0" anchor="ctr"/>
+          <a:lstStyle/>
+          <a:p>
+            <a:pPr algn="ctr"/>
+            <a:r>
+              <a:rPr lang="en-US" altLang="zh-CN" dirty="0" err="1">
+                <a:solidFill>
+                  <a:schemeClr val="tx1"/>
+                </a:solidFill>
+              </a:rPr>
+              <a:t>mlvl_img_feats</a:t>
+            </a:r>
+            <a:endParaRPr lang="en-US" altLang="zh-CN" dirty="0">
+              <a:solidFill>
+                <a:schemeClr val="tx1"/>
+              </a:solidFill>
+            </a:endParaRPr>
+          </a:p>
+        </p:txBody>
+      </p:sp>
+      <p:sp>
+        <p:nvSpPr>
+          <p:cNvPr id="12" name="矩形 11">
+            <a:extLst>
+              <a:ext uri="{FF2B5EF4-FFF2-40B4-BE49-F238E27FC236}">
+                <a16:creationId xmlns:a16="http://schemas.microsoft.com/office/drawing/2014/main" id="{308EF350-9153-6432-5EB2-4413E8CC5BDB}"/>
+              </a:ext>
+            </a:extLst>
+          </p:cNvPr>
+          <p:cNvSpPr/>
+          <p:nvPr/>
+        </p:nvSpPr>
+        <p:spPr>
+          <a:xfrm>
+            <a:off x="5472403" y="5990817"/>
+            <a:ext cx="1980000" cy="586320"/>
+          </a:xfrm>
+          <a:prstGeom prst="rect">
+            <a:avLst/>
+          </a:prstGeom>
+          <a:noFill/>
+          <a:ln>
+            <a:solidFill>
+              <a:schemeClr val="tx1"/>
+            </a:solidFill>
+          </a:ln>
+        </p:spPr>
+        <p:style>
+          <a:lnRef idx="2">
+            <a:schemeClr val="accent1">
+              <a:shade val="15000"/>
+            </a:schemeClr>
+          </a:lnRef>
+          <a:fillRef idx="1">
+            <a:schemeClr val="accent1"/>
+          </a:fillRef>
+          <a:effectRef idx="0">
+            <a:schemeClr val="accent1"/>
+          </a:effectRef>
+          <a:fontRef idx="minor">
+            <a:schemeClr val="lt1"/>
+          </a:fontRef>
+        </p:style>
+        <p:txBody>
+          <a:bodyPr rtlCol="0" anchor="ctr"/>
+          <a:lstStyle/>
+          <a:p>
+            <a:pPr algn="ctr"/>
+            <a:r>
+              <a:rPr lang="en-US" altLang="zh-CN" dirty="0">
+                <a:solidFill>
+                  <a:schemeClr val="tx1"/>
+                </a:solidFill>
+              </a:rPr>
+              <a:t>Query</a:t>
+            </a:r>
+          </a:p>
+          <a:p>
+            <a:pPr algn="ctr"/>
+            <a:r>
+              <a:rPr lang="en-US" altLang="zh-CN" dirty="0">
+                <a:solidFill>
+                  <a:schemeClr val="tx1"/>
+                </a:solidFill>
+              </a:rPr>
+              <a:t>(900,256)</a:t>
+            </a:r>
+          </a:p>
+        </p:txBody>
+      </p:sp>
+      <p:sp>
+        <p:nvSpPr>
+          <p:cNvPr id="29" name="矩形 28">
+            <a:extLst>
+              <a:ext uri="{FF2B5EF4-FFF2-40B4-BE49-F238E27FC236}">
+                <a16:creationId xmlns:a16="http://schemas.microsoft.com/office/drawing/2014/main" id="{41FF8AC0-662B-3A7E-D4C4-97EEDE96EABD}"/>
+              </a:ext>
+            </a:extLst>
+          </p:cNvPr>
+          <p:cNvSpPr/>
+          <p:nvPr/>
+        </p:nvSpPr>
+        <p:spPr>
+          <a:xfrm>
+            <a:off x="9077744" y="3669655"/>
+            <a:ext cx="1980000" cy="586320"/>
+          </a:xfrm>
+          <a:prstGeom prst="rect">
+            <a:avLst/>
+          </a:prstGeom>
+          <a:noFill/>
+          <a:ln>
+            <a:solidFill>
+              <a:schemeClr val="tx1"/>
+            </a:solidFill>
+          </a:ln>
+        </p:spPr>
+        <p:style>
+          <a:lnRef idx="2">
+            <a:schemeClr val="accent1">
+              <a:shade val="15000"/>
+            </a:schemeClr>
+          </a:lnRef>
+          <a:fillRef idx="1">
+            <a:schemeClr val="accent1"/>
+          </a:fillRef>
+          <a:effectRef idx="0">
+            <a:schemeClr val="accent1"/>
+          </a:effectRef>
+          <a:fontRef idx="minor">
+            <a:schemeClr val="lt1"/>
+          </a:fontRef>
+        </p:style>
+        <p:txBody>
+          <a:bodyPr rtlCol="0" anchor="ctr"/>
+          <a:lstStyle/>
+          <a:p>
+            <a:pPr algn="ctr"/>
+            <a:r>
+              <a:rPr lang="en-US" altLang="zh-CN" dirty="0">
+                <a:solidFill>
+                  <a:schemeClr val="tx1"/>
+                </a:solidFill>
+              </a:rPr>
+              <a:t>Reference points</a:t>
+            </a:r>
+          </a:p>
+          <a:p>
+            <a:pPr algn="ctr"/>
+            <a:r>
+              <a:rPr lang="en-US" altLang="zh-CN" dirty="0">
+                <a:solidFill>
+                  <a:schemeClr val="tx1"/>
+                </a:solidFill>
+              </a:rPr>
+              <a:t>(1,900,3)</a:t>
+            </a:r>
+          </a:p>
+        </p:txBody>
+      </p:sp>
+      <p:sp>
+        <p:nvSpPr>
+          <p:cNvPr id="3" name="矩形 2">
+            <a:extLst>
+              <a:ext uri="{FF2B5EF4-FFF2-40B4-BE49-F238E27FC236}">
+                <a16:creationId xmlns:a16="http://schemas.microsoft.com/office/drawing/2014/main" id="{EFCE62BA-E51E-1E14-734C-D5D590030A02}"/>
+              </a:ext>
+            </a:extLst>
+          </p:cNvPr>
+          <p:cNvSpPr/>
+          <p:nvPr/>
+        </p:nvSpPr>
+        <p:spPr>
+          <a:xfrm>
+            <a:off x="4838565" y="3804686"/>
+            <a:ext cx="3039677" cy="586320"/>
+          </a:xfrm>
+          <a:prstGeom prst="rect">
+            <a:avLst/>
+          </a:prstGeom>
+          <a:noFill/>
+          <a:ln>
+            <a:solidFill>
+              <a:schemeClr val="tx1"/>
+            </a:solidFill>
+          </a:ln>
+        </p:spPr>
+        <p:style>
+          <a:lnRef idx="2">
+            <a:schemeClr val="accent1">
+              <a:shade val="15000"/>
+            </a:schemeClr>
+          </a:lnRef>
+          <a:fillRef idx="1">
+            <a:schemeClr val="accent1"/>
+          </a:fillRef>
+          <a:effectRef idx="0">
+            <a:schemeClr val="accent1"/>
+          </a:effectRef>
+          <a:fontRef idx="minor">
+            <a:schemeClr val="lt1"/>
+          </a:fontRef>
+        </p:style>
+        <p:txBody>
+          <a:bodyPr rtlCol="0" anchor="ctr"/>
+          <a:lstStyle/>
+          <a:p>
+            <a:pPr algn="ctr"/>
+            <a:r>
+              <a:rPr lang="en-US" altLang="zh-CN" dirty="0">
+                <a:solidFill>
+                  <a:schemeClr val="tx1"/>
+                </a:solidFill>
+              </a:rPr>
+              <a:t>Multi-Head Self-Attention</a:t>
+            </a:r>
+          </a:p>
+        </p:txBody>
+      </p:sp>
+    </p:spTree>
+    <p:extLst>
+      <p:ext uri="{BB962C8B-B14F-4D97-AF65-F5344CB8AC3E}">
+        <p14:creationId xmlns:p14="http://schemas.microsoft.com/office/powerpoint/2010/main" val="3833756754"/>
+      </p:ext>
+    </p:extLst>
+  </p:cSld>
+  <p:clrMapOvr>
+    <a:masterClrMapping/>
+  </p:clrMapOvr>
+</p:sld>
+</file>
+
+<file path=ppt/slides/slide34.xml><?xml version="1.0" encoding="utf-8"?>
+<p:sld xmlns:a="http://schemas.openxmlformats.org/drawingml/2006/main" xmlns:r="http://schemas.openxmlformats.org/officeDocument/2006/relationships" xmlns:p="http://schemas.openxmlformats.org/presentationml/2006/main">
+  <p:cSld>
+    <p:spTree>
+      <p:nvGrpSpPr>
+        <p:cNvPr id="1" name=""/>
+        <p:cNvGrpSpPr/>
+        <p:nvPr/>
+      </p:nvGrpSpPr>
+      <p:grpSpPr>
+        <a:xfrm>
+          <a:off x="0" y="0"/>
+          <a:ext cx="0" cy="0"/>
+          <a:chOff x="0" y="0"/>
+          <a:chExt cx="0" cy="0"/>
+        </a:xfrm>
+      </p:grpSpPr>
+      <p:sp>
+        <p:nvSpPr>
+          <p:cNvPr id="4" name="文本框 3">
+            <a:extLst>
+              <a:ext uri="{FF2B5EF4-FFF2-40B4-BE49-F238E27FC236}">
+                <a16:creationId xmlns:a16="http://schemas.microsoft.com/office/drawing/2014/main" id="{AEB5B0FA-CAFF-401A-66F3-FA056E2DC0BA}"/>
+              </a:ext>
+            </a:extLst>
+          </p:cNvPr>
+          <p:cNvSpPr txBox="1"/>
+          <p:nvPr/>
+        </p:nvSpPr>
+        <p:spPr>
+          <a:xfrm>
+            <a:off x="4838565" y="-7060"/>
+            <a:ext cx="3809056" cy="461665"/>
+          </a:xfrm>
+          <a:prstGeom prst="rect">
+            <a:avLst/>
+          </a:prstGeom>
+          <a:noFill/>
+        </p:spPr>
+        <p:txBody>
+          <a:bodyPr wrap="none" rtlCol="0">
+            <a:spAutoFit/>
+          </a:bodyPr>
+          <a:lstStyle/>
+          <a:p>
+            <a:r>
+              <a:rPr lang="en-US" altLang="zh-CN" sz="2400" dirty="0"/>
+              <a:t>Futr3DTransformerDecoder</a:t>
+            </a:r>
+            <a:endParaRPr lang="zh-CN" altLang="en-US" sz="2400" dirty="0"/>
+          </a:p>
+        </p:txBody>
+      </p:sp>
+    </p:spTree>
+    <p:extLst>
+      <p:ext uri="{BB962C8B-B14F-4D97-AF65-F5344CB8AC3E}">
+        <p14:creationId xmlns:p14="http://schemas.microsoft.com/office/powerpoint/2010/main" val="1307837496"/>
       </p:ext>
     </p:extLst>
   </p:cSld>
